--- a/course_materials/week4/Slides/Kulldrof Scan statistic.pptx
+++ b/course_materials/week4/Slides/Kulldrof Scan statistic.pptx
@@ -2,7 +2,7 @@
 <file path=ppt/presentation.xml><?xml version="1.0" encoding="utf-8"?>
 <p:presentation xmlns:a="http://schemas.openxmlformats.org/drawingml/2006/main" xmlns:r="http://schemas.openxmlformats.org/officeDocument/2006/relationships" xmlns:p="http://schemas.openxmlformats.org/presentationml/2006/main" saveSubsetFonts="1" autoCompressPictures="0">
   <p:sldMasterIdLst>
-    <p:sldMasterId id="2147483648" r:id="rId1"/>
+    <p:sldMasterId id="2147483684" r:id="rId1"/>
   </p:sldMasterIdLst>
   <p:notesMasterIdLst>
     <p:notesMasterId r:id="rId13"/>
@@ -11,8 +11,8 @@
     <p:sldId id="256" r:id="rId2"/>
     <p:sldId id="358" r:id="rId3"/>
     <p:sldId id="377" r:id="rId4"/>
-    <p:sldId id="400" r:id="rId5"/>
-    <p:sldId id="399" r:id="rId6"/>
+    <p:sldId id="399" r:id="rId5"/>
+    <p:sldId id="400" r:id="rId6"/>
     <p:sldId id="389" r:id="rId7"/>
     <p:sldId id="398" r:id="rId8"/>
     <p:sldId id="394" r:id="rId9"/>
@@ -26,7 +26,7 @@
     <a:defPPr>
       <a:defRPr lang="en-US"/>
     </a:defPPr>
-    <a:lvl1pPr marL="0" algn="l" defTabSz="914400" rtl="0" eaLnBrk="1" latinLnBrk="0" hangingPunct="1">
+    <a:lvl1pPr marL="0" algn="l" defTabSz="457200" rtl="0" eaLnBrk="1" latinLnBrk="0" hangingPunct="1">
       <a:defRPr sz="1800" kern="1200">
         <a:solidFill>
           <a:schemeClr val="tx1"/>
@@ -36,7 +36,7 @@
         <a:cs typeface="+mn-cs"/>
       </a:defRPr>
     </a:lvl1pPr>
-    <a:lvl2pPr marL="457200" algn="l" defTabSz="914400" rtl="0" eaLnBrk="1" latinLnBrk="0" hangingPunct="1">
+    <a:lvl2pPr marL="457200" algn="l" defTabSz="457200" rtl="0" eaLnBrk="1" latinLnBrk="0" hangingPunct="1">
       <a:defRPr sz="1800" kern="1200">
         <a:solidFill>
           <a:schemeClr val="tx1"/>
@@ -46,7 +46,7 @@
         <a:cs typeface="+mn-cs"/>
       </a:defRPr>
     </a:lvl2pPr>
-    <a:lvl3pPr marL="914400" algn="l" defTabSz="914400" rtl="0" eaLnBrk="1" latinLnBrk="0" hangingPunct="1">
+    <a:lvl3pPr marL="914400" algn="l" defTabSz="457200" rtl="0" eaLnBrk="1" latinLnBrk="0" hangingPunct="1">
       <a:defRPr sz="1800" kern="1200">
         <a:solidFill>
           <a:schemeClr val="tx1"/>
@@ -56,7 +56,7 @@
         <a:cs typeface="+mn-cs"/>
       </a:defRPr>
     </a:lvl3pPr>
-    <a:lvl4pPr marL="1371600" algn="l" defTabSz="914400" rtl="0" eaLnBrk="1" latinLnBrk="0" hangingPunct="1">
+    <a:lvl4pPr marL="1371600" algn="l" defTabSz="457200" rtl="0" eaLnBrk="1" latinLnBrk="0" hangingPunct="1">
       <a:defRPr sz="1800" kern="1200">
         <a:solidFill>
           <a:schemeClr val="tx1"/>
@@ -66,7 +66,7 @@
         <a:cs typeface="+mn-cs"/>
       </a:defRPr>
     </a:lvl4pPr>
-    <a:lvl5pPr marL="1828800" algn="l" defTabSz="914400" rtl="0" eaLnBrk="1" latinLnBrk="0" hangingPunct="1">
+    <a:lvl5pPr marL="1828800" algn="l" defTabSz="457200" rtl="0" eaLnBrk="1" latinLnBrk="0" hangingPunct="1">
       <a:defRPr sz="1800" kern="1200">
         <a:solidFill>
           <a:schemeClr val="tx1"/>
@@ -76,7 +76,7 @@
         <a:cs typeface="+mn-cs"/>
       </a:defRPr>
     </a:lvl5pPr>
-    <a:lvl6pPr marL="2286000" algn="l" defTabSz="914400" rtl="0" eaLnBrk="1" latinLnBrk="0" hangingPunct="1">
+    <a:lvl6pPr marL="2286000" algn="l" defTabSz="457200" rtl="0" eaLnBrk="1" latinLnBrk="0" hangingPunct="1">
       <a:defRPr sz="1800" kern="1200">
         <a:solidFill>
           <a:schemeClr val="tx1"/>
@@ -86,7 +86,7 @@
         <a:cs typeface="+mn-cs"/>
       </a:defRPr>
     </a:lvl6pPr>
-    <a:lvl7pPr marL="2743200" algn="l" defTabSz="914400" rtl="0" eaLnBrk="1" latinLnBrk="0" hangingPunct="1">
+    <a:lvl7pPr marL="2743200" algn="l" defTabSz="457200" rtl="0" eaLnBrk="1" latinLnBrk="0" hangingPunct="1">
       <a:defRPr sz="1800" kern="1200">
         <a:solidFill>
           <a:schemeClr val="tx1"/>
@@ -96,7 +96,7 @@
         <a:cs typeface="+mn-cs"/>
       </a:defRPr>
     </a:lvl7pPr>
-    <a:lvl8pPr marL="3200400" algn="l" defTabSz="914400" rtl="0" eaLnBrk="1" latinLnBrk="0" hangingPunct="1">
+    <a:lvl8pPr marL="3200400" algn="l" defTabSz="457200" rtl="0" eaLnBrk="1" latinLnBrk="0" hangingPunct="1">
       <a:defRPr sz="1800" kern="1200">
         <a:solidFill>
           <a:schemeClr val="tx1"/>
@@ -106,7 +106,7 @@
         <a:cs typeface="+mn-cs"/>
       </a:defRPr>
     </a:lvl8pPr>
-    <a:lvl9pPr marL="3657600" algn="l" defTabSz="914400" rtl="0" eaLnBrk="1" latinLnBrk="0" hangingPunct="1">
+    <a:lvl9pPr marL="3657600" algn="l" defTabSz="457200" rtl="0" eaLnBrk="1" latinLnBrk="0" hangingPunct="1">
       <a:defRPr sz="1800" kern="1200">
         <a:solidFill>
           <a:schemeClr val="tx1"/>
@@ -117,6 +117,11 @@
       </a:defRPr>
     </a:lvl9pPr>
   </p:defaultTextStyle>
+  <p:extLst>
+    <p:ext uri="{EFAFB233-063F-42B5-8137-9DF3F51BA10A}">
+      <p15:sldGuideLst xmlns:p15="http://schemas.microsoft.com/office/powerpoint/2012/main"/>
+    </p:ext>
+  </p:extLst>
 </p:presentation>
 </file>
 
@@ -202,7 +207,7 @@
           <a:p>
             <a:fld id="{259D2310-73EA-0548-A752-E60125C5BAD0}" type="datetimeFigureOut">
               <a:rPr lang="en-US" smtClean="0"/>
-              <a:t>11/7/18</a:t>
+              <a:t>11/9/2018</a:t>
             </a:fld>
             <a:endParaRPr lang="en-US"/>
           </a:p>
@@ -1176,7 +1181,7 @@
 </file>
 
 <file path=ppt/slideLayouts/slideLayout1.xml><?xml version="1.0" encoding="utf-8"?>
-<p:sldLayout xmlns:a="http://schemas.openxmlformats.org/drawingml/2006/main" xmlns:r="http://schemas.openxmlformats.org/officeDocument/2006/relationships" xmlns:p="http://schemas.openxmlformats.org/presentationml/2006/main" type="title" preserve="1">
+<p:sldLayout xmlns:a="http://schemas.openxmlformats.org/drawingml/2006/main" xmlns:r="http://schemas.openxmlformats.org/officeDocument/2006/relationships" xmlns:p="http://schemas.openxmlformats.org/presentationml/2006/main" showMasterSp="0" type="title" preserve="1">
   <p:cSld name="Title Slide">
     <p:spTree>
       <p:nvGrpSpPr>
@@ -1194,31 +1199,113 @@
       </p:grpSpPr>
       <p:sp>
         <p:nvSpPr>
-          <p:cNvPr id="2" name="Title 1">
-            <a:extLst>
-              <a:ext uri="{FF2B5EF4-FFF2-40B4-BE49-F238E27FC236}">
-                <a16:creationId xmlns:a16="http://schemas.microsoft.com/office/drawing/2014/main" id="{8B5507D2-FCD8-E949-9D2B-DB7305D45999}"/>
-              </a:ext>
-            </a:extLst>
-          </p:cNvPr>
-          <p:cNvSpPr>
-            <a:spLocks noGrp="1"/>
-          </p:cNvSpPr>
-          <p:nvPr>
-            <p:ph type="ctrTitle"/>
-          </p:nvPr>
+          <p:cNvPr id="7" name="Rectangle 6"/>
+          <p:cNvSpPr/>
+          <p:nvPr/>
         </p:nvSpPr>
         <p:spPr>
           <a:xfrm>
-            <a:off x="1524000" y="1122363"/>
-            <a:ext cx="9144000" cy="2387600"/>
+            <a:off x="1" y="6400800"/>
+            <a:ext cx="12192000" cy="457200"/>
+          </a:xfrm>
+          <a:prstGeom prst="rect">
+            <a:avLst/>
+          </a:prstGeom>
+          <a:solidFill>
+            <a:schemeClr val="accent2"/>
+          </a:solidFill>
+          <a:ln>
+            <a:noFill/>
+          </a:ln>
+        </p:spPr>
+        <p:style>
+          <a:lnRef idx="2">
+            <a:schemeClr val="accent1">
+              <a:shade val="50000"/>
+            </a:schemeClr>
+          </a:lnRef>
+          <a:fillRef idx="1">
+            <a:schemeClr val="accent1"/>
+          </a:fillRef>
+          <a:effectRef idx="0">
+            <a:schemeClr val="accent1"/>
+          </a:effectRef>
+          <a:fontRef idx="minor">
+            <a:schemeClr val="lt1"/>
+          </a:fontRef>
+        </p:style>
+      </p:sp>
+      <p:sp>
+        <p:nvSpPr>
+          <p:cNvPr id="8" name="Rectangle 7"/>
+          <p:cNvSpPr/>
+          <p:nvPr/>
+        </p:nvSpPr>
+        <p:spPr>
+          <a:xfrm>
+            <a:off x="1" y="6334316"/>
+            <a:ext cx="12192000" cy="66484"/>
+          </a:xfrm>
+          <a:prstGeom prst="rect">
+            <a:avLst/>
+          </a:prstGeom>
+          <a:solidFill>
+            <a:schemeClr val="accent1"/>
+          </a:solidFill>
+          <a:ln>
+            <a:noFill/>
+          </a:ln>
+        </p:spPr>
+        <p:style>
+          <a:lnRef idx="2">
+            <a:schemeClr val="accent1">
+              <a:shade val="50000"/>
+            </a:schemeClr>
+          </a:lnRef>
+          <a:fillRef idx="1">
+            <a:schemeClr val="accent1"/>
+          </a:fillRef>
+          <a:effectRef idx="0">
+            <a:schemeClr val="accent1"/>
+          </a:effectRef>
+          <a:fontRef idx="minor">
+            <a:schemeClr val="lt1"/>
+          </a:fontRef>
+        </p:style>
+      </p:sp>
+      <p:sp>
+        <p:nvSpPr>
+          <p:cNvPr id="2" name="Title 1"/>
+          <p:cNvSpPr>
+            <a:spLocks noGrp="1"/>
+          </p:cNvSpPr>
+          <p:nvPr>
+            <p:ph type="ctrTitle"/>
+          </p:nvPr>
+        </p:nvSpPr>
+        <p:spPr>
+          <a:xfrm>
+            <a:off x="1097280" y="758952"/>
+            <a:ext cx="10058400" cy="3566160"/>
           </a:xfrm>
         </p:spPr>
         <p:txBody>
-          <a:bodyPr anchor="b"/>
+          <a:bodyPr anchor="b">
+            <a:normAutofit/>
+          </a:bodyPr>
           <a:lstStyle>
-            <a:lvl1pPr algn="ctr">
-              <a:defRPr sz="6000"/>
+            <a:lvl1pPr algn="l">
+              <a:lnSpc>
+                <a:spcPct val="85000"/>
+              </a:lnSpc>
+              <a:defRPr sz="8000" spc="-50" baseline="0">
+                <a:solidFill>
+                  <a:schemeClr val="tx1">
+                    <a:lumMod val="85000"/>
+                    <a:lumOff val="15000"/>
+                  </a:schemeClr>
+                </a:solidFill>
+              </a:defRPr>
             </a:lvl1pPr>
           </a:lstStyle>
           <a:p>
@@ -1226,18 +1313,13 @@
               <a:rPr lang="en-US"/>
               <a:t>Click to edit Master title style</a:t>
             </a:r>
-          </a:p>
-        </p:txBody>
-      </p:sp>
-      <p:sp>
-        <p:nvSpPr>
-          <p:cNvPr id="3" name="Subtitle 2">
-            <a:extLst>
-              <a:ext uri="{FF2B5EF4-FFF2-40B4-BE49-F238E27FC236}">
-                <a16:creationId xmlns:a16="http://schemas.microsoft.com/office/drawing/2014/main" id="{44DB76C5-8E62-4D45-A21E-F108B54BC623}"/>
-              </a:ext>
-            </a:extLst>
-          </p:cNvPr>
+            <a:endParaRPr lang="en-US" dirty="0"/>
+          </a:p>
+        </p:txBody>
+      </p:sp>
+      <p:sp>
+        <p:nvSpPr>
+          <p:cNvPr id="3" name="Subtitle 2"/>
           <p:cNvSpPr>
             <a:spLocks noGrp="1"/>
           </p:cNvSpPr>
@@ -1247,48 +1329,55 @@
         </p:nvSpPr>
         <p:spPr>
           <a:xfrm>
-            <a:off x="1524000" y="3602038"/>
-            <a:ext cx="9144000" cy="1655762"/>
+            <a:off x="1100051" y="4455621"/>
+            <a:ext cx="10058400" cy="1143000"/>
           </a:xfrm>
         </p:spPr>
         <p:txBody>
-          <a:bodyPr/>
+          <a:bodyPr lIns="91440" rIns="91440">
+            <a:normAutofit/>
+          </a:bodyPr>
           <a:lstStyle>
-            <a:lvl1pPr marL="0" indent="0" algn="ctr">
+            <a:lvl1pPr marL="0" indent="0" algn="l">
               <a:buNone/>
-              <a:defRPr sz="2400"/>
+              <a:defRPr sz="2400" cap="all" spc="200" baseline="0">
+                <a:solidFill>
+                  <a:schemeClr val="tx2"/>
+                </a:solidFill>
+                <a:latin typeface="+mj-lt"/>
+              </a:defRPr>
             </a:lvl1pPr>
             <a:lvl2pPr marL="457200" indent="0" algn="ctr">
               <a:buNone/>
-              <a:defRPr sz="2000"/>
+              <a:defRPr sz="2400"/>
             </a:lvl2pPr>
             <a:lvl3pPr marL="914400" indent="0" algn="ctr">
               <a:buNone/>
-              <a:defRPr sz="1800"/>
+              <a:defRPr sz="2400"/>
             </a:lvl3pPr>
             <a:lvl4pPr marL="1371600" indent="0" algn="ctr">
               <a:buNone/>
-              <a:defRPr sz="1600"/>
+              <a:defRPr sz="2000"/>
             </a:lvl4pPr>
             <a:lvl5pPr marL="1828800" indent="0" algn="ctr">
               <a:buNone/>
-              <a:defRPr sz="1600"/>
+              <a:defRPr sz="2000"/>
             </a:lvl5pPr>
             <a:lvl6pPr marL="2286000" indent="0" algn="ctr">
               <a:buNone/>
-              <a:defRPr sz="1600"/>
+              <a:defRPr sz="2000"/>
             </a:lvl6pPr>
             <a:lvl7pPr marL="2743200" indent="0" algn="ctr">
               <a:buNone/>
-              <a:defRPr sz="1600"/>
+              <a:defRPr sz="2000"/>
             </a:lvl7pPr>
             <a:lvl8pPr marL="3200400" indent="0" algn="ctr">
               <a:buNone/>
-              <a:defRPr sz="1600"/>
+              <a:defRPr sz="2000"/>
             </a:lvl8pPr>
             <a:lvl9pPr marL="3657600" indent="0" algn="ctr">
               <a:buNone/>
-              <a:defRPr sz="1600"/>
+              <a:defRPr sz="2000"/>
             </a:lvl9pPr>
           </a:lstStyle>
           <a:p>
@@ -1296,18 +1385,13 @@
               <a:rPr lang="en-US"/>
               <a:t>Click to edit Master subtitle style</a:t>
             </a:r>
-          </a:p>
-        </p:txBody>
-      </p:sp>
-      <p:sp>
-        <p:nvSpPr>
-          <p:cNvPr id="4" name="Date Placeholder 3">
-            <a:extLst>
-              <a:ext uri="{FF2B5EF4-FFF2-40B4-BE49-F238E27FC236}">
-                <a16:creationId xmlns:a16="http://schemas.microsoft.com/office/drawing/2014/main" id="{F696D669-E2FF-574D-B2D8-FF3C59486E24}"/>
-              </a:ext>
-            </a:extLst>
-          </p:cNvPr>
+            <a:endParaRPr lang="en-US" dirty="0"/>
+          </a:p>
+        </p:txBody>
+      </p:sp>
+      <p:sp>
+        <p:nvSpPr>
+          <p:cNvPr id="4" name="Date Placeholder 3"/>
           <p:cNvSpPr>
             <a:spLocks noGrp="1"/>
           </p:cNvSpPr>
@@ -1322,7 +1406,7 @@
           <a:p>
             <a:fld id="{4492C0CB-E940-7449-A0A8-12C34CDA3F84}" type="datetimeFigureOut">
               <a:rPr lang="en-US" smtClean="0"/>
-              <a:t>11/7/18</a:t>
+              <a:t>11/9/2018</a:t>
             </a:fld>
             <a:endParaRPr lang="en-US"/>
           </a:p>
@@ -1330,13 +1414,7 @@
       </p:sp>
       <p:sp>
         <p:nvSpPr>
-          <p:cNvPr id="5" name="Footer Placeholder 4">
-            <a:extLst>
-              <a:ext uri="{FF2B5EF4-FFF2-40B4-BE49-F238E27FC236}">
-                <a16:creationId xmlns:a16="http://schemas.microsoft.com/office/drawing/2014/main" id="{643674AC-09AF-1143-B3DE-8FD1C668D4E2}"/>
-              </a:ext>
-            </a:extLst>
-          </p:cNvPr>
+          <p:cNvPr id="5" name="Footer Placeholder 4"/>
           <p:cNvSpPr>
             <a:spLocks noGrp="1"/>
           </p:cNvSpPr>
@@ -1355,13 +1433,7 @@
       </p:sp>
       <p:sp>
         <p:nvSpPr>
-          <p:cNvPr id="6" name="Slide Number Placeholder 5">
-            <a:extLst>
-              <a:ext uri="{FF2B5EF4-FFF2-40B4-BE49-F238E27FC236}">
-                <a16:creationId xmlns:a16="http://schemas.microsoft.com/office/drawing/2014/main" id="{3E0B676B-7154-7949-8332-7AE77785CF9E}"/>
-              </a:ext>
-            </a:extLst>
-          </p:cNvPr>
+          <p:cNvPr id="6" name="Slide Number Placeholder 5"/>
           <p:cNvSpPr>
             <a:spLocks noGrp="1"/>
           </p:cNvSpPr>
@@ -1382,10 +1454,48 @@
           </a:p>
         </p:txBody>
       </p:sp>
+      <p:cxnSp>
+        <p:nvCxnSpPr>
+          <p:cNvPr id="9" name="Straight Connector 8"/>
+          <p:cNvCxnSpPr/>
+          <p:nvPr/>
+        </p:nvCxnSpPr>
+        <p:spPr>
+          <a:xfrm>
+            <a:off x="1207658" y="4343400"/>
+            <a:ext cx="9875520" cy="0"/>
+          </a:xfrm>
+          <a:prstGeom prst="line">
+            <a:avLst/>
+          </a:prstGeom>
+          <a:ln w="6350">
+            <a:solidFill>
+              <a:schemeClr val="tx1">
+                <a:lumMod val="50000"/>
+                <a:lumOff val="50000"/>
+              </a:schemeClr>
+            </a:solidFill>
+          </a:ln>
+        </p:spPr>
+        <p:style>
+          <a:lnRef idx="1">
+            <a:schemeClr val="accent1"/>
+          </a:lnRef>
+          <a:fillRef idx="0">
+            <a:schemeClr val="accent1"/>
+          </a:fillRef>
+          <a:effectRef idx="0">
+            <a:schemeClr val="accent1"/>
+          </a:effectRef>
+          <a:fontRef idx="minor">
+            <a:schemeClr val="tx1"/>
+          </a:fontRef>
+        </p:style>
+      </p:cxnSp>
     </p:spTree>
     <p:extLst>
       <p:ext uri="{BB962C8B-B14F-4D97-AF65-F5344CB8AC3E}">
-        <p14:creationId xmlns:p14="http://schemas.microsoft.com/office/powerpoint/2010/main" val="2539222352"/>
+        <p14:creationId xmlns:p14="http://schemas.microsoft.com/office/powerpoint/2010/main" val="2256288969"/>
       </p:ext>
     </p:extLst>
   </p:cSld>
@@ -1414,13 +1524,7 @@
       </p:grpSpPr>
       <p:sp>
         <p:nvSpPr>
-          <p:cNvPr id="2" name="Title 1">
-            <a:extLst>
-              <a:ext uri="{FF2B5EF4-FFF2-40B4-BE49-F238E27FC236}">
-                <a16:creationId xmlns:a16="http://schemas.microsoft.com/office/drawing/2014/main" id="{69B669C2-2410-D342-AB02-ED1B8B182845}"/>
-              </a:ext>
-            </a:extLst>
-          </p:cNvPr>
+          <p:cNvPr id="2" name="Title 1"/>
           <p:cNvSpPr>
             <a:spLocks noGrp="1"/>
           </p:cNvSpPr>
@@ -1437,18 +1541,13 @@
               <a:rPr lang="en-US"/>
               <a:t>Click to edit Master title style</a:t>
             </a:r>
-          </a:p>
-        </p:txBody>
-      </p:sp>
-      <p:sp>
-        <p:nvSpPr>
-          <p:cNvPr id="3" name="Vertical Text Placeholder 2">
-            <a:extLst>
-              <a:ext uri="{FF2B5EF4-FFF2-40B4-BE49-F238E27FC236}">
-                <a16:creationId xmlns:a16="http://schemas.microsoft.com/office/drawing/2014/main" id="{9EC3FCA5-7E1E-7942-857A-7CA95C9AF2B9}"/>
-              </a:ext>
-            </a:extLst>
-          </p:cNvPr>
+            <a:endParaRPr lang="en-US" dirty="0"/>
+          </a:p>
+        </p:txBody>
+      </p:sp>
+      <p:sp>
+        <p:nvSpPr>
+          <p:cNvPr id="3" name="Vertical Text Placeholder 2"/>
           <p:cNvSpPr>
             <a:spLocks noGrp="1"/>
           </p:cNvSpPr>
@@ -1458,7 +1557,7 @@
         </p:nvSpPr>
         <p:spPr/>
         <p:txBody>
-          <a:bodyPr vert="eaVert"/>
+          <a:bodyPr vert="eaVert" lIns="45720" tIns="0" rIns="45720" bIns="0"/>
           <a:lstStyle/>
           <a:p>
             <a:pPr lvl="0"/>
@@ -1494,18 +1593,13 @@
               <a:rPr lang="en-US"/>
               <a:t>Fifth level</a:t>
             </a:r>
-          </a:p>
-        </p:txBody>
-      </p:sp>
-      <p:sp>
-        <p:nvSpPr>
-          <p:cNvPr id="4" name="Date Placeholder 3">
-            <a:extLst>
-              <a:ext uri="{FF2B5EF4-FFF2-40B4-BE49-F238E27FC236}">
-                <a16:creationId xmlns:a16="http://schemas.microsoft.com/office/drawing/2014/main" id="{0A31DE88-89BE-1E46-B975-62050B50F460}"/>
-              </a:ext>
-            </a:extLst>
-          </p:cNvPr>
+            <a:endParaRPr lang="en-US" dirty="0"/>
+          </a:p>
+        </p:txBody>
+      </p:sp>
+      <p:sp>
+        <p:nvSpPr>
+          <p:cNvPr id="4" name="Date Placeholder 3"/>
           <p:cNvSpPr>
             <a:spLocks noGrp="1"/>
           </p:cNvSpPr>
@@ -1520,7 +1614,7 @@
           <a:p>
             <a:fld id="{4492C0CB-E940-7449-A0A8-12C34CDA3F84}" type="datetimeFigureOut">
               <a:rPr lang="en-US" smtClean="0"/>
-              <a:t>11/7/18</a:t>
+              <a:t>11/9/2018</a:t>
             </a:fld>
             <a:endParaRPr lang="en-US"/>
           </a:p>
@@ -1528,13 +1622,7 @@
       </p:sp>
       <p:sp>
         <p:nvSpPr>
-          <p:cNvPr id="5" name="Footer Placeholder 4">
-            <a:extLst>
-              <a:ext uri="{FF2B5EF4-FFF2-40B4-BE49-F238E27FC236}">
-                <a16:creationId xmlns:a16="http://schemas.microsoft.com/office/drawing/2014/main" id="{DE1962BA-3E90-6646-9BE6-202E9A6F717F}"/>
-              </a:ext>
-            </a:extLst>
-          </p:cNvPr>
+          <p:cNvPr id="5" name="Footer Placeholder 4"/>
           <p:cNvSpPr>
             <a:spLocks noGrp="1"/>
           </p:cNvSpPr>
@@ -1553,13 +1641,7 @@
       </p:sp>
       <p:sp>
         <p:nvSpPr>
-          <p:cNvPr id="6" name="Slide Number Placeholder 5">
-            <a:extLst>
-              <a:ext uri="{FF2B5EF4-FFF2-40B4-BE49-F238E27FC236}">
-                <a16:creationId xmlns:a16="http://schemas.microsoft.com/office/drawing/2014/main" id="{9C306E8A-FBF7-294A-B7DD-C861A939B0C9}"/>
-              </a:ext>
-            </a:extLst>
-          </p:cNvPr>
+          <p:cNvPr id="6" name="Slide Number Placeholder 5"/>
           <p:cNvSpPr>
             <a:spLocks noGrp="1"/>
           </p:cNvSpPr>
@@ -1583,7 +1665,7 @@
     </p:spTree>
     <p:extLst>
       <p:ext uri="{BB962C8B-B14F-4D97-AF65-F5344CB8AC3E}">
-        <p14:creationId xmlns:p14="http://schemas.microsoft.com/office/powerpoint/2010/main" val="3957580661"/>
+        <p14:creationId xmlns:p14="http://schemas.microsoft.com/office/powerpoint/2010/main" val="3845621385"/>
       </p:ext>
     </p:extLst>
   </p:cSld>
@@ -1594,7 +1676,7 @@
 </file>
 
 <file path=ppt/slideLayouts/slideLayout11.xml><?xml version="1.0" encoding="utf-8"?>
-<p:sldLayout xmlns:a="http://schemas.openxmlformats.org/drawingml/2006/main" xmlns:r="http://schemas.openxmlformats.org/officeDocument/2006/relationships" xmlns:p="http://schemas.openxmlformats.org/presentationml/2006/main" type="vertTitleAndTx" preserve="1">
+<p:sldLayout xmlns:a="http://schemas.openxmlformats.org/drawingml/2006/main" xmlns:r="http://schemas.openxmlformats.org/officeDocument/2006/relationships" xmlns:p="http://schemas.openxmlformats.org/presentationml/2006/main" showMasterSp="0" type="vertTitleAndTx" preserve="1">
   <p:cSld name="Vertical Title and Text">
     <p:spTree>
       <p:nvGrpSpPr>
@@ -1612,24 +1694,94 @@
       </p:grpSpPr>
       <p:sp>
         <p:nvSpPr>
-          <p:cNvPr id="2" name="Vertical Title 1">
-            <a:extLst>
-              <a:ext uri="{FF2B5EF4-FFF2-40B4-BE49-F238E27FC236}">
-                <a16:creationId xmlns:a16="http://schemas.microsoft.com/office/drawing/2014/main" id="{0DFD2746-E66A-C041-A6D4-0489388040B6}"/>
-              </a:ext>
-            </a:extLst>
-          </p:cNvPr>
-          <p:cNvSpPr>
-            <a:spLocks noGrp="1"/>
-          </p:cNvSpPr>
-          <p:nvPr>
-            <p:ph type="title" orient="vert"/>
-          </p:nvPr>
+          <p:cNvPr id="7" name="Rectangle 6"/>
+          <p:cNvSpPr/>
+          <p:nvPr/>
         </p:nvSpPr>
         <p:spPr>
           <a:xfrm>
-            <a:off x="8724900" y="365125"/>
-            <a:ext cx="2628900" cy="5811838"/>
+            <a:off x="3175" y="6400800"/>
+            <a:ext cx="12188825" cy="457200"/>
+          </a:xfrm>
+          <a:prstGeom prst="rect">
+            <a:avLst/>
+          </a:prstGeom>
+          <a:solidFill>
+            <a:schemeClr val="accent2"/>
+          </a:solidFill>
+          <a:ln>
+            <a:noFill/>
+          </a:ln>
+        </p:spPr>
+        <p:style>
+          <a:lnRef idx="2">
+            <a:schemeClr val="accent1">
+              <a:shade val="50000"/>
+            </a:schemeClr>
+          </a:lnRef>
+          <a:fillRef idx="1">
+            <a:schemeClr val="accent1"/>
+          </a:fillRef>
+          <a:effectRef idx="0">
+            <a:schemeClr val="accent1"/>
+          </a:effectRef>
+          <a:fontRef idx="minor">
+            <a:schemeClr val="lt1"/>
+          </a:fontRef>
+        </p:style>
+      </p:sp>
+      <p:sp>
+        <p:nvSpPr>
+          <p:cNvPr id="8" name="Rectangle 7"/>
+          <p:cNvSpPr/>
+          <p:nvPr/>
+        </p:nvSpPr>
+        <p:spPr>
+          <a:xfrm>
+            <a:off x="15" y="6334316"/>
+            <a:ext cx="12188825" cy="64008"/>
+          </a:xfrm>
+          <a:prstGeom prst="rect">
+            <a:avLst/>
+          </a:prstGeom>
+          <a:solidFill>
+            <a:schemeClr val="accent1"/>
+          </a:solidFill>
+          <a:ln>
+            <a:noFill/>
+          </a:ln>
+        </p:spPr>
+        <p:style>
+          <a:lnRef idx="2">
+            <a:schemeClr val="accent1">
+              <a:shade val="50000"/>
+            </a:schemeClr>
+          </a:lnRef>
+          <a:fillRef idx="1">
+            <a:schemeClr val="accent1"/>
+          </a:fillRef>
+          <a:effectRef idx="0">
+            <a:schemeClr val="accent1"/>
+          </a:effectRef>
+          <a:fontRef idx="minor">
+            <a:schemeClr val="lt1"/>
+          </a:fontRef>
+        </p:style>
+      </p:sp>
+      <p:sp>
+        <p:nvSpPr>
+          <p:cNvPr id="2" name="Vertical Title 1"/>
+          <p:cNvSpPr>
+            <a:spLocks noGrp="1"/>
+          </p:cNvSpPr>
+          <p:nvPr>
+            <p:ph type="title" orient="vert"/>
+          </p:nvPr>
+        </p:nvSpPr>
+        <p:spPr>
+          <a:xfrm>
+            <a:off x="8724900" y="412302"/>
+            <a:ext cx="2628900" cy="5759898"/>
           </a:xfrm>
         </p:spPr>
         <p:txBody>
@@ -1640,18 +1792,13 @@
               <a:rPr lang="en-US"/>
               <a:t>Click to edit Master title style</a:t>
             </a:r>
-          </a:p>
-        </p:txBody>
-      </p:sp>
-      <p:sp>
-        <p:nvSpPr>
-          <p:cNvPr id="3" name="Vertical Text Placeholder 2">
-            <a:extLst>
-              <a:ext uri="{FF2B5EF4-FFF2-40B4-BE49-F238E27FC236}">
-                <a16:creationId xmlns:a16="http://schemas.microsoft.com/office/drawing/2014/main" id="{BE9E753C-1477-EE40-A8C6-27329B887851}"/>
-              </a:ext>
-            </a:extLst>
-          </p:cNvPr>
+            <a:endParaRPr lang="en-US" dirty="0"/>
+          </a:p>
+        </p:txBody>
+      </p:sp>
+      <p:sp>
+        <p:nvSpPr>
+          <p:cNvPr id="3" name="Vertical Text Placeholder 2"/>
           <p:cNvSpPr>
             <a:spLocks noGrp="1"/>
           </p:cNvSpPr>
@@ -1661,12 +1808,12 @@
         </p:nvSpPr>
         <p:spPr>
           <a:xfrm>
-            <a:off x="838200" y="365125"/>
-            <a:ext cx="7734300" cy="5811838"/>
+            <a:off x="838200" y="412302"/>
+            <a:ext cx="7734300" cy="5759898"/>
           </a:xfrm>
         </p:spPr>
         <p:txBody>
-          <a:bodyPr vert="eaVert"/>
+          <a:bodyPr vert="eaVert" lIns="45720" tIns="0" rIns="45720" bIns="0"/>
           <a:lstStyle/>
           <a:p>
             <a:pPr lvl="0"/>
@@ -1702,18 +1849,13 @@
               <a:rPr lang="en-US"/>
               <a:t>Fifth level</a:t>
             </a:r>
-          </a:p>
-        </p:txBody>
-      </p:sp>
-      <p:sp>
-        <p:nvSpPr>
-          <p:cNvPr id="4" name="Date Placeholder 3">
-            <a:extLst>
-              <a:ext uri="{FF2B5EF4-FFF2-40B4-BE49-F238E27FC236}">
-                <a16:creationId xmlns:a16="http://schemas.microsoft.com/office/drawing/2014/main" id="{A3153902-B996-924C-BE15-1ED51351341B}"/>
-              </a:ext>
-            </a:extLst>
-          </p:cNvPr>
+            <a:endParaRPr lang="en-US" dirty="0"/>
+          </a:p>
+        </p:txBody>
+      </p:sp>
+      <p:sp>
+        <p:nvSpPr>
+          <p:cNvPr id="4" name="Date Placeholder 3"/>
           <p:cNvSpPr>
             <a:spLocks noGrp="1"/>
           </p:cNvSpPr>
@@ -1728,7 +1870,7 @@
           <a:p>
             <a:fld id="{4492C0CB-E940-7449-A0A8-12C34CDA3F84}" type="datetimeFigureOut">
               <a:rPr lang="en-US" smtClean="0"/>
-              <a:t>11/7/18</a:t>
+              <a:t>11/9/2018</a:t>
             </a:fld>
             <a:endParaRPr lang="en-US"/>
           </a:p>
@@ -1736,13 +1878,7 @@
       </p:sp>
       <p:sp>
         <p:nvSpPr>
-          <p:cNvPr id="5" name="Footer Placeholder 4">
-            <a:extLst>
-              <a:ext uri="{FF2B5EF4-FFF2-40B4-BE49-F238E27FC236}">
-                <a16:creationId xmlns:a16="http://schemas.microsoft.com/office/drawing/2014/main" id="{81CDD740-5252-6049-A07E-BF9034CE2018}"/>
-              </a:ext>
-            </a:extLst>
-          </p:cNvPr>
+          <p:cNvPr id="5" name="Footer Placeholder 4"/>
           <p:cNvSpPr>
             <a:spLocks noGrp="1"/>
           </p:cNvSpPr>
@@ -1761,13 +1897,7 @@
       </p:sp>
       <p:sp>
         <p:nvSpPr>
-          <p:cNvPr id="6" name="Slide Number Placeholder 5">
-            <a:extLst>
-              <a:ext uri="{FF2B5EF4-FFF2-40B4-BE49-F238E27FC236}">
-                <a16:creationId xmlns:a16="http://schemas.microsoft.com/office/drawing/2014/main" id="{73287032-8A20-A240-9B89-F308892AD840}"/>
-              </a:ext>
-            </a:extLst>
-          </p:cNvPr>
+          <p:cNvPr id="6" name="Slide Number Placeholder 5"/>
           <p:cNvSpPr>
             <a:spLocks noGrp="1"/>
           </p:cNvSpPr>
@@ -1791,7 +1921,7 @@
     </p:spTree>
     <p:extLst>
       <p:ext uri="{BB962C8B-B14F-4D97-AF65-F5344CB8AC3E}">
-        <p14:creationId xmlns:p14="http://schemas.microsoft.com/office/powerpoint/2010/main" val="2260640014"/>
+        <p14:creationId xmlns:p14="http://schemas.microsoft.com/office/powerpoint/2010/main" val="4022018703"/>
       </p:ext>
     </p:extLst>
   </p:cSld>
@@ -1820,13 +1950,7 @@
       </p:grpSpPr>
       <p:sp>
         <p:nvSpPr>
-          <p:cNvPr id="2" name="Title 1">
-            <a:extLst>
-              <a:ext uri="{FF2B5EF4-FFF2-40B4-BE49-F238E27FC236}">
-                <a16:creationId xmlns:a16="http://schemas.microsoft.com/office/drawing/2014/main" id="{3FAFA49F-6257-A24F-B7B3-17A000109FE4}"/>
-              </a:ext>
-            </a:extLst>
-          </p:cNvPr>
+          <p:cNvPr id="2" name="Title 1"/>
           <p:cNvSpPr>
             <a:spLocks noGrp="1"/>
           </p:cNvSpPr>
@@ -1843,18 +1967,13 @@
               <a:rPr lang="en-US"/>
               <a:t>Click to edit Master title style</a:t>
             </a:r>
-          </a:p>
-        </p:txBody>
-      </p:sp>
-      <p:sp>
-        <p:nvSpPr>
-          <p:cNvPr id="3" name="Content Placeholder 2">
-            <a:extLst>
-              <a:ext uri="{FF2B5EF4-FFF2-40B4-BE49-F238E27FC236}">
-                <a16:creationId xmlns:a16="http://schemas.microsoft.com/office/drawing/2014/main" id="{F209344A-1575-6F40-88C0-BAF111571588}"/>
-              </a:ext>
-            </a:extLst>
-          </p:cNvPr>
+            <a:endParaRPr lang="en-US" dirty="0"/>
+          </a:p>
+        </p:txBody>
+      </p:sp>
+      <p:sp>
+        <p:nvSpPr>
+          <p:cNvPr id="3" name="Content Placeholder 2"/>
           <p:cNvSpPr>
             <a:spLocks noGrp="1"/>
           </p:cNvSpPr>
@@ -1900,18 +2019,13 @@
               <a:rPr lang="en-US"/>
               <a:t>Fifth level</a:t>
             </a:r>
-          </a:p>
-        </p:txBody>
-      </p:sp>
-      <p:sp>
-        <p:nvSpPr>
-          <p:cNvPr id="4" name="Date Placeholder 3">
-            <a:extLst>
-              <a:ext uri="{FF2B5EF4-FFF2-40B4-BE49-F238E27FC236}">
-                <a16:creationId xmlns:a16="http://schemas.microsoft.com/office/drawing/2014/main" id="{49C03BD4-4D8E-9145-A375-A9B48A8FD8C9}"/>
-              </a:ext>
-            </a:extLst>
-          </p:cNvPr>
+            <a:endParaRPr lang="en-US" dirty="0"/>
+          </a:p>
+        </p:txBody>
+      </p:sp>
+      <p:sp>
+        <p:nvSpPr>
+          <p:cNvPr id="4" name="Date Placeholder 3"/>
           <p:cNvSpPr>
             <a:spLocks noGrp="1"/>
           </p:cNvSpPr>
@@ -1926,7 +2040,7 @@
           <a:p>
             <a:fld id="{4492C0CB-E940-7449-A0A8-12C34CDA3F84}" type="datetimeFigureOut">
               <a:rPr lang="en-US" smtClean="0"/>
-              <a:t>11/7/18</a:t>
+              <a:t>11/9/2018</a:t>
             </a:fld>
             <a:endParaRPr lang="en-US"/>
           </a:p>
@@ -1934,13 +2048,7 @@
       </p:sp>
       <p:sp>
         <p:nvSpPr>
-          <p:cNvPr id="5" name="Footer Placeholder 4">
-            <a:extLst>
-              <a:ext uri="{FF2B5EF4-FFF2-40B4-BE49-F238E27FC236}">
-                <a16:creationId xmlns:a16="http://schemas.microsoft.com/office/drawing/2014/main" id="{0D180D56-86C7-9F46-BF90-7C9B0D8B5B77}"/>
-              </a:ext>
-            </a:extLst>
-          </p:cNvPr>
+          <p:cNvPr id="5" name="Footer Placeholder 4"/>
           <p:cNvSpPr>
             <a:spLocks noGrp="1"/>
           </p:cNvSpPr>
@@ -1959,13 +2067,7 @@
       </p:sp>
       <p:sp>
         <p:nvSpPr>
-          <p:cNvPr id="6" name="Slide Number Placeholder 5">
-            <a:extLst>
-              <a:ext uri="{FF2B5EF4-FFF2-40B4-BE49-F238E27FC236}">
-                <a16:creationId xmlns:a16="http://schemas.microsoft.com/office/drawing/2014/main" id="{F093A354-7E29-4F4F-AFC3-44CB8BCA6511}"/>
-              </a:ext>
-            </a:extLst>
-          </p:cNvPr>
+          <p:cNvPr id="6" name="Slide Number Placeholder 5"/>
           <p:cNvSpPr>
             <a:spLocks noGrp="1"/>
           </p:cNvSpPr>
@@ -1989,7 +2091,7 @@
     </p:spTree>
     <p:extLst>
       <p:ext uri="{BB962C8B-B14F-4D97-AF65-F5344CB8AC3E}">
-        <p14:creationId xmlns:p14="http://schemas.microsoft.com/office/powerpoint/2010/main" val="1164511082"/>
+        <p14:creationId xmlns:p14="http://schemas.microsoft.com/office/powerpoint/2010/main" val="1584919835"/>
       </p:ext>
     </p:extLst>
   </p:cSld>
@@ -2000,8 +2102,16 @@
 </file>
 
 <file path=ppt/slideLayouts/slideLayout3.xml><?xml version="1.0" encoding="utf-8"?>
-<p:sldLayout xmlns:a="http://schemas.openxmlformats.org/drawingml/2006/main" xmlns:r="http://schemas.openxmlformats.org/officeDocument/2006/relationships" xmlns:p="http://schemas.openxmlformats.org/presentationml/2006/main" type="secHead" preserve="1">
+<p:sldLayout xmlns:a="http://schemas.openxmlformats.org/drawingml/2006/main" xmlns:r="http://schemas.openxmlformats.org/officeDocument/2006/relationships" xmlns:p="http://schemas.openxmlformats.org/presentationml/2006/main" showMasterSp="0" type="secHead" preserve="1">
   <p:cSld name="Section Header">
+    <p:bg>
+      <p:bgPr>
+        <a:solidFill>
+          <a:schemeClr val="bg1"/>
+        </a:solidFill>
+        <a:effectLst/>
+      </p:bgPr>
+    </p:bg>
     <p:spTree>
       <p:nvGrpSpPr>
         <p:cNvPr id="1" name=""/>
@@ -2018,79 +2128,157 @@
       </p:grpSpPr>
       <p:sp>
         <p:nvSpPr>
-          <p:cNvPr id="2" name="Title 1">
-            <a:extLst>
-              <a:ext uri="{FF2B5EF4-FFF2-40B4-BE49-F238E27FC236}">
-                <a16:creationId xmlns:a16="http://schemas.microsoft.com/office/drawing/2014/main" id="{3F646B85-2973-6947-AFCA-18F8F2C0895C}"/>
-              </a:ext>
-            </a:extLst>
-          </p:cNvPr>
-          <p:cNvSpPr>
-            <a:spLocks noGrp="1"/>
-          </p:cNvSpPr>
-          <p:nvPr>
-            <p:ph type="title"/>
-          </p:nvPr>
+          <p:cNvPr id="7" name="Rectangle 6"/>
+          <p:cNvSpPr/>
+          <p:nvPr/>
         </p:nvSpPr>
         <p:spPr>
           <a:xfrm>
-            <a:off x="831850" y="1709738"/>
-            <a:ext cx="10515600" cy="2852737"/>
+            <a:off x="3175" y="6400800"/>
+            <a:ext cx="12188825" cy="457200"/>
+          </a:xfrm>
+          <a:prstGeom prst="rect">
+            <a:avLst/>
+          </a:prstGeom>
+          <a:solidFill>
+            <a:schemeClr val="accent2"/>
+          </a:solidFill>
+          <a:ln>
+            <a:noFill/>
+          </a:ln>
+        </p:spPr>
+        <p:style>
+          <a:lnRef idx="2">
+            <a:schemeClr val="accent1">
+              <a:shade val="50000"/>
+            </a:schemeClr>
+          </a:lnRef>
+          <a:fillRef idx="1">
+            <a:schemeClr val="accent1"/>
+          </a:fillRef>
+          <a:effectRef idx="0">
+            <a:schemeClr val="accent1"/>
+          </a:effectRef>
+          <a:fontRef idx="minor">
+            <a:schemeClr val="lt1"/>
+          </a:fontRef>
+        </p:style>
+      </p:sp>
+      <p:sp>
+        <p:nvSpPr>
+          <p:cNvPr id="8" name="Rectangle 7"/>
+          <p:cNvSpPr/>
+          <p:nvPr/>
+        </p:nvSpPr>
+        <p:spPr>
+          <a:xfrm>
+            <a:off x="15" y="6334316"/>
+            <a:ext cx="12188825" cy="64008"/>
+          </a:xfrm>
+          <a:prstGeom prst="rect">
+            <a:avLst/>
+          </a:prstGeom>
+          <a:solidFill>
+            <a:schemeClr val="accent1"/>
+          </a:solidFill>
+          <a:ln>
+            <a:noFill/>
+          </a:ln>
+        </p:spPr>
+        <p:style>
+          <a:lnRef idx="2">
+            <a:schemeClr val="accent1">
+              <a:shade val="50000"/>
+            </a:schemeClr>
+          </a:lnRef>
+          <a:fillRef idx="1">
+            <a:schemeClr val="accent1"/>
+          </a:fillRef>
+          <a:effectRef idx="0">
+            <a:schemeClr val="accent1"/>
+          </a:effectRef>
+          <a:fontRef idx="minor">
+            <a:schemeClr val="lt1"/>
+          </a:fontRef>
+        </p:style>
+      </p:sp>
+      <p:sp>
+        <p:nvSpPr>
+          <p:cNvPr id="2" name="Title 1"/>
+          <p:cNvSpPr>
+            <a:spLocks noGrp="1"/>
+          </p:cNvSpPr>
+          <p:nvPr>
+            <p:ph type="title"/>
+          </p:nvPr>
+        </p:nvSpPr>
+        <p:spPr>
+          <a:xfrm>
+            <a:off x="1097280" y="758952"/>
+            <a:ext cx="10058400" cy="3566160"/>
           </a:xfrm>
         </p:spPr>
         <p:txBody>
-          <a:bodyPr anchor="b"/>
+          <a:bodyPr anchor="b" anchorCtr="0">
+            <a:normAutofit/>
+          </a:bodyPr>
           <a:lstStyle>
             <a:lvl1pPr>
-              <a:defRPr sz="6000"/>
-            </a:lvl1pPr>
-          </a:lstStyle>
-          <a:p>
-            <a:r>
-              <a:rPr lang="en-US"/>
-              <a:t>Click to edit Master title style</a:t>
-            </a:r>
-          </a:p>
-        </p:txBody>
-      </p:sp>
-      <p:sp>
-        <p:nvSpPr>
-          <p:cNvPr id="3" name="Text Placeholder 2">
-            <a:extLst>
-              <a:ext uri="{FF2B5EF4-FFF2-40B4-BE49-F238E27FC236}">
-                <a16:creationId xmlns:a16="http://schemas.microsoft.com/office/drawing/2014/main" id="{E0BD4742-BB54-FA43-8904-7D450BE88403}"/>
-              </a:ext>
-            </a:extLst>
-          </p:cNvPr>
-          <p:cNvSpPr>
-            <a:spLocks noGrp="1"/>
-          </p:cNvSpPr>
-          <p:nvPr>
-            <p:ph type="body" idx="1"/>
-          </p:nvPr>
-        </p:nvSpPr>
-        <p:spPr>
-          <a:xfrm>
-            <a:off x="831850" y="4589463"/>
-            <a:ext cx="10515600" cy="1500187"/>
-          </a:xfrm>
-        </p:spPr>
-        <p:txBody>
-          <a:bodyPr/>
-          <a:lstStyle>
-            <a:lvl1pPr marL="0" indent="0">
-              <a:buNone/>
-              <a:defRPr sz="2400">
+              <a:lnSpc>
+                <a:spcPct val="85000"/>
+              </a:lnSpc>
+              <a:defRPr sz="8000" b="0">
                 <a:solidFill>
                   <a:schemeClr val="tx1">
-                    <a:tint val="75000"/>
+                    <a:lumMod val="85000"/>
+                    <a:lumOff val="15000"/>
                   </a:schemeClr>
                 </a:solidFill>
               </a:defRPr>
             </a:lvl1pPr>
+          </a:lstStyle>
+          <a:p>
+            <a:r>
+              <a:rPr lang="en-US"/>
+              <a:t>Click to edit Master title style</a:t>
+            </a:r>
+            <a:endParaRPr lang="en-US" dirty="0"/>
+          </a:p>
+        </p:txBody>
+      </p:sp>
+      <p:sp>
+        <p:nvSpPr>
+          <p:cNvPr id="3" name="Text Placeholder 2"/>
+          <p:cNvSpPr>
+            <a:spLocks noGrp="1"/>
+          </p:cNvSpPr>
+          <p:nvPr>
+            <p:ph type="body" idx="1"/>
+          </p:nvPr>
+        </p:nvSpPr>
+        <p:spPr>
+          <a:xfrm>
+            <a:off x="1097280" y="4453128"/>
+            <a:ext cx="10058400" cy="1143000"/>
+          </a:xfrm>
+        </p:spPr>
+        <p:txBody>
+          <a:bodyPr lIns="91440" rIns="91440" anchor="t" anchorCtr="0">
+            <a:normAutofit/>
+          </a:bodyPr>
+          <a:lstStyle>
+            <a:lvl1pPr marL="0" indent="0">
+              <a:buNone/>
+              <a:defRPr sz="2400" cap="all" spc="200" baseline="0">
+                <a:solidFill>
+                  <a:schemeClr val="tx2"/>
+                </a:solidFill>
+                <a:latin typeface="+mj-lt"/>
+              </a:defRPr>
+            </a:lvl1pPr>
             <a:lvl2pPr marL="457200" indent="0">
               <a:buNone/>
-              <a:defRPr sz="2000">
+              <a:defRPr sz="1800">
                 <a:solidFill>
                   <a:schemeClr val="tx1">
                     <a:tint val="75000"/>
@@ -2100,7 +2288,7 @@
             </a:lvl2pPr>
             <a:lvl3pPr marL="914400" indent="0">
               <a:buNone/>
-              <a:defRPr sz="1800">
+              <a:defRPr sz="1600">
                 <a:solidFill>
                   <a:schemeClr val="tx1">
                     <a:tint val="75000"/>
@@ -2110,7 +2298,7 @@
             </a:lvl3pPr>
             <a:lvl4pPr marL="1371600" indent="0">
               <a:buNone/>
-              <a:defRPr sz="1600">
+              <a:defRPr sz="1400">
                 <a:solidFill>
                   <a:schemeClr val="tx1">
                     <a:tint val="75000"/>
@@ -2120,7 +2308,7 @@
             </a:lvl4pPr>
             <a:lvl5pPr marL="1828800" indent="0">
               <a:buNone/>
-              <a:defRPr sz="1600">
+              <a:defRPr sz="1400">
                 <a:solidFill>
                   <a:schemeClr val="tx1">
                     <a:tint val="75000"/>
@@ -2130,7 +2318,7 @@
             </a:lvl5pPr>
             <a:lvl6pPr marL="2286000" indent="0">
               <a:buNone/>
-              <a:defRPr sz="1600">
+              <a:defRPr sz="1400">
                 <a:solidFill>
                   <a:schemeClr val="tx1">
                     <a:tint val="75000"/>
@@ -2140,7 +2328,7 @@
             </a:lvl6pPr>
             <a:lvl7pPr marL="2743200" indent="0">
               <a:buNone/>
-              <a:defRPr sz="1600">
+              <a:defRPr sz="1400">
                 <a:solidFill>
                   <a:schemeClr val="tx1">
                     <a:tint val="75000"/>
@@ -2150,7 +2338,7 @@
             </a:lvl7pPr>
             <a:lvl8pPr marL="3200400" indent="0">
               <a:buNone/>
-              <a:defRPr sz="1600">
+              <a:defRPr sz="1400">
                 <a:solidFill>
                   <a:schemeClr val="tx1">
                     <a:tint val="75000"/>
@@ -2160,7 +2348,7 @@
             </a:lvl8pPr>
             <a:lvl9pPr marL="3657600" indent="0">
               <a:buNone/>
-              <a:defRPr sz="1600">
+              <a:defRPr sz="1400">
                 <a:solidFill>
                   <a:schemeClr val="tx1">
                     <a:tint val="75000"/>
@@ -2180,13 +2368,7 @@
       </p:sp>
       <p:sp>
         <p:nvSpPr>
-          <p:cNvPr id="4" name="Date Placeholder 3">
-            <a:extLst>
-              <a:ext uri="{FF2B5EF4-FFF2-40B4-BE49-F238E27FC236}">
-                <a16:creationId xmlns:a16="http://schemas.microsoft.com/office/drawing/2014/main" id="{E46FFB64-511A-C541-892A-D4768CD1BB01}"/>
-              </a:ext>
-            </a:extLst>
-          </p:cNvPr>
+          <p:cNvPr id="4" name="Date Placeholder 3"/>
           <p:cNvSpPr>
             <a:spLocks noGrp="1"/>
           </p:cNvSpPr>
@@ -2201,7 +2383,7 @@
           <a:p>
             <a:fld id="{4492C0CB-E940-7449-A0A8-12C34CDA3F84}" type="datetimeFigureOut">
               <a:rPr lang="en-US" smtClean="0"/>
-              <a:t>11/7/18</a:t>
+              <a:t>11/9/2018</a:t>
             </a:fld>
             <a:endParaRPr lang="en-US"/>
           </a:p>
@@ -2209,13 +2391,7 @@
       </p:sp>
       <p:sp>
         <p:nvSpPr>
-          <p:cNvPr id="5" name="Footer Placeholder 4">
-            <a:extLst>
-              <a:ext uri="{FF2B5EF4-FFF2-40B4-BE49-F238E27FC236}">
-                <a16:creationId xmlns:a16="http://schemas.microsoft.com/office/drawing/2014/main" id="{1BD3DDEA-0B76-9F4B-88BE-1D5C1D072939}"/>
-              </a:ext>
-            </a:extLst>
-          </p:cNvPr>
+          <p:cNvPr id="5" name="Footer Placeholder 4"/>
           <p:cNvSpPr>
             <a:spLocks noGrp="1"/>
           </p:cNvSpPr>
@@ -2234,13 +2410,7 @@
       </p:sp>
       <p:sp>
         <p:nvSpPr>
-          <p:cNvPr id="6" name="Slide Number Placeholder 5">
-            <a:extLst>
-              <a:ext uri="{FF2B5EF4-FFF2-40B4-BE49-F238E27FC236}">
-                <a16:creationId xmlns:a16="http://schemas.microsoft.com/office/drawing/2014/main" id="{0A64A8BD-628B-904A-8A8A-3D9683A14734}"/>
-              </a:ext>
-            </a:extLst>
-          </p:cNvPr>
+          <p:cNvPr id="6" name="Slide Number Placeholder 5"/>
           <p:cNvSpPr>
             <a:spLocks noGrp="1"/>
           </p:cNvSpPr>
@@ -2261,10 +2431,48 @@
           </a:p>
         </p:txBody>
       </p:sp>
+      <p:cxnSp>
+        <p:nvCxnSpPr>
+          <p:cNvPr id="9" name="Straight Connector 8"/>
+          <p:cNvCxnSpPr/>
+          <p:nvPr/>
+        </p:nvCxnSpPr>
+        <p:spPr>
+          <a:xfrm>
+            <a:off x="1207658" y="4343400"/>
+            <a:ext cx="9875520" cy="0"/>
+          </a:xfrm>
+          <a:prstGeom prst="line">
+            <a:avLst/>
+          </a:prstGeom>
+          <a:ln w="6350">
+            <a:solidFill>
+              <a:schemeClr val="tx1">
+                <a:lumMod val="50000"/>
+                <a:lumOff val="50000"/>
+              </a:schemeClr>
+            </a:solidFill>
+          </a:ln>
+        </p:spPr>
+        <p:style>
+          <a:lnRef idx="1">
+            <a:schemeClr val="accent1"/>
+          </a:lnRef>
+          <a:fillRef idx="0">
+            <a:schemeClr val="accent1"/>
+          </a:fillRef>
+          <a:effectRef idx="0">
+            <a:schemeClr val="accent1"/>
+          </a:effectRef>
+          <a:fontRef idx="minor">
+            <a:schemeClr val="tx1"/>
+          </a:fontRef>
+        </p:style>
+      </p:cxnSp>
     </p:spTree>
     <p:extLst>
       <p:ext uri="{BB962C8B-B14F-4D97-AF65-F5344CB8AC3E}">
-        <p14:creationId xmlns:p14="http://schemas.microsoft.com/office/powerpoint/2010/main" val="3957936509"/>
+        <p14:creationId xmlns:p14="http://schemas.microsoft.com/office/powerpoint/2010/main" val="1711495505"/>
       </p:ext>
     </p:extLst>
   </p:cSld>
@@ -2293,13 +2501,7 @@
       </p:grpSpPr>
       <p:sp>
         <p:nvSpPr>
-          <p:cNvPr id="2" name="Title 1">
-            <a:extLst>
-              <a:ext uri="{FF2B5EF4-FFF2-40B4-BE49-F238E27FC236}">
-                <a16:creationId xmlns:a16="http://schemas.microsoft.com/office/drawing/2014/main" id="{54780CA8-EBE1-8345-9C37-E2FD1A827DFE}"/>
-              </a:ext>
-            </a:extLst>
-          </p:cNvPr>
+          <p:cNvPr id="8" name="Title 7"/>
           <p:cNvSpPr>
             <a:spLocks noGrp="1"/>
           </p:cNvSpPr>
@@ -2307,7 +2509,12 @@
             <p:ph type="title"/>
           </p:nvPr>
         </p:nvSpPr>
-        <p:spPr/>
+        <p:spPr>
+          <a:xfrm>
+            <a:off x="1097280" y="286603"/>
+            <a:ext cx="10058400" cy="1450757"/>
+          </a:xfrm>
+        </p:spPr>
         <p:txBody>
           <a:bodyPr/>
           <a:lstStyle/>
@@ -2316,18 +2523,13 @@
               <a:rPr lang="en-US"/>
               <a:t>Click to edit Master title style</a:t>
             </a:r>
-          </a:p>
-        </p:txBody>
-      </p:sp>
-      <p:sp>
-        <p:nvSpPr>
-          <p:cNvPr id="3" name="Content Placeholder 2">
-            <a:extLst>
-              <a:ext uri="{FF2B5EF4-FFF2-40B4-BE49-F238E27FC236}">
-                <a16:creationId xmlns:a16="http://schemas.microsoft.com/office/drawing/2014/main" id="{41BD4942-C065-D943-A8A1-1186B49EC82F}"/>
-              </a:ext>
-            </a:extLst>
-          </p:cNvPr>
+            <a:endParaRPr lang="en-US" dirty="0"/>
+          </a:p>
+        </p:txBody>
+      </p:sp>
+      <p:sp>
+        <p:nvSpPr>
+          <p:cNvPr id="3" name="Content Placeholder 2"/>
           <p:cNvSpPr>
             <a:spLocks noGrp="1"/>
           </p:cNvSpPr>
@@ -2337,8 +2539,8 @@
         </p:nvSpPr>
         <p:spPr>
           <a:xfrm>
-            <a:off x="838200" y="1825625"/>
-            <a:ext cx="5181600" cy="4351338"/>
+            <a:off x="1097280" y="1845734"/>
+            <a:ext cx="4937760" cy="4023359"/>
           </a:xfrm>
         </p:spPr>
         <p:txBody>
@@ -2378,18 +2580,13 @@
               <a:rPr lang="en-US"/>
               <a:t>Fifth level</a:t>
             </a:r>
-          </a:p>
-        </p:txBody>
-      </p:sp>
-      <p:sp>
-        <p:nvSpPr>
-          <p:cNvPr id="4" name="Content Placeholder 3">
-            <a:extLst>
-              <a:ext uri="{FF2B5EF4-FFF2-40B4-BE49-F238E27FC236}">
-                <a16:creationId xmlns:a16="http://schemas.microsoft.com/office/drawing/2014/main" id="{0CDF7A29-2439-C945-BDBF-EC10C10BB7E1}"/>
-              </a:ext>
-            </a:extLst>
-          </p:cNvPr>
+            <a:endParaRPr lang="en-US" dirty="0"/>
+          </a:p>
+        </p:txBody>
+      </p:sp>
+      <p:sp>
+        <p:nvSpPr>
+          <p:cNvPr id="4" name="Content Placeholder 3"/>
           <p:cNvSpPr>
             <a:spLocks noGrp="1"/>
           </p:cNvSpPr>
@@ -2399,8 +2596,8 @@
         </p:nvSpPr>
         <p:spPr>
           <a:xfrm>
-            <a:off x="6172200" y="1825625"/>
-            <a:ext cx="5181600" cy="4351338"/>
+            <a:off x="6217920" y="1845735"/>
+            <a:ext cx="4937760" cy="4023360"/>
           </a:xfrm>
         </p:spPr>
         <p:txBody>
@@ -2440,18 +2637,13 @@
               <a:rPr lang="en-US"/>
               <a:t>Fifth level</a:t>
             </a:r>
-          </a:p>
-        </p:txBody>
-      </p:sp>
-      <p:sp>
-        <p:nvSpPr>
-          <p:cNvPr id="5" name="Date Placeholder 4">
-            <a:extLst>
-              <a:ext uri="{FF2B5EF4-FFF2-40B4-BE49-F238E27FC236}">
-                <a16:creationId xmlns:a16="http://schemas.microsoft.com/office/drawing/2014/main" id="{B5494126-E285-AD4D-B8C7-F25C0DC260F0}"/>
-              </a:ext>
-            </a:extLst>
-          </p:cNvPr>
+            <a:endParaRPr lang="en-US" dirty="0"/>
+          </a:p>
+        </p:txBody>
+      </p:sp>
+      <p:sp>
+        <p:nvSpPr>
+          <p:cNvPr id="5" name="Date Placeholder 4"/>
           <p:cNvSpPr>
             <a:spLocks noGrp="1"/>
           </p:cNvSpPr>
@@ -2466,7 +2658,7 @@
           <a:p>
             <a:fld id="{4492C0CB-E940-7449-A0A8-12C34CDA3F84}" type="datetimeFigureOut">
               <a:rPr lang="en-US" smtClean="0"/>
-              <a:t>11/7/18</a:t>
+              <a:t>11/9/2018</a:t>
             </a:fld>
             <a:endParaRPr lang="en-US"/>
           </a:p>
@@ -2474,13 +2666,7 @@
       </p:sp>
       <p:sp>
         <p:nvSpPr>
-          <p:cNvPr id="6" name="Footer Placeholder 5">
-            <a:extLst>
-              <a:ext uri="{FF2B5EF4-FFF2-40B4-BE49-F238E27FC236}">
-                <a16:creationId xmlns:a16="http://schemas.microsoft.com/office/drawing/2014/main" id="{EFA6ED5E-63EF-9141-A545-2AC3B9EA2505}"/>
-              </a:ext>
-            </a:extLst>
-          </p:cNvPr>
+          <p:cNvPr id="6" name="Footer Placeholder 5"/>
           <p:cNvSpPr>
             <a:spLocks noGrp="1"/>
           </p:cNvSpPr>
@@ -2499,13 +2685,7 @@
       </p:sp>
       <p:sp>
         <p:nvSpPr>
-          <p:cNvPr id="7" name="Slide Number Placeholder 6">
-            <a:extLst>
-              <a:ext uri="{FF2B5EF4-FFF2-40B4-BE49-F238E27FC236}">
-                <a16:creationId xmlns:a16="http://schemas.microsoft.com/office/drawing/2014/main" id="{AE49D36B-4FC8-4741-B584-09B27D59BD29}"/>
-              </a:ext>
-            </a:extLst>
-          </p:cNvPr>
+          <p:cNvPr id="7" name="Slide Number Placeholder 6"/>
           <p:cNvSpPr>
             <a:spLocks noGrp="1"/>
           </p:cNvSpPr>
@@ -2529,7 +2709,7 @@
     </p:spTree>
     <p:extLst>
       <p:ext uri="{BB962C8B-B14F-4D97-AF65-F5344CB8AC3E}">
-        <p14:creationId xmlns:p14="http://schemas.microsoft.com/office/powerpoint/2010/main" val="1019028740"/>
+        <p14:creationId xmlns:p14="http://schemas.microsoft.com/office/powerpoint/2010/main" val="746394065"/>
       </p:ext>
     </p:extLst>
   </p:cSld>
@@ -2558,13 +2738,7 @@
       </p:grpSpPr>
       <p:sp>
         <p:nvSpPr>
-          <p:cNvPr id="2" name="Title 1">
-            <a:extLst>
-              <a:ext uri="{FF2B5EF4-FFF2-40B4-BE49-F238E27FC236}">
-                <a16:creationId xmlns:a16="http://schemas.microsoft.com/office/drawing/2014/main" id="{02C6BC5F-7910-3946-8A8D-DC8F10BF1B0A}"/>
-              </a:ext>
-            </a:extLst>
-          </p:cNvPr>
+          <p:cNvPr id="10" name="Title 9"/>
           <p:cNvSpPr>
             <a:spLocks noGrp="1"/>
           </p:cNvSpPr>
@@ -2574,8 +2748,8 @@
         </p:nvSpPr>
         <p:spPr>
           <a:xfrm>
-            <a:off x="839788" y="365125"/>
-            <a:ext cx="10515600" cy="1325563"/>
+            <a:off x="1097280" y="286603"/>
+            <a:ext cx="10058400" cy="1450757"/>
           </a:xfrm>
         </p:spPr>
         <p:txBody>
@@ -2586,18 +2760,13 @@
               <a:rPr lang="en-US"/>
               <a:t>Click to edit Master title style</a:t>
             </a:r>
-          </a:p>
-        </p:txBody>
-      </p:sp>
-      <p:sp>
-        <p:nvSpPr>
-          <p:cNvPr id="3" name="Text Placeholder 2">
-            <a:extLst>
-              <a:ext uri="{FF2B5EF4-FFF2-40B4-BE49-F238E27FC236}">
-                <a16:creationId xmlns:a16="http://schemas.microsoft.com/office/drawing/2014/main" id="{F0366098-DE02-414D-B856-84EA434FF54F}"/>
-              </a:ext>
-            </a:extLst>
-          </p:cNvPr>
+            <a:endParaRPr lang="en-US" dirty="0"/>
+          </a:p>
+        </p:txBody>
+      </p:sp>
+      <p:sp>
+        <p:nvSpPr>
+          <p:cNvPr id="3" name="Text Placeholder 2"/>
           <p:cNvSpPr>
             <a:spLocks noGrp="1"/>
           </p:cNvSpPr>
@@ -2607,16 +2776,22 @@
         </p:nvSpPr>
         <p:spPr>
           <a:xfrm>
-            <a:off x="839788" y="1681163"/>
-            <a:ext cx="5157787" cy="823912"/>
+            <a:off x="1097280" y="1846052"/>
+            <a:ext cx="4937760" cy="736282"/>
           </a:xfrm>
         </p:spPr>
         <p:txBody>
-          <a:bodyPr anchor="b"/>
+          <a:bodyPr lIns="91440" rIns="91440" anchor="ctr">
+            <a:normAutofit/>
+          </a:bodyPr>
           <a:lstStyle>
             <a:lvl1pPr marL="0" indent="0">
               <a:buNone/>
-              <a:defRPr sz="2400" b="1"/>
+              <a:defRPr sz="2000" b="0" cap="all" baseline="0">
+                <a:solidFill>
+                  <a:schemeClr val="tx2"/>
+                </a:solidFill>
+              </a:defRPr>
             </a:lvl1pPr>
             <a:lvl2pPr marL="457200" indent="0">
               <a:buNone/>
@@ -2662,13 +2837,7 @@
       </p:sp>
       <p:sp>
         <p:nvSpPr>
-          <p:cNvPr id="4" name="Content Placeholder 3">
-            <a:extLst>
-              <a:ext uri="{FF2B5EF4-FFF2-40B4-BE49-F238E27FC236}">
-                <a16:creationId xmlns:a16="http://schemas.microsoft.com/office/drawing/2014/main" id="{978D0574-9E49-F34A-A04A-23BE53D12D40}"/>
-              </a:ext>
-            </a:extLst>
-          </p:cNvPr>
+          <p:cNvPr id="4" name="Content Placeholder 3"/>
           <p:cNvSpPr>
             <a:spLocks noGrp="1"/>
           </p:cNvSpPr>
@@ -2678,8 +2847,8 @@
         </p:nvSpPr>
         <p:spPr>
           <a:xfrm>
-            <a:off x="839788" y="2505075"/>
-            <a:ext cx="5157787" cy="3684588"/>
+            <a:off x="1097280" y="2582335"/>
+            <a:ext cx="4937760" cy="3286760"/>
           </a:xfrm>
         </p:spPr>
         <p:txBody>
@@ -2719,18 +2888,13 @@
               <a:rPr lang="en-US"/>
               <a:t>Fifth level</a:t>
             </a:r>
-          </a:p>
-        </p:txBody>
-      </p:sp>
-      <p:sp>
-        <p:nvSpPr>
-          <p:cNvPr id="5" name="Text Placeholder 4">
-            <a:extLst>
-              <a:ext uri="{FF2B5EF4-FFF2-40B4-BE49-F238E27FC236}">
-                <a16:creationId xmlns:a16="http://schemas.microsoft.com/office/drawing/2014/main" id="{E948B2EE-6776-DD4A-A635-7EE5B9F36DFC}"/>
-              </a:ext>
-            </a:extLst>
-          </p:cNvPr>
+            <a:endParaRPr lang="en-US" dirty="0"/>
+          </a:p>
+        </p:txBody>
+      </p:sp>
+      <p:sp>
+        <p:nvSpPr>
+          <p:cNvPr id="5" name="Text Placeholder 4"/>
           <p:cNvSpPr>
             <a:spLocks noGrp="1"/>
           </p:cNvSpPr>
@@ -2740,16 +2904,22 @@
         </p:nvSpPr>
         <p:spPr>
           <a:xfrm>
-            <a:off x="6172200" y="1681163"/>
-            <a:ext cx="5183188" cy="823912"/>
+            <a:off x="6217920" y="1846052"/>
+            <a:ext cx="4937760" cy="736282"/>
           </a:xfrm>
         </p:spPr>
         <p:txBody>
-          <a:bodyPr anchor="b"/>
+          <a:bodyPr lIns="91440" rIns="91440" anchor="ctr">
+            <a:normAutofit/>
+          </a:bodyPr>
           <a:lstStyle>
             <a:lvl1pPr marL="0" indent="0">
               <a:buNone/>
-              <a:defRPr sz="2400" b="1"/>
+              <a:defRPr sz="2000" b="0" cap="all" baseline="0">
+                <a:solidFill>
+                  <a:schemeClr val="tx2"/>
+                </a:solidFill>
+              </a:defRPr>
             </a:lvl1pPr>
             <a:lvl2pPr marL="457200" indent="0">
               <a:buNone/>
@@ -2795,13 +2965,7 @@
       </p:sp>
       <p:sp>
         <p:nvSpPr>
-          <p:cNvPr id="6" name="Content Placeholder 5">
-            <a:extLst>
-              <a:ext uri="{FF2B5EF4-FFF2-40B4-BE49-F238E27FC236}">
-                <a16:creationId xmlns:a16="http://schemas.microsoft.com/office/drawing/2014/main" id="{7EC7F9AF-4D79-CE42-B6D6-BEAA77B630AC}"/>
-              </a:ext>
-            </a:extLst>
-          </p:cNvPr>
+          <p:cNvPr id="6" name="Content Placeholder 5"/>
           <p:cNvSpPr>
             <a:spLocks noGrp="1"/>
           </p:cNvSpPr>
@@ -2811,8 +2975,8 @@
         </p:nvSpPr>
         <p:spPr>
           <a:xfrm>
-            <a:off x="6172200" y="2505075"/>
-            <a:ext cx="5183188" cy="3684588"/>
+            <a:off x="6217920" y="2582334"/>
+            <a:ext cx="4937760" cy="3286760"/>
           </a:xfrm>
         </p:spPr>
         <p:txBody>
@@ -2852,18 +3016,13 @@
               <a:rPr lang="en-US"/>
               <a:t>Fifth level</a:t>
             </a:r>
-          </a:p>
-        </p:txBody>
-      </p:sp>
-      <p:sp>
-        <p:nvSpPr>
-          <p:cNvPr id="7" name="Date Placeholder 6">
-            <a:extLst>
-              <a:ext uri="{FF2B5EF4-FFF2-40B4-BE49-F238E27FC236}">
-                <a16:creationId xmlns:a16="http://schemas.microsoft.com/office/drawing/2014/main" id="{CAF3DF86-615E-B64B-81C8-C8D65E70A170}"/>
-              </a:ext>
-            </a:extLst>
-          </p:cNvPr>
+            <a:endParaRPr lang="en-US" dirty="0"/>
+          </a:p>
+        </p:txBody>
+      </p:sp>
+      <p:sp>
+        <p:nvSpPr>
+          <p:cNvPr id="7" name="Date Placeholder 6"/>
           <p:cNvSpPr>
             <a:spLocks noGrp="1"/>
           </p:cNvSpPr>
@@ -2878,7 +3037,7 @@
           <a:p>
             <a:fld id="{4492C0CB-E940-7449-A0A8-12C34CDA3F84}" type="datetimeFigureOut">
               <a:rPr lang="en-US" smtClean="0"/>
-              <a:t>11/7/18</a:t>
+              <a:t>11/9/2018</a:t>
             </a:fld>
             <a:endParaRPr lang="en-US"/>
           </a:p>
@@ -2886,13 +3045,7 @@
       </p:sp>
       <p:sp>
         <p:nvSpPr>
-          <p:cNvPr id="8" name="Footer Placeholder 7">
-            <a:extLst>
-              <a:ext uri="{FF2B5EF4-FFF2-40B4-BE49-F238E27FC236}">
-                <a16:creationId xmlns:a16="http://schemas.microsoft.com/office/drawing/2014/main" id="{3AC1E080-E932-8049-B5AF-A7ECCEEEAA38}"/>
-              </a:ext>
-            </a:extLst>
-          </p:cNvPr>
+          <p:cNvPr id="8" name="Footer Placeholder 7"/>
           <p:cNvSpPr>
             <a:spLocks noGrp="1"/>
           </p:cNvSpPr>
@@ -2911,13 +3064,7 @@
       </p:sp>
       <p:sp>
         <p:nvSpPr>
-          <p:cNvPr id="9" name="Slide Number Placeholder 8">
-            <a:extLst>
-              <a:ext uri="{FF2B5EF4-FFF2-40B4-BE49-F238E27FC236}">
-                <a16:creationId xmlns:a16="http://schemas.microsoft.com/office/drawing/2014/main" id="{D901BEA7-EC8C-2D42-BA8A-3111BD000E3D}"/>
-              </a:ext>
-            </a:extLst>
-          </p:cNvPr>
+          <p:cNvPr id="9" name="Slide Number Placeholder 8"/>
           <p:cNvSpPr>
             <a:spLocks noGrp="1"/>
           </p:cNvSpPr>
@@ -2941,7 +3088,7 @@
     </p:spTree>
     <p:extLst>
       <p:ext uri="{BB962C8B-B14F-4D97-AF65-F5344CB8AC3E}">
-        <p14:creationId xmlns:p14="http://schemas.microsoft.com/office/powerpoint/2010/main" val="160934162"/>
+        <p14:creationId xmlns:p14="http://schemas.microsoft.com/office/powerpoint/2010/main" val="1563384546"/>
       </p:ext>
     </p:extLst>
   </p:cSld>
@@ -2970,13 +3117,7 @@
       </p:grpSpPr>
       <p:sp>
         <p:nvSpPr>
-          <p:cNvPr id="2" name="Title 1">
-            <a:extLst>
-              <a:ext uri="{FF2B5EF4-FFF2-40B4-BE49-F238E27FC236}">
-                <a16:creationId xmlns:a16="http://schemas.microsoft.com/office/drawing/2014/main" id="{366F3001-ECF9-894D-A366-A99CC681475D}"/>
-              </a:ext>
-            </a:extLst>
-          </p:cNvPr>
+          <p:cNvPr id="2" name="Title 1"/>
           <p:cNvSpPr>
             <a:spLocks noGrp="1"/>
           </p:cNvSpPr>
@@ -2993,18 +3134,13 @@
               <a:rPr lang="en-US"/>
               <a:t>Click to edit Master title style</a:t>
             </a:r>
-          </a:p>
-        </p:txBody>
-      </p:sp>
-      <p:sp>
-        <p:nvSpPr>
-          <p:cNvPr id="3" name="Date Placeholder 2">
-            <a:extLst>
-              <a:ext uri="{FF2B5EF4-FFF2-40B4-BE49-F238E27FC236}">
-                <a16:creationId xmlns:a16="http://schemas.microsoft.com/office/drawing/2014/main" id="{21991066-45B6-4C4A-B41A-BF67C22DE9A8}"/>
-              </a:ext>
-            </a:extLst>
-          </p:cNvPr>
+            <a:endParaRPr lang="en-US" dirty="0"/>
+          </a:p>
+        </p:txBody>
+      </p:sp>
+      <p:sp>
+        <p:nvSpPr>
+          <p:cNvPr id="3" name="Date Placeholder 2"/>
           <p:cNvSpPr>
             <a:spLocks noGrp="1"/>
           </p:cNvSpPr>
@@ -3019,7 +3155,7 @@
           <a:p>
             <a:fld id="{4492C0CB-E940-7449-A0A8-12C34CDA3F84}" type="datetimeFigureOut">
               <a:rPr lang="en-US" smtClean="0"/>
-              <a:t>11/7/18</a:t>
+              <a:t>11/9/2018</a:t>
             </a:fld>
             <a:endParaRPr lang="en-US"/>
           </a:p>
@@ -3027,13 +3163,7 @@
       </p:sp>
       <p:sp>
         <p:nvSpPr>
-          <p:cNvPr id="4" name="Footer Placeholder 3">
-            <a:extLst>
-              <a:ext uri="{FF2B5EF4-FFF2-40B4-BE49-F238E27FC236}">
-                <a16:creationId xmlns:a16="http://schemas.microsoft.com/office/drawing/2014/main" id="{735BF61F-A118-9D49-8274-83FF4D1ABA9C}"/>
-              </a:ext>
-            </a:extLst>
-          </p:cNvPr>
+          <p:cNvPr id="4" name="Footer Placeholder 3"/>
           <p:cNvSpPr>
             <a:spLocks noGrp="1"/>
           </p:cNvSpPr>
@@ -3052,13 +3182,7 @@
       </p:sp>
       <p:sp>
         <p:nvSpPr>
-          <p:cNvPr id="5" name="Slide Number Placeholder 4">
-            <a:extLst>
-              <a:ext uri="{FF2B5EF4-FFF2-40B4-BE49-F238E27FC236}">
-                <a16:creationId xmlns:a16="http://schemas.microsoft.com/office/drawing/2014/main" id="{3C4DB950-9CE5-E94F-A65B-8459D3B03D81}"/>
-              </a:ext>
-            </a:extLst>
-          </p:cNvPr>
+          <p:cNvPr id="5" name="Slide Number Placeholder 4"/>
           <p:cNvSpPr>
             <a:spLocks noGrp="1"/>
           </p:cNvSpPr>
@@ -3082,7 +3206,7 @@
     </p:spTree>
     <p:extLst>
       <p:ext uri="{BB962C8B-B14F-4D97-AF65-F5344CB8AC3E}">
-        <p14:creationId xmlns:p14="http://schemas.microsoft.com/office/powerpoint/2010/main" val="1891809191"/>
+        <p14:creationId xmlns:p14="http://schemas.microsoft.com/office/powerpoint/2010/main" val="2691705484"/>
       </p:ext>
     </p:extLst>
   </p:cSld>
@@ -3093,7 +3217,7 @@
 </file>
 
 <file path=ppt/slideLayouts/slideLayout7.xml><?xml version="1.0" encoding="utf-8"?>
-<p:sldLayout xmlns:a="http://schemas.openxmlformats.org/drawingml/2006/main" xmlns:r="http://schemas.openxmlformats.org/officeDocument/2006/relationships" xmlns:p="http://schemas.openxmlformats.org/presentationml/2006/main" type="blank" preserve="1">
+<p:sldLayout xmlns:a="http://schemas.openxmlformats.org/drawingml/2006/main" xmlns:r="http://schemas.openxmlformats.org/officeDocument/2006/relationships" xmlns:p="http://schemas.openxmlformats.org/presentationml/2006/main" showMasterSp="0" type="blank" preserve="1">
   <p:cSld name="Blank">
     <p:spTree>
       <p:nvGrpSpPr>
@@ -3111,13 +3235,83 @@
       </p:grpSpPr>
       <p:sp>
         <p:nvSpPr>
-          <p:cNvPr id="2" name="Date Placeholder 1">
-            <a:extLst>
-              <a:ext uri="{FF2B5EF4-FFF2-40B4-BE49-F238E27FC236}">
-                <a16:creationId xmlns:a16="http://schemas.microsoft.com/office/drawing/2014/main" id="{3950290A-2ECA-8841-A090-AD93458C0C89}"/>
-              </a:ext>
-            </a:extLst>
-          </p:cNvPr>
+          <p:cNvPr id="5" name="Rectangle 4"/>
+          <p:cNvSpPr/>
+          <p:nvPr/>
+        </p:nvSpPr>
+        <p:spPr>
+          <a:xfrm>
+            <a:off x="3175" y="6400800"/>
+            <a:ext cx="12188825" cy="457200"/>
+          </a:xfrm>
+          <a:prstGeom prst="rect">
+            <a:avLst/>
+          </a:prstGeom>
+          <a:solidFill>
+            <a:schemeClr val="accent2"/>
+          </a:solidFill>
+          <a:ln>
+            <a:noFill/>
+          </a:ln>
+        </p:spPr>
+        <p:style>
+          <a:lnRef idx="2">
+            <a:schemeClr val="accent1">
+              <a:shade val="50000"/>
+            </a:schemeClr>
+          </a:lnRef>
+          <a:fillRef idx="1">
+            <a:schemeClr val="accent1"/>
+          </a:fillRef>
+          <a:effectRef idx="0">
+            <a:schemeClr val="accent1"/>
+          </a:effectRef>
+          <a:fontRef idx="minor">
+            <a:schemeClr val="lt1"/>
+          </a:fontRef>
+        </p:style>
+      </p:sp>
+      <p:sp>
+        <p:nvSpPr>
+          <p:cNvPr id="6" name="Rectangle 5"/>
+          <p:cNvSpPr/>
+          <p:nvPr/>
+        </p:nvSpPr>
+        <p:spPr>
+          <a:xfrm>
+            <a:off x="15" y="6334316"/>
+            <a:ext cx="12188825" cy="64008"/>
+          </a:xfrm>
+          <a:prstGeom prst="rect">
+            <a:avLst/>
+          </a:prstGeom>
+          <a:solidFill>
+            <a:schemeClr val="accent1"/>
+          </a:solidFill>
+          <a:ln>
+            <a:noFill/>
+          </a:ln>
+        </p:spPr>
+        <p:style>
+          <a:lnRef idx="2">
+            <a:schemeClr val="accent1">
+              <a:shade val="50000"/>
+            </a:schemeClr>
+          </a:lnRef>
+          <a:fillRef idx="1">
+            <a:schemeClr val="accent1"/>
+          </a:fillRef>
+          <a:effectRef idx="0">
+            <a:schemeClr val="accent1"/>
+          </a:effectRef>
+          <a:fontRef idx="minor">
+            <a:schemeClr val="lt1"/>
+          </a:fontRef>
+        </p:style>
+      </p:sp>
+      <p:sp>
+        <p:nvSpPr>
+          <p:cNvPr id="7" name="Date Placeholder 6"/>
           <p:cNvSpPr>
             <a:spLocks noGrp="1"/>
           </p:cNvSpPr>
@@ -3132,7 +3326,7 @@
           <a:p>
             <a:fld id="{4492C0CB-E940-7449-A0A8-12C34CDA3F84}" type="datetimeFigureOut">
               <a:rPr lang="en-US" smtClean="0"/>
-              <a:t>11/7/18</a:t>
+              <a:t>11/9/2018</a:t>
             </a:fld>
             <a:endParaRPr lang="en-US"/>
           </a:p>
@@ -3140,13 +3334,7 @@
       </p:sp>
       <p:sp>
         <p:nvSpPr>
-          <p:cNvPr id="3" name="Footer Placeholder 2">
-            <a:extLst>
-              <a:ext uri="{FF2B5EF4-FFF2-40B4-BE49-F238E27FC236}">
-                <a16:creationId xmlns:a16="http://schemas.microsoft.com/office/drawing/2014/main" id="{CBE42724-A726-CC4E-8D3D-622154AC4683}"/>
-              </a:ext>
-            </a:extLst>
-          </p:cNvPr>
+          <p:cNvPr id="8" name="Footer Placeholder 7"/>
           <p:cNvSpPr>
             <a:spLocks noGrp="1"/>
           </p:cNvSpPr>
@@ -3157,7 +3345,15 @@
         <p:spPr/>
         <p:txBody>
           <a:bodyPr/>
-          <a:lstStyle/>
+          <a:lstStyle>
+            <a:lvl1pPr>
+              <a:defRPr>
+                <a:solidFill>
+                  <a:srgbClr val="FFFFFF"/>
+                </a:solidFill>
+              </a:defRPr>
+            </a:lvl1pPr>
+          </a:lstStyle>
           <a:p>
             <a:endParaRPr lang="en-US"/>
           </a:p>
@@ -3165,13 +3361,7 @@
       </p:sp>
       <p:sp>
         <p:nvSpPr>
-          <p:cNvPr id="4" name="Slide Number Placeholder 3">
-            <a:extLst>
-              <a:ext uri="{FF2B5EF4-FFF2-40B4-BE49-F238E27FC236}">
-                <a16:creationId xmlns:a16="http://schemas.microsoft.com/office/drawing/2014/main" id="{CFEF4C97-CED3-6A40-813B-C6B076CB795B}"/>
-              </a:ext>
-            </a:extLst>
-          </p:cNvPr>
+          <p:cNvPr id="9" name="Slide Number Placeholder 8"/>
           <p:cNvSpPr>
             <a:spLocks noGrp="1"/>
           </p:cNvSpPr>
@@ -3195,7 +3385,7 @@
     </p:spTree>
     <p:extLst>
       <p:ext uri="{BB962C8B-B14F-4D97-AF65-F5344CB8AC3E}">
-        <p14:creationId xmlns:p14="http://schemas.microsoft.com/office/powerpoint/2010/main" val="3487504853"/>
+        <p14:creationId xmlns:p14="http://schemas.microsoft.com/office/powerpoint/2010/main" val="115565947"/>
       </p:ext>
     </p:extLst>
   </p:cSld>
@@ -3206,7 +3396,7 @@
 </file>
 
 <file path=ppt/slideLayouts/slideLayout8.xml><?xml version="1.0" encoding="utf-8"?>
-<p:sldLayout xmlns:a="http://schemas.openxmlformats.org/drawingml/2006/main" xmlns:r="http://schemas.openxmlformats.org/officeDocument/2006/relationships" xmlns:p="http://schemas.openxmlformats.org/presentationml/2006/main" type="objTx" preserve="1">
+<p:sldLayout xmlns:a="http://schemas.openxmlformats.org/drawingml/2006/main" xmlns:r="http://schemas.openxmlformats.org/officeDocument/2006/relationships" xmlns:p="http://schemas.openxmlformats.org/presentationml/2006/main" showMasterSp="0" type="objTx" preserve="1">
   <p:cSld name="Content with Caption">
     <p:spTree>
       <p:nvGrpSpPr>
@@ -3224,31 +3414,107 @@
       </p:grpSpPr>
       <p:sp>
         <p:nvSpPr>
-          <p:cNvPr id="2" name="Title 1">
-            <a:extLst>
-              <a:ext uri="{FF2B5EF4-FFF2-40B4-BE49-F238E27FC236}">
-                <a16:creationId xmlns:a16="http://schemas.microsoft.com/office/drawing/2014/main" id="{6574E543-E0DA-3E49-BC15-3F470C4072AB}"/>
-              </a:ext>
-            </a:extLst>
-          </p:cNvPr>
-          <p:cNvSpPr>
-            <a:spLocks noGrp="1"/>
-          </p:cNvSpPr>
-          <p:nvPr>
-            <p:ph type="title"/>
-          </p:nvPr>
+          <p:cNvPr id="8" name="Rectangle 7"/>
+          <p:cNvSpPr/>
+          <p:nvPr/>
         </p:nvSpPr>
         <p:spPr>
           <a:xfrm>
-            <a:off x="839788" y="457200"/>
-            <a:ext cx="3932237" cy="1600200"/>
+            <a:off x="16" y="0"/>
+            <a:ext cx="4050791" cy="6858000"/>
+          </a:xfrm>
+          <a:prstGeom prst="rect">
+            <a:avLst/>
+          </a:prstGeom>
+          <a:solidFill>
+            <a:schemeClr val="accent2"/>
+          </a:solidFill>
+          <a:ln>
+            <a:noFill/>
+          </a:ln>
+        </p:spPr>
+        <p:style>
+          <a:lnRef idx="2">
+            <a:schemeClr val="accent1">
+              <a:shade val="50000"/>
+            </a:schemeClr>
+          </a:lnRef>
+          <a:fillRef idx="1">
+            <a:schemeClr val="accent1"/>
+          </a:fillRef>
+          <a:effectRef idx="0">
+            <a:schemeClr val="accent1"/>
+          </a:effectRef>
+          <a:fontRef idx="minor">
+            <a:schemeClr val="lt1"/>
+          </a:fontRef>
+        </p:style>
+      </p:sp>
+      <p:sp>
+        <p:nvSpPr>
+          <p:cNvPr id="9" name="Rectangle 8"/>
+          <p:cNvSpPr/>
+          <p:nvPr/>
+        </p:nvSpPr>
+        <p:spPr>
+          <a:xfrm>
+            <a:off x="4040071" y="0"/>
+            <a:ext cx="64008" cy="6858000"/>
+          </a:xfrm>
+          <a:prstGeom prst="rect">
+            <a:avLst/>
+          </a:prstGeom>
+          <a:solidFill>
+            <a:schemeClr val="accent1"/>
+          </a:solidFill>
+          <a:ln>
+            <a:noFill/>
+          </a:ln>
+        </p:spPr>
+        <p:style>
+          <a:lnRef idx="2">
+            <a:schemeClr val="accent1">
+              <a:shade val="50000"/>
+            </a:schemeClr>
+          </a:lnRef>
+          <a:fillRef idx="1">
+            <a:schemeClr val="accent1"/>
+          </a:fillRef>
+          <a:effectRef idx="0">
+            <a:schemeClr val="accent1"/>
+          </a:effectRef>
+          <a:fontRef idx="minor">
+            <a:schemeClr val="lt1"/>
+          </a:fontRef>
+        </p:style>
+      </p:sp>
+      <p:sp>
+        <p:nvSpPr>
+          <p:cNvPr id="2" name="Title 1"/>
+          <p:cNvSpPr>
+            <a:spLocks noGrp="1"/>
+          </p:cNvSpPr>
+          <p:nvPr>
+            <p:ph type="title"/>
+          </p:nvPr>
+        </p:nvSpPr>
+        <p:spPr>
+          <a:xfrm>
+            <a:off x="457200" y="594359"/>
+            <a:ext cx="3200400" cy="2286000"/>
           </a:xfrm>
         </p:spPr>
         <p:txBody>
-          <a:bodyPr anchor="b"/>
+          <a:bodyPr anchor="b">
+            <a:normAutofit/>
+          </a:bodyPr>
           <a:lstStyle>
             <a:lvl1pPr>
-              <a:defRPr sz="3200"/>
+              <a:defRPr sz="3600" b="0">
+                <a:solidFill>
+                  <a:srgbClr val="FFFFFF"/>
+                </a:solidFill>
+              </a:defRPr>
             </a:lvl1pPr>
           </a:lstStyle>
           <a:p>
@@ -3256,18 +3522,13 @@
               <a:rPr lang="en-US"/>
               <a:t>Click to edit Master title style</a:t>
             </a:r>
-          </a:p>
-        </p:txBody>
-      </p:sp>
-      <p:sp>
-        <p:nvSpPr>
-          <p:cNvPr id="3" name="Content Placeholder 2">
-            <a:extLst>
-              <a:ext uri="{FF2B5EF4-FFF2-40B4-BE49-F238E27FC236}">
-                <a16:creationId xmlns:a16="http://schemas.microsoft.com/office/drawing/2014/main" id="{19D068B9-E10A-BD49-83B3-FDEE65454076}"/>
-              </a:ext>
-            </a:extLst>
-          </p:cNvPr>
+            <a:endParaRPr lang="en-US" dirty="0"/>
+          </a:p>
+        </p:txBody>
+      </p:sp>
+      <p:sp>
+        <p:nvSpPr>
+          <p:cNvPr id="3" name="Content Placeholder 2"/>
           <p:cNvSpPr>
             <a:spLocks noGrp="1"/>
           </p:cNvSpPr>
@@ -3277,223 +3538,208 @@
         </p:nvSpPr>
         <p:spPr>
           <a:xfrm>
-            <a:off x="5183188" y="987425"/>
-            <a:ext cx="6172200" cy="4873625"/>
+            <a:off x="4800600" y="731520"/>
+            <a:ext cx="6492240" cy="5257800"/>
           </a:xfrm>
         </p:spPr>
+        <p:txBody>
+          <a:bodyPr/>
+          <a:lstStyle/>
+          <a:p>
+            <a:pPr lvl="0"/>
+            <a:r>
+              <a:rPr lang="en-US"/>
+              <a:t>Edit Master text styles</a:t>
+            </a:r>
+          </a:p>
+          <a:p>
+            <a:pPr lvl="1"/>
+            <a:r>
+              <a:rPr lang="en-US"/>
+              <a:t>Second level</a:t>
+            </a:r>
+          </a:p>
+          <a:p>
+            <a:pPr lvl="2"/>
+            <a:r>
+              <a:rPr lang="en-US"/>
+              <a:t>Third level</a:t>
+            </a:r>
+          </a:p>
+          <a:p>
+            <a:pPr lvl="3"/>
+            <a:r>
+              <a:rPr lang="en-US"/>
+              <a:t>Fourth level</a:t>
+            </a:r>
+          </a:p>
+          <a:p>
+            <a:pPr lvl="4"/>
+            <a:r>
+              <a:rPr lang="en-US"/>
+              <a:t>Fifth level</a:t>
+            </a:r>
+            <a:endParaRPr lang="en-US" dirty="0"/>
+          </a:p>
+        </p:txBody>
+      </p:sp>
+      <p:sp>
+        <p:nvSpPr>
+          <p:cNvPr id="4" name="Text Placeholder 3"/>
+          <p:cNvSpPr>
+            <a:spLocks noGrp="1"/>
+          </p:cNvSpPr>
+          <p:nvPr>
+            <p:ph type="body" sz="half" idx="2"/>
+          </p:nvPr>
+        </p:nvSpPr>
+        <p:spPr>
+          <a:xfrm>
+            <a:off x="457200" y="2926080"/>
+            <a:ext cx="3200400" cy="3379124"/>
+          </a:xfrm>
+        </p:spPr>
+        <p:txBody>
+          <a:bodyPr lIns="91440" rIns="91440">
+            <a:normAutofit/>
+          </a:bodyPr>
+          <a:lstStyle>
+            <a:lvl1pPr marL="0" indent="0">
+              <a:buNone/>
+              <a:defRPr sz="1500">
+                <a:solidFill>
+                  <a:srgbClr val="FFFFFF"/>
+                </a:solidFill>
+              </a:defRPr>
+            </a:lvl1pPr>
+            <a:lvl2pPr marL="457200" indent="0">
+              <a:buNone/>
+              <a:defRPr sz="1200"/>
+            </a:lvl2pPr>
+            <a:lvl3pPr marL="914400" indent="0">
+              <a:buNone/>
+              <a:defRPr sz="1000"/>
+            </a:lvl3pPr>
+            <a:lvl4pPr marL="1371600" indent="0">
+              <a:buNone/>
+              <a:defRPr sz="900"/>
+            </a:lvl4pPr>
+            <a:lvl5pPr marL="1828800" indent="0">
+              <a:buNone/>
+              <a:defRPr sz="900"/>
+            </a:lvl5pPr>
+            <a:lvl6pPr marL="2286000" indent="0">
+              <a:buNone/>
+              <a:defRPr sz="900"/>
+            </a:lvl6pPr>
+            <a:lvl7pPr marL="2743200" indent="0">
+              <a:buNone/>
+              <a:defRPr sz="900"/>
+            </a:lvl7pPr>
+            <a:lvl8pPr marL="3200400" indent="0">
+              <a:buNone/>
+              <a:defRPr sz="900"/>
+            </a:lvl8pPr>
+            <a:lvl9pPr marL="3657600" indent="0">
+              <a:buNone/>
+              <a:defRPr sz="900"/>
+            </a:lvl9pPr>
+          </a:lstStyle>
+          <a:p>
+            <a:pPr lvl="0"/>
+            <a:r>
+              <a:rPr lang="en-US"/>
+              <a:t>Edit Master text styles</a:t>
+            </a:r>
+          </a:p>
+        </p:txBody>
+      </p:sp>
+      <p:sp>
+        <p:nvSpPr>
+          <p:cNvPr id="5" name="Date Placeholder 4"/>
+          <p:cNvSpPr>
+            <a:spLocks noGrp="1"/>
+          </p:cNvSpPr>
+          <p:nvPr>
+            <p:ph type="dt" sz="half" idx="10"/>
+          </p:nvPr>
+        </p:nvSpPr>
+        <p:spPr>
+          <a:xfrm>
+            <a:off x="465512" y="6459785"/>
+            <a:ext cx="2618510" cy="365125"/>
+          </a:xfrm>
+        </p:spPr>
+        <p:txBody>
+          <a:bodyPr/>
+          <a:lstStyle>
+            <a:lvl1pPr algn="l">
+              <a:defRPr/>
+            </a:lvl1pPr>
+          </a:lstStyle>
+          <a:p>
+            <a:fld id="{4492C0CB-E940-7449-A0A8-12C34CDA3F84}" type="datetimeFigureOut">
+              <a:rPr lang="en-US" smtClean="0"/>
+              <a:t>11/9/2018</a:t>
+            </a:fld>
+            <a:endParaRPr lang="en-US"/>
+          </a:p>
+        </p:txBody>
+      </p:sp>
+      <p:sp>
+        <p:nvSpPr>
+          <p:cNvPr id="6" name="Footer Placeholder 5"/>
+          <p:cNvSpPr>
+            <a:spLocks noGrp="1"/>
+          </p:cNvSpPr>
+          <p:nvPr>
+            <p:ph type="ftr" sz="quarter" idx="11"/>
+          </p:nvPr>
+        </p:nvSpPr>
+        <p:spPr>
+          <a:xfrm>
+            <a:off x="4800600" y="6459785"/>
+            <a:ext cx="4648200" cy="365125"/>
+          </a:xfrm>
+        </p:spPr>
+        <p:txBody>
+          <a:bodyPr/>
+          <a:lstStyle>
+            <a:lvl1pPr algn="l">
+              <a:defRPr>
+                <a:solidFill>
+                  <a:schemeClr val="tx2"/>
+                </a:solidFill>
+              </a:defRPr>
+            </a:lvl1pPr>
+          </a:lstStyle>
+          <a:p>
+            <a:endParaRPr lang="en-US"/>
+          </a:p>
+        </p:txBody>
+      </p:sp>
+      <p:sp>
+        <p:nvSpPr>
+          <p:cNvPr id="7" name="Slide Number Placeholder 6"/>
+          <p:cNvSpPr>
+            <a:spLocks noGrp="1"/>
+          </p:cNvSpPr>
+          <p:nvPr>
+            <p:ph type="sldNum" sz="quarter" idx="12"/>
+          </p:nvPr>
+        </p:nvSpPr>
+        <p:spPr/>
         <p:txBody>
           <a:bodyPr/>
           <a:lstStyle>
             <a:lvl1pPr>
-              <a:defRPr sz="3200"/>
+              <a:defRPr>
+                <a:solidFill>
+                  <a:schemeClr val="tx2"/>
+                </a:solidFill>
+              </a:defRPr>
             </a:lvl1pPr>
-            <a:lvl2pPr>
-              <a:defRPr sz="2800"/>
-            </a:lvl2pPr>
-            <a:lvl3pPr>
-              <a:defRPr sz="2400"/>
-            </a:lvl3pPr>
-            <a:lvl4pPr>
-              <a:defRPr sz="2000"/>
-            </a:lvl4pPr>
-            <a:lvl5pPr>
-              <a:defRPr sz="2000"/>
-            </a:lvl5pPr>
-            <a:lvl6pPr>
-              <a:defRPr sz="2000"/>
-            </a:lvl6pPr>
-            <a:lvl7pPr>
-              <a:defRPr sz="2000"/>
-            </a:lvl7pPr>
-            <a:lvl8pPr>
-              <a:defRPr sz="2000"/>
-            </a:lvl8pPr>
-            <a:lvl9pPr>
-              <a:defRPr sz="2000"/>
-            </a:lvl9pPr>
           </a:lstStyle>
-          <a:p>
-            <a:pPr lvl="0"/>
-            <a:r>
-              <a:rPr lang="en-US"/>
-              <a:t>Edit Master text styles</a:t>
-            </a:r>
-          </a:p>
-          <a:p>
-            <a:pPr lvl="1"/>
-            <a:r>
-              <a:rPr lang="en-US"/>
-              <a:t>Second level</a:t>
-            </a:r>
-          </a:p>
-          <a:p>
-            <a:pPr lvl="2"/>
-            <a:r>
-              <a:rPr lang="en-US"/>
-              <a:t>Third level</a:t>
-            </a:r>
-          </a:p>
-          <a:p>
-            <a:pPr lvl="3"/>
-            <a:r>
-              <a:rPr lang="en-US"/>
-              <a:t>Fourth level</a:t>
-            </a:r>
-          </a:p>
-          <a:p>
-            <a:pPr lvl="4"/>
-            <a:r>
-              <a:rPr lang="en-US"/>
-              <a:t>Fifth level</a:t>
-            </a:r>
-          </a:p>
-        </p:txBody>
-      </p:sp>
-      <p:sp>
-        <p:nvSpPr>
-          <p:cNvPr id="4" name="Text Placeholder 3">
-            <a:extLst>
-              <a:ext uri="{FF2B5EF4-FFF2-40B4-BE49-F238E27FC236}">
-                <a16:creationId xmlns:a16="http://schemas.microsoft.com/office/drawing/2014/main" id="{76DD6477-3FE7-1746-BD6D-21D479217A34}"/>
-              </a:ext>
-            </a:extLst>
-          </p:cNvPr>
-          <p:cNvSpPr>
-            <a:spLocks noGrp="1"/>
-          </p:cNvSpPr>
-          <p:nvPr>
-            <p:ph type="body" sz="half" idx="2"/>
-          </p:nvPr>
-        </p:nvSpPr>
-        <p:spPr>
-          <a:xfrm>
-            <a:off x="839788" y="2057400"/>
-            <a:ext cx="3932237" cy="3811588"/>
-          </a:xfrm>
-        </p:spPr>
-        <p:txBody>
-          <a:bodyPr/>
-          <a:lstStyle>
-            <a:lvl1pPr marL="0" indent="0">
-              <a:buNone/>
-              <a:defRPr sz="1600"/>
-            </a:lvl1pPr>
-            <a:lvl2pPr marL="457200" indent="0">
-              <a:buNone/>
-              <a:defRPr sz="1400"/>
-            </a:lvl2pPr>
-            <a:lvl3pPr marL="914400" indent="0">
-              <a:buNone/>
-              <a:defRPr sz="1200"/>
-            </a:lvl3pPr>
-            <a:lvl4pPr marL="1371600" indent="0">
-              <a:buNone/>
-              <a:defRPr sz="1000"/>
-            </a:lvl4pPr>
-            <a:lvl5pPr marL="1828800" indent="0">
-              <a:buNone/>
-              <a:defRPr sz="1000"/>
-            </a:lvl5pPr>
-            <a:lvl6pPr marL="2286000" indent="0">
-              <a:buNone/>
-              <a:defRPr sz="1000"/>
-            </a:lvl6pPr>
-            <a:lvl7pPr marL="2743200" indent="0">
-              <a:buNone/>
-              <a:defRPr sz="1000"/>
-            </a:lvl7pPr>
-            <a:lvl8pPr marL="3200400" indent="0">
-              <a:buNone/>
-              <a:defRPr sz="1000"/>
-            </a:lvl8pPr>
-            <a:lvl9pPr marL="3657600" indent="0">
-              <a:buNone/>
-              <a:defRPr sz="1000"/>
-            </a:lvl9pPr>
-          </a:lstStyle>
-          <a:p>
-            <a:pPr lvl="0"/>
-            <a:r>
-              <a:rPr lang="en-US"/>
-              <a:t>Edit Master text styles</a:t>
-            </a:r>
-          </a:p>
-        </p:txBody>
-      </p:sp>
-      <p:sp>
-        <p:nvSpPr>
-          <p:cNvPr id="5" name="Date Placeholder 4">
-            <a:extLst>
-              <a:ext uri="{FF2B5EF4-FFF2-40B4-BE49-F238E27FC236}">
-                <a16:creationId xmlns:a16="http://schemas.microsoft.com/office/drawing/2014/main" id="{EA81354A-50CF-564F-81D4-E5E8D1F6C33F}"/>
-              </a:ext>
-            </a:extLst>
-          </p:cNvPr>
-          <p:cNvSpPr>
-            <a:spLocks noGrp="1"/>
-          </p:cNvSpPr>
-          <p:nvPr>
-            <p:ph type="dt" sz="half" idx="10"/>
-          </p:nvPr>
-        </p:nvSpPr>
-        <p:spPr/>
-        <p:txBody>
-          <a:bodyPr/>
-          <a:lstStyle/>
-          <a:p>
-            <a:fld id="{4492C0CB-E940-7449-A0A8-12C34CDA3F84}" type="datetimeFigureOut">
-              <a:rPr lang="en-US" smtClean="0"/>
-              <a:t>11/7/18</a:t>
-            </a:fld>
-            <a:endParaRPr lang="en-US"/>
-          </a:p>
-        </p:txBody>
-      </p:sp>
-      <p:sp>
-        <p:nvSpPr>
-          <p:cNvPr id="6" name="Footer Placeholder 5">
-            <a:extLst>
-              <a:ext uri="{FF2B5EF4-FFF2-40B4-BE49-F238E27FC236}">
-                <a16:creationId xmlns:a16="http://schemas.microsoft.com/office/drawing/2014/main" id="{F7072D4B-88E0-0D4F-8148-C33C8FA1A7A5}"/>
-              </a:ext>
-            </a:extLst>
-          </p:cNvPr>
-          <p:cNvSpPr>
-            <a:spLocks noGrp="1"/>
-          </p:cNvSpPr>
-          <p:nvPr>
-            <p:ph type="ftr" sz="quarter" idx="11"/>
-          </p:nvPr>
-        </p:nvSpPr>
-        <p:spPr/>
-        <p:txBody>
-          <a:bodyPr/>
-          <a:lstStyle/>
-          <a:p>
-            <a:endParaRPr lang="en-US"/>
-          </a:p>
-        </p:txBody>
-      </p:sp>
-      <p:sp>
-        <p:nvSpPr>
-          <p:cNvPr id="7" name="Slide Number Placeholder 6">
-            <a:extLst>
-              <a:ext uri="{FF2B5EF4-FFF2-40B4-BE49-F238E27FC236}">
-                <a16:creationId xmlns:a16="http://schemas.microsoft.com/office/drawing/2014/main" id="{5481122C-56BB-4D4C-8BBE-00906122289D}"/>
-              </a:ext>
-            </a:extLst>
-          </p:cNvPr>
-          <p:cNvSpPr>
-            <a:spLocks noGrp="1"/>
-          </p:cNvSpPr>
-          <p:nvPr>
-            <p:ph type="sldNum" sz="quarter" idx="12"/>
-          </p:nvPr>
-        </p:nvSpPr>
-        <p:spPr/>
-        <p:txBody>
-          <a:bodyPr/>
-          <a:lstStyle/>
           <a:p>
             <a:fld id="{F41B4991-D845-E447-9235-FA3DD6B73E77}" type="slidenum">
               <a:rPr lang="en-US" smtClean="0"/>
@@ -3506,7 +3752,7 @@
     </p:spTree>
     <p:extLst>
       <p:ext uri="{BB962C8B-B14F-4D97-AF65-F5344CB8AC3E}">
-        <p14:creationId xmlns:p14="http://schemas.microsoft.com/office/powerpoint/2010/main" val="1710236214"/>
+        <p14:creationId xmlns:p14="http://schemas.microsoft.com/office/powerpoint/2010/main" val="1351447261"/>
       </p:ext>
     </p:extLst>
   </p:cSld>
@@ -3517,7 +3763,7 @@
 </file>
 
 <file path=ppt/slideLayouts/slideLayout9.xml><?xml version="1.0" encoding="utf-8"?>
-<p:sldLayout xmlns:a="http://schemas.openxmlformats.org/drawingml/2006/main" xmlns:r="http://schemas.openxmlformats.org/officeDocument/2006/relationships" xmlns:p="http://schemas.openxmlformats.org/presentationml/2006/main" type="picTx" preserve="1">
+<p:sldLayout xmlns:a="http://schemas.openxmlformats.org/drawingml/2006/main" xmlns:r="http://schemas.openxmlformats.org/officeDocument/2006/relationships" xmlns:p="http://schemas.openxmlformats.org/presentationml/2006/main" showMasterSp="0" type="picTx" preserve="1">
   <p:cSld name="Picture with Caption">
     <p:spTree>
       <p:nvGrpSpPr>
@@ -3535,31 +3781,107 @@
       </p:grpSpPr>
       <p:sp>
         <p:nvSpPr>
-          <p:cNvPr id="2" name="Title 1">
-            <a:extLst>
-              <a:ext uri="{FF2B5EF4-FFF2-40B4-BE49-F238E27FC236}">
-                <a16:creationId xmlns:a16="http://schemas.microsoft.com/office/drawing/2014/main" id="{C1EC752F-F243-5944-B785-01D150691AB7}"/>
-              </a:ext>
-            </a:extLst>
-          </p:cNvPr>
-          <p:cNvSpPr>
-            <a:spLocks noGrp="1"/>
-          </p:cNvSpPr>
-          <p:nvPr>
-            <p:ph type="title"/>
-          </p:nvPr>
+          <p:cNvPr id="8" name="Rectangle 7"/>
+          <p:cNvSpPr/>
+          <p:nvPr/>
         </p:nvSpPr>
         <p:spPr>
           <a:xfrm>
-            <a:off x="839788" y="457200"/>
-            <a:ext cx="3932237" cy="1600200"/>
+            <a:off x="0" y="4953000"/>
+            <a:ext cx="12188825" cy="1905000"/>
+          </a:xfrm>
+          <a:prstGeom prst="rect">
+            <a:avLst/>
+          </a:prstGeom>
+          <a:solidFill>
+            <a:schemeClr val="accent2"/>
+          </a:solidFill>
+          <a:ln>
+            <a:noFill/>
+          </a:ln>
+        </p:spPr>
+        <p:style>
+          <a:lnRef idx="2">
+            <a:schemeClr val="accent1">
+              <a:shade val="50000"/>
+            </a:schemeClr>
+          </a:lnRef>
+          <a:fillRef idx="1">
+            <a:schemeClr val="accent1"/>
+          </a:fillRef>
+          <a:effectRef idx="0">
+            <a:schemeClr val="accent1"/>
+          </a:effectRef>
+          <a:fontRef idx="minor">
+            <a:schemeClr val="lt1"/>
+          </a:fontRef>
+        </p:style>
+      </p:sp>
+      <p:sp>
+        <p:nvSpPr>
+          <p:cNvPr id="9" name="Rectangle 8"/>
+          <p:cNvSpPr/>
+          <p:nvPr/>
+        </p:nvSpPr>
+        <p:spPr>
+          <a:xfrm>
+            <a:off x="15" y="4915076"/>
+            <a:ext cx="12188825" cy="64008"/>
+          </a:xfrm>
+          <a:prstGeom prst="rect">
+            <a:avLst/>
+          </a:prstGeom>
+          <a:solidFill>
+            <a:schemeClr val="accent1"/>
+          </a:solidFill>
+          <a:ln>
+            <a:noFill/>
+          </a:ln>
+        </p:spPr>
+        <p:style>
+          <a:lnRef idx="2">
+            <a:schemeClr val="accent1">
+              <a:shade val="50000"/>
+            </a:schemeClr>
+          </a:lnRef>
+          <a:fillRef idx="1">
+            <a:schemeClr val="accent1"/>
+          </a:fillRef>
+          <a:effectRef idx="0">
+            <a:schemeClr val="accent1"/>
+          </a:effectRef>
+          <a:fontRef idx="minor">
+            <a:schemeClr val="lt1"/>
+          </a:fontRef>
+        </p:style>
+      </p:sp>
+      <p:sp>
+        <p:nvSpPr>
+          <p:cNvPr id="2" name="Title 1"/>
+          <p:cNvSpPr>
+            <a:spLocks noGrp="1"/>
+          </p:cNvSpPr>
+          <p:nvPr>
+            <p:ph type="title"/>
+          </p:nvPr>
+        </p:nvSpPr>
+        <p:spPr>
+          <a:xfrm>
+            <a:off x="1097280" y="5074920"/>
+            <a:ext cx="10113645" cy="822960"/>
           </a:xfrm>
         </p:spPr>
         <p:txBody>
-          <a:bodyPr anchor="b"/>
+          <a:bodyPr tIns="0" bIns="0" anchor="b">
+            <a:noAutofit/>
+          </a:bodyPr>
           <a:lstStyle>
             <a:lvl1pPr>
-              <a:defRPr sz="3200"/>
+              <a:defRPr sz="3600" b="0">
+                <a:solidFill>
+                  <a:srgbClr val="FFFFFF"/>
+                </a:solidFill>
+              </a:defRPr>
             </a:lvl1pPr>
           </a:lstStyle>
           <a:p>
@@ -3567,20 +3889,15 @@
               <a:rPr lang="en-US"/>
               <a:t>Click to edit Master title style</a:t>
             </a:r>
-          </a:p>
-        </p:txBody>
-      </p:sp>
-      <p:sp>
-        <p:nvSpPr>
-          <p:cNvPr id="3" name="Picture Placeholder 2">
-            <a:extLst>
-              <a:ext uri="{FF2B5EF4-FFF2-40B4-BE49-F238E27FC236}">
-                <a16:creationId xmlns:a16="http://schemas.microsoft.com/office/drawing/2014/main" id="{3435633C-AAB1-3644-83EA-D532E4E706A2}"/>
-              </a:ext>
-            </a:extLst>
-          </p:cNvPr>
-          <p:cNvSpPr>
-            <a:spLocks noGrp="1"/>
+            <a:endParaRPr lang="en-US" dirty="0"/>
+          </a:p>
+        </p:txBody>
+      </p:sp>
+      <p:sp>
+        <p:nvSpPr>
+          <p:cNvPr id="3" name="Picture Placeholder 2"/>
+          <p:cNvSpPr>
+            <a:spLocks noGrp="1" noChangeAspect="1"/>
           </p:cNvSpPr>
           <p:nvPr>
             <p:ph type="pic" idx="1"/>
@@ -3588,12 +3905,17 @@
         </p:nvSpPr>
         <p:spPr>
           <a:xfrm>
-            <a:off x="5183188" y="987425"/>
-            <a:ext cx="6172200" cy="4873625"/>
+            <a:off x="15" y="0"/>
+            <a:ext cx="12191985" cy="4915076"/>
           </a:xfrm>
+          <a:solidFill>
+            <a:schemeClr val="bg2">
+              <a:lumMod val="90000"/>
+            </a:schemeClr>
+          </a:solidFill>
         </p:spPr>
         <p:txBody>
-          <a:bodyPr/>
+          <a:bodyPr lIns="457200" tIns="457200" anchor="t"/>
           <a:lstStyle>
             <a:lvl1pPr marL="0" indent="0">
               <a:buNone/>
@@ -3633,19 +3955,17 @@
             </a:lvl9pPr>
           </a:lstStyle>
           <a:p>
-            <a:endParaRPr lang="en-US"/>
-          </a:p>
-        </p:txBody>
-      </p:sp>
-      <p:sp>
-        <p:nvSpPr>
-          <p:cNvPr id="4" name="Text Placeholder 3">
-            <a:extLst>
-              <a:ext uri="{FF2B5EF4-FFF2-40B4-BE49-F238E27FC236}">
-                <a16:creationId xmlns:a16="http://schemas.microsoft.com/office/drawing/2014/main" id="{8157CC9D-0F06-BB43-881D-516EA544B4B8}"/>
-              </a:ext>
-            </a:extLst>
-          </p:cNvPr>
+            <a:r>
+              <a:rPr lang="en-US"/>
+              <a:t>Click icon to add picture</a:t>
+            </a:r>
+            <a:endParaRPr lang="en-US" dirty="0"/>
+          </a:p>
+        </p:txBody>
+      </p:sp>
+      <p:sp>
+        <p:nvSpPr>
+          <p:cNvPr id="4" name="Text Placeholder 3"/>
           <p:cNvSpPr>
             <a:spLocks noGrp="1"/>
           </p:cNvSpPr>
@@ -3655,48 +3975,60 @@
         </p:nvSpPr>
         <p:spPr>
           <a:xfrm>
-            <a:off x="839788" y="2057400"/>
-            <a:ext cx="3932237" cy="3811588"/>
+            <a:off x="1097280" y="5907024"/>
+            <a:ext cx="10113264" cy="594360"/>
           </a:xfrm>
         </p:spPr>
         <p:txBody>
-          <a:bodyPr/>
+          <a:bodyPr lIns="91440" tIns="0" rIns="91440" bIns="0">
+            <a:normAutofit/>
+          </a:bodyPr>
           <a:lstStyle>
             <a:lvl1pPr marL="0" indent="0">
+              <a:spcBef>
+                <a:spcPts val="0"/>
+              </a:spcBef>
+              <a:spcAft>
+                <a:spcPts val="600"/>
+              </a:spcAft>
               <a:buNone/>
-              <a:defRPr sz="1600"/>
+              <a:defRPr sz="1500">
+                <a:solidFill>
+                  <a:srgbClr val="FFFFFF"/>
+                </a:solidFill>
+              </a:defRPr>
             </a:lvl1pPr>
             <a:lvl2pPr marL="457200" indent="0">
               <a:buNone/>
-              <a:defRPr sz="1400"/>
+              <a:defRPr sz="1200"/>
             </a:lvl2pPr>
             <a:lvl3pPr marL="914400" indent="0">
               <a:buNone/>
-              <a:defRPr sz="1200"/>
+              <a:defRPr sz="1000"/>
             </a:lvl3pPr>
             <a:lvl4pPr marL="1371600" indent="0">
               <a:buNone/>
-              <a:defRPr sz="1000"/>
+              <a:defRPr sz="900"/>
             </a:lvl4pPr>
             <a:lvl5pPr marL="1828800" indent="0">
               <a:buNone/>
-              <a:defRPr sz="1000"/>
+              <a:defRPr sz="900"/>
             </a:lvl5pPr>
             <a:lvl6pPr marL="2286000" indent="0">
               <a:buNone/>
-              <a:defRPr sz="1000"/>
+              <a:defRPr sz="900"/>
             </a:lvl6pPr>
             <a:lvl7pPr marL="2743200" indent="0">
               <a:buNone/>
-              <a:defRPr sz="1000"/>
+              <a:defRPr sz="900"/>
             </a:lvl7pPr>
             <a:lvl8pPr marL="3200400" indent="0">
               <a:buNone/>
-              <a:defRPr sz="1000"/>
+              <a:defRPr sz="900"/>
             </a:lvl8pPr>
             <a:lvl9pPr marL="3657600" indent="0">
               <a:buNone/>
-              <a:defRPr sz="1000"/>
+              <a:defRPr sz="900"/>
             </a:lvl9pPr>
           </a:lstStyle>
           <a:p>
@@ -3710,13 +4042,7 @@
       </p:sp>
       <p:sp>
         <p:nvSpPr>
-          <p:cNvPr id="5" name="Date Placeholder 4">
-            <a:extLst>
-              <a:ext uri="{FF2B5EF4-FFF2-40B4-BE49-F238E27FC236}">
-                <a16:creationId xmlns:a16="http://schemas.microsoft.com/office/drawing/2014/main" id="{4B04FD04-7751-CF4B-81A5-5F3E783BC8D1}"/>
-              </a:ext>
-            </a:extLst>
-          </p:cNvPr>
+          <p:cNvPr id="5" name="Date Placeholder 4"/>
           <p:cNvSpPr>
             <a:spLocks noGrp="1"/>
           </p:cNvSpPr>
@@ -3731,7 +4057,7 @@
           <a:p>
             <a:fld id="{4492C0CB-E940-7449-A0A8-12C34CDA3F84}" type="datetimeFigureOut">
               <a:rPr lang="en-US" smtClean="0"/>
-              <a:t>11/7/18</a:t>
+              <a:t>11/9/2018</a:t>
             </a:fld>
             <a:endParaRPr lang="en-US"/>
           </a:p>
@@ -3739,13 +4065,7 @@
       </p:sp>
       <p:sp>
         <p:nvSpPr>
-          <p:cNvPr id="6" name="Footer Placeholder 5">
-            <a:extLst>
-              <a:ext uri="{FF2B5EF4-FFF2-40B4-BE49-F238E27FC236}">
-                <a16:creationId xmlns:a16="http://schemas.microsoft.com/office/drawing/2014/main" id="{B5C6F31C-DEAF-B944-9B4A-46CAB1784A4D}"/>
-              </a:ext>
-            </a:extLst>
-          </p:cNvPr>
+          <p:cNvPr id="6" name="Footer Placeholder 5"/>
           <p:cNvSpPr>
             <a:spLocks noGrp="1"/>
           </p:cNvSpPr>
@@ -3764,13 +4084,7 @@
       </p:sp>
       <p:sp>
         <p:nvSpPr>
-          <p:cNvPr id="7" name="Slide Number Placeholder 6">
-            <a:extLst>
-              <a:ext uri="{FF2B5EF4-FFF2-40B4-BE49-F238E27FC236}">
-                <a16:creationId xmlns:a16="http://schemas.microsoft.com/office/drawing/2014/main" id="{4DB73B58-74CF-D342-9D31-0AFC62E30DA6}"/>
-              </a:ext>
-            </a:extLst>
-          </p:cNvPr>
+          <p:cNvPr id="7" name="Slide Number Placeholder 6"/>
           <p:cNvSpPr>
             <a:spLocks noGrp="1"/>
           </p:cNvSpPr>
@@ -3794,7 +4108,7 @@
     </p:spTree>
     <p:extLst>
       <p:ext uri="{BB962C8B-B14F-4D97-AF65-F5344CB8AC3E}">
-        <p14:creationId xmlns:p14="http://schemas.microsoft.com/office/powerpoint/2010/main" val="30136348"/>
+        <p14:creationId xmlns:p14="http://schemas.microsoft.com/office/powerpoint/2010/main" val="2271334570"/>
       </p:ext>
     </p:extLst>
   </p:cSld>
@@ -3828,31 +4142,101 @@
       </p:grpSpPr>
       <p:sp>
         <p:nvSpPr>
-          <p:cNvPr id="2" name="Title Placeholder 1">
-            <a:extLst>
-              <a:ext uri="{FF2B5EF4-FFF2-40B4-BE49-F238E27FC236}">
-                <a16:creationId xmlns:a16="http://schemas.microsoft.com/office/drawing/2014/main" id="{5BC85805-DA97-3D44-9A38-BECFB3C5F3B2}"/>
-              </a:ext>
-            </a:extLst>
-          </p:cNvPr>
-          <p:cNvSpPr>
-            <a:spLocks noGrp="1"/>
-          </p:cNvSpPr>
-          <p:nvPr>
-            <p:ph type="title"/>
-          </p:nvPr>
+          <p:cNvPr id="7" name="Rectangle 6"/>
+          <p:cNvSpPr/>
+          <p:nvPr/>
         </p:nvSpPr>
         <p:spPr>
           <a:xfrm>
-            <a:off x="838200" y="365125"/>
-            <a:ext cx="10515600" cy="1325563"/>
+            <a:off x="3175" y="6400800"/>
+            <a:ext cx="12188825" cy="457200"/>
+          </a:xfrm>
+          <a:prstGeom prst="rect">
+            <a:avLst/>
+          </a:prstGeom>
+          <a:solidFill>
+            <a:schemeClr val="accent2"/>
+          </a:solidFill>
+          <a:ln>
+            <a:noFill/>
+          </a:ln>
+        </p:spPr>
+        <p:style>
+          <a:lnRef idx="2">
+            <a:schemeClr val="accent1">
+              <a:shade val="50000"/>
+            </a:schemeClr>
+          </a:lnRef>
+          <a:fillRef idx="1">
+            <a:schemeClr val="accent1"/>
+          </a:fillRef>
+          <a:effectRef idx="0">
+            <a:schemeClr val="accent1"/>
+          </a:effectRef>
+          <a:fontRef idx="minor">
+            <a:schemeClr val="lt1"/>
+          </a:fontRef>
+        </p:style>
+      </p:sp>
+      <p:sp>
+        <p:nvSpPr>
+          <p:cNvPr id="9" name="Rectangle 8"/>
+          <p:cNvSpPr/>
+          <p:nvPr/>
+        </p:nvSpPr>
+        <p:spPr>
+          <a:xfrm>
+            <a:off x="15" y="6334316"/>
+            <a:ext cx="12188825" cy="64008"/>
+          </a:xfrm>
+          <a:prstGeom prst="rect">
+            <a:avLst/>
+          </a:prstGeom>
+          <a:solidFill>
+            <a:schemeClr val="accent1"/>
+          </a:solidFill>
+          <a:ln>
+            <a:noFill/>
+          </a:ln>
+        </p:spPr>
+        <p:style>
+          <a:lnRef idx="2">
+            <a:schemeClr val="accent1">
+              <a:shade val="50000"/>
+            </a:schemeClr>
+          </a:lnRef>
+          <a:fillRef idx="1">
+            <a:schemeClr val="accent1"/>
+          </a:fillRef>
+          <a:effectRef idx="0">
+            <a:schemeClr val="accent1"/>
+          </a:effectRef>
+          <a:fontRef idx="minor">
+            <a:schemeClr val="lt1"/>
+          </a:fontRef>
+        </p:style>
+      </p:sp>
+      <p:sp>
+        <p:nvSpPr>
+          <p:cNvPr id="2" name="Title Placeholder 1"/>
+          <p:cNvSpPr>
+            <a:spLocks noGrp="1"/>
+          </p:cNvSpPr>
+          <p:nvPr>
+            <p:ph type="title"/>
+          </p:nvPr>
+        </p:nvSpPr>
+        <p:spPr>
+          <a:xfrm>
+            <a:off x="1097280" y="286603"/>
+            <a:ext cx="10058400" cy="1450757"/>
           </a:xfrm>
           <a:prstGeom prst="rect">
             <a:avLst/>
           </a:prstGeom>
         </p:spPr>
         <p:txBody>
-          <a:bodyPr vert="horz" lIns="91440" tIns="45720" rIns="91440" bIns="45720" rtlCol="0" anchor="ctr">
+          <a:bodyPr vert="horz" lIns="91440" tIns="45720" rIns="91440" bIns="45720" rtlCol="0" anchor="b">
             <a:normAutofit/>
           </a:bodyPr>
           <a:lstStyle/>
@@ -3861,18 +4245,13 @@
               <a:rPr lang="en-US"/>
               <a:t>Click to edit Master title style</a:t>
             </a:r>
-          </a:p>
-        </p:txBody>
-      </p:sp>
-      <p:sp>
-        <p:nvSpPr>
-          <p:cNvPr id="3" name="Text Placeholder 2">
-            <a:extLst>
-              <a:ext uri="{FF2B5EF4-FFF2-40B4-BE49-F238E27FC236}">
-                <a16:creationId xmlns:a16="http://schemas.microsoft.com/office/drawing/2014/main" id="{635972F6-7B24-EE42-869E-B320CC3B3318}"/>
-              </a:ext>
-            </a:extLst>
-          </p:cNvPr>
+            <a:endParaRPr lang="en-US" dirty="0"/>
+          </a:p>
+        </p:txBody>
+      </p:sp>
+      <p:sp>
+        <p:nvSpPr>
+          <p:cNvPr id="3" name="Text Placeholder 2"/>
           <p:cNvSpPr>
             <a:spLocks noGrp="1"/>
           </p:cNvSpPr>
@@ -3882,15 +4261,15 @@
         </p:nvSpPr>
         <p:spPr>
           <a:xfrm>
-            <a:off x="838200" y="1825625"/>
-            <a:ext cx="10515600" cy="4351338"/>
+            <a:off x="1097280" y="1845734"/>
+            <a:ext cx="10058400" cy="4023360"/>
           </a:xfrm>
           <a:prstGeom prst="rect">
             <a:avLst/>
           </a:prstGeom>
         </p:spPr>
         <p:txBody>
-          <a:bodyPr vert="horz" lIns="91440" tIns="45720" rIns="91440" bIns="45720" rtlCol="0">
+          <a:bodyPr vert="horz" lIns="0" tIns="45720" rIns="0" bIns="45720" rtlCol="0">
             <a:normAutofit/>
           </a:bodyPr>
           <a:lstStyle/>
@@ -3928,18 +4307,13 @@
               <a:rPr lang="en-US"/>
               <a:t>Fifth level</a:t>
             </a:r>
-          </a:p>
-        </p:txBody>
-      </p:sp>
-      <p:sp>
-        <p:nvSpPr>
-          <p:cNvPr id="4" name="Date Placeholder 3">
-            <a:extLst>
-              <a:ext uri="{FF2B5EF4-FFF2-40B4-BE49-F238E27FC236}">
-                <a16:creationId xmlns:a16="http://schemas.microsoft.com/office/drawing/2014/main" id="{9B0F9F8B-A195-F740-BB02-01EF10E85114}"/>
-              </a:ext>
-            </a:extLst>
-          </p:cNvPr>
+            <a:endParaRPr lang="en-US" dirty="0"/>
+          </a:p>
+        </p:txBody>
+      </p:sp>
+      <p:sp>
+        <p:nvSpPr>
+          <p:cNvPr id="4" name="Date Placeholder 3"/>
           <p:cNvSpPr>
             <a:spLocks noGrp="1"/>
           </p:cNvSpPr>
@@ -3949,8 +4323,8 @@
         </p:nvSpPr>
         <p:spPr>
           <a:xfrm>
-            <a:off x="838200" y="6356350"/>
-            <a:ext cx="2743200" cy="365125"/>
+            <a:off x="1097280" y="6459785"/>
+            <a:ext cx="2472271" cy="365125"/>
           </a:xfrm>
           <a:prstGeom prst="rect">
             <a:avLst/>
@@ -3960,11 +4334,9 @@
           <a:bodyPr vert="horz" lIns="91440" tIns="45720" rIns="91440" bIns="45720" rtlCol="0" anchor="ctr"/>
           <a:lstStyle>
             <a:lvl1pPr algn="l">
-              <a:defRPr sz="1200">
+              <a:defRPr sz="900">
                 <a:solidFill>
-                  <a:schemeClr val="tx1">
-                    <a:tint val="75000"/>
-                  </a:schemeClr>
+                  <a:srgbClr val="FFFFFF"/>
                 </a:solidFill>
               </a:defRPr>
             </a:lvl1pPr>
@@ -3972,7 +4344,7 @@
           <a:p>
             <a:fld id="{4492C0CB-E940-7449-A0A8-12C34CDA3F84}" type="datetimeFigureOut">
               <a:rPr lang="en-US" smtClean="0"/>
-              <a:t>11/7/18</a:t>
+              <a:t>11/9/2018</a:t>
             </a:fld>
             <a:endParaRPr lang="en-US"/>
           </a:p>
@@ -3980,13 +4352,7 @@
       </p:sp>
       <p:sp>
         <p:nvSpPr>
-          <p:cNvPr id="5" name="Footer Placeholder 4">
-            <a:extLst>
-              <a:ext uri="{FF2B5EF4-FFF2-40B4-BE49-F238E27FC236}">
-                <a16:creationId xmlns:a16="http://schemas.microsoft.com/office/drawing/2014/main" id="{4ECFCBEB-34CF-9E4C-99B7-313547683119}"/>
-              </a:ext>
-            </a:extLst>
-          </p:cNvPr>
+          <p:cNvPr id="5" name="Footer Placeholder 4"/>
           <p:cNvSpPr>
             <a:spLocks noGrp="1"/>
           </p:cNvSpPr>
@@ -3996,8 +4362,8 @@
         </p:nvSpPr>
         <p:spPr>
           <a:xfrm>
-            <a:off x="4038600" y="6356350"/>
-            <a:ext cx="4114800" cy="365125"/>
+            <a:off x="3686185" y="6459785"/>
+            <a:ext cx="4822804" cy="365125"/>
           </a:xfrm>
           <a:prstGeom prst="rect">
             <a:avLst/>
@@ -4007,11 +4373,9 @@
           <a:bodyPr vert="horz" lIns="91440" tIns="45720" rIns="91440" bIns="45720" rtlCol="0" anchor="ctr"/>
           <a:lstStyle>
             <a:lvl1pPr algn="ctr">
-              <a:defRPr sz="1200">
+              <a:defRPr sz="900" cap="all" baseline="0">
                 <a:solidFill>
-                  <a:schemeClr val="tx1">
-                    <a:tint val="75000"/>
-                  </a:schemeClr>
+                  <a:srgbClr val="FFFFFF"/>
                 </a:solidFill>
               </a:defRPr>
             </a:lvl1pPr>
@@ -4023,13 +4387,7 @@
       </p:sp>
       <p:sp>
         <p:nvSpPr>
-          <p:cNvPr id="6" name="Slide Number Placeholder 5">
-            <a:extLst>
-              <a:ext uri="{FF2B5EF4-FFF2-40B4-BE49-F238E27FC236}">
-                <a16:creationId xmlns:a16="http://schemas.microsoft.com/office/drawing/2014/main" id="{215527CE-A346-8D4E-B011-D756E5DA0D3F}"/>
-              </a:ext>
-            </a:extLst>
-          </p:cNvPr>
+          <p:cNvPr id="6" name="Slide Number Placeholder 5"/>
           <p:cNvSpPr>
             <a:spLocks noGrp="1"/>
           </p:cNvSpPr>
@@ -4039,8 +4397,8 @@
         </p:nvSpPr>
         <p:spPr>
           <a:xfrm>
-            <a:off x="8610600" y="6356350"/>
-            <a:ext cx="2743200" cy="365125"/>
+            <a:off x="9900458" y="6459785"/>
+            <a:ext cx="1312025" cy="365125"/>
           </a:xfrm>
           <a:prstGeom prst="rect">
             <a:avLst/>
@@ -4050,11 +4408,9 @@
           <a:bodyPr vert="horz" lIns="91440" tIns="45720" rIns="91440" bIns="45720" rtlCol="0" anchor="ctr"/>
           <a:lstStyle>
             <a:lvl1pPr algn="r">
-              <a:defRPr sz="1200">
+              <a:defRPr sz="1050">
                 <a:solidFill>
-                  <a:schemeClr val="tx1">
-                    <a:tint val="75000"/>
-                  </a:schemeClr>
+                  <a:srgbClr val="FFFFFF"/>
                 </a:solidFill>
               </a:defRPr>
             </a:lvl1pPr>
@@ -4068,40 +4424,81 @@
           </a:p>
         </p:txBody>
       </p:sp>
+      <p:cxnSp>
+        <p:nvCxnSpPr>
+          <p:cNvPr id="10" name="Straight Connector 9"/>
+          <p:cNvCxnSpPr/>
+          <p:nvPr/>
+        </p:nvCxnSpPr>
+        <p:spPr>
+          <a:xfrm>
+            <a:off x="1193532" y="1737845"/>
+            <a:ext cx="9966960" cy="0"/>
+          </a:xfrm>
+          <a:prstGeom prst="line">
+            <a:avLst/>
+          </a:prstGeom>
+          <a:ln w="6350">
+            <a:solidFill>
+              <a:schemeClr val="tx1">
+                <a:lumMod val="50000"/>
+                <a:lumOff val="50000"/>
+              </a:schemeClr>
+            </a:solidFill>
+          </a:ln>
+        </p:spPr>
+        <p:style>
+          <a:lnRef idx="1">
+            <a:schemeClr val="accent1"/>
+          </a:lnRef>
+          <a:fillRef idx="0">
+            <a:schemeClr val="accent1"/>
+          </a:fillRef>
+          <a:effectRef idx="0">
+            <a:schemeClr val="accent1"/>
+          </a:effectRef>
+          <a:fontRef idx="minor">
+            <a:schemeClr val="tx1"/>
+          </a:fontRef>
+        </p:style>
+      </p:cxnSp>
     </p:spTree>
     <p:extLst>
       <p:ext uri="{BB962C8B-B14F-4D97-AF65-F5344CB8AC3E}">
-        <p14:creationId xmlns:p14="http://schemas.microsoft.com/office/powerpoint/2010/main" val="4109926910"/>
+        <p14:creationId xmlns:p14="http://schemas.microsoft.com/office/powerpoint/2010/main" val="804613705"/>
       </p:ext>
     </p:extLst>
   </p:cSld>
   <p:clrMap bg1="lt1" tx1="dk1" bg2="lt2" tx2="dk2" accent1="accent1" accent2="accent2" accent3="accent3" accent4="accent4" accent5="accent5" accent6="accent6" hlink="hlink" folHlink="folHlink"/>
   <p:sldLayoutIdLst>
-    <p:sldLayoutId id="2147483649" r:id="rId1"/>
-    <p:sldLayoutId id="2147483650" r:id="rId2"/>
-    <p:sldLayoutId id="2147483651" r:id="rId3"/>
-    <p:sldLayoutId id="2147483652" r:id="rId4"/>
-    <p:sldLayoutId id="2147483653" r:id="rId5"/>
-    <p:sldLayoutId id="2147483654" r:id="rId6"/>
-    <p:sldLayoutId id="2147483655" r:id="rId7"/>
-    <p:sldLayoutId id="2147483656" r:id="rId8"/>
-    <p:sldLayoutId id="2147483657" r:id="rId9"/>
-    <p:sldLayoutId id="2147483658" r:id="rId10"/>
-    <p:sldLayoutId id="2147483659" r:id="rId11"/>
+    <p:sldLayoutId id="2147483685" r:id="rId1"/>
+    <p:sldLayoutId id="2147483686" r:id="rId2"/>
+    <p:sldLayoutId id="2147483687" r:id="rId3"/>
+    <p:sldLayoutId id="2147483688" r:id="rId4"/>
+    <p:sldLayoutId id="2147483689" r:id="rId5"/>
+    <p:sldLayoutId id="2147483690" r:id="rId6"/>
+    <p:sldLayoutId id="2147483691" r:id="rId7"/>
+    <p:sldLayoutId id="2147483692" r:id="rId8"/>
+    <p:sldLayoutId id="2147483693" r:id="rId9"/>
+    <p:sldLayoutId id="2147483694" r:id="rId10"/>
+    <p:sldLayoutId id="2147483695" r:id="rId11"/>
   </p:sldLayoutIdLst>
   <p:txStyles>
     <p:titleStyle>
       <a:lvl1pPr algn="l" defTabSz="914400" rtl="0" eaLnBrk="1" latinLnBrk="0" hangingPunct="1">
         <a:lnSpc>
-          <a:spcPct val="90000"/>
+          <a:spcPct val="85000"/>
         </a:lnSpc>
         <a:spcBef>
           <a:spcPct val="0"/>
         </a:spcBef>
         <a:buNone/>
-        <a:defRPr sz="4400" kern="1200">
+        <a:defRPr sz="4800" kern="1200" spc="-50" baseline="0">
           <a:solidFill>
-            <a:schemeClr val="tx1"/>
+            <a:schemeClr val="tx1">
+              <a:lumMod val="75000"/>
+              <a:lumOff val="25000"/>
+            </a:schemeClr>
           </a:solidFill>
           <a:latin typeface="+mj-lt"/>
           <a:ea typeface="+mj-ea"/>
@@ -4110,162 +4507,244 @@
       </a:lvl1pPr>
     </p:titleStyle>
     <p:bodyStyle>
-      <a:lvl1pPr marL="228600" indent="-228600" algn="l" defTabSz="914400" rtl="0" eaLnBrk="1" latinLnBrk="0" hangingPunct="1">
+      <a:lvl1pPr marL="91440" indent="-91440" algn="l" defTabSz="914400" rtl="0" eaLnBrk="1" latinLnBrk="0" hangingPunct="1">
         <a:lnSpc>
           <a:spcPct val="90000"/>
         </a:lnSpc>
         <a:spcBef>
-          <a:spcPts val="1000"/>
+          <a:spcPts val="1200"/>
         </a:spcBef>
-        <a:buFont typeface="Arial" panose="020B0604020202020204" pitchFamily="34" charset="0"/>
-        <a:buChar char="•"/>
-        <a:defRPr sz="2800" kern="1200">
+        <a:spcAft>
+          <a:spcPts val="200"/>
+        </a:spcAft>
+        <a:buClr>
+          <a:schemeClr val="accent1"/>
+        </a:buClr>
+        <a:buSzPct val="100000"/>
+        <a:buFont typeface="Calibri" panose="020F0502020204030204" pitchFamily="34" charset="0"/>
+        <a:buChar char=" "/>
+        <a:defRPr sz="2000" kern="1200">
           <a:solidFill>
-            <a:schemeClr val="tx1"/>
+            <a:schemeClr val="tx1">
+              <a:lumMod val="75000"/>
+              <a:lumOff val="25000"/>
+            </a:schemeClr>
           </a:solidFill>
           <a:latin typeface="+mn-lt"/>
           <a:ea typeface="+mn-ea"/>
           <a:cs typeface="+mn-cs"/>
         </a:defRPr>
       </a:lvl1pPr>
-      <a:lvl2pPr marL="685800" indent="-228600" algn="l" defTabSz="914400" rtl="0" eaLnBrk="1" latinLnBrk="0" hangingPunct="1">
+      <a:lvl2pPr marL="384048" indent="-182880" algn="l" defTabSz="914400" rtl="0" eaLnBrk="1" latinLnBrk="0" hangingPunct="1">
         <a:lnSpc>
           <a:spcPct val="90000"/>
         </a:lnSpc>
         <a:spcBef>
-          <a:spcPts val="500"/>
+          <a:spcPts val="200"/>
         </a:spcBef>
-        <a:buFont typeface="Arial" panose="020B0604020202020204" pitchFamily="34" charset="0"/>
-        <a:buChar char="•"/>
-        <a:defRPr sz="2400" kern="1200">
+        <a:spcAft>
+          <a:spcPts val="400"/>
+        </a:spcAft>
+        <a:buClr>
+          <a:schemeClr val="accent1"/>
+        </a:buClr>
+        <a:buFont typeface="Calibri" pitchFamily="34" charset="0"/>
+        <a:buChar char="◦"/>
+        <a:defRPr sz="1800" kern="1200">
           <a:solidFill>
-            <a:schemeClr val="tx1"/>
+            <a:schemeClr val="tx1">
+              <a:lumMod val="75000"/>
+              <a:lumOff val="25000"/>
+            </a:schemeClr>
           </a:solidFill>
           <a:latin typeface="+mn-lt"/>
           <a:ea typeface="+mn-ea"/>
           <a:cs typeface="+mn-cs"/>
         </a:defRPr>
       </a:lvl2pPr>
-      <a:lvl3pPr marL="1143000" indent="-228600" algn="l" defTabSz="914400" rtl="0" eaLnBrk="1" latinLnBrk="0" hangingPunct="1">
+      <a:lvl3pPr marL="566928" indent="-182880" algn="l" defTabSz="914400" rtl="0" eaLnBrk="1" latinLnBrk="0" hangingPunct="1">
         <a:lnSpc>
           <a:spcPct val="90000"/>
         </a:lnSpc>
         <a:spcBef>
-          <a:spcPts val="500"/>
+          <a:spcPts val="200"/>
         </a:spcBef>
-        <a:buFont typeface="Arial" panose="020B0604020202020204" pitchFamily="34" charset="0"/>
-        <a:buChar char="•"/>
-        <a:defRPr sz="2000" kern="1200">
+        <a:spcAft>
+          <a:spcPts val="400"/>
+        </a:spcAft>
+        <a:buClr>
+          <a:schemeClr val="accent1"/>
+        </a:buClr>
+        <a:buFont typeface="Calibri" pitchFamily="34" charset="0"/>
+        <a:buChar char="◦"/>
+        <a:defRPr sz="1400" kern="1200">
           <a:solidFill>
-            <a:schemeClr val="tx1"/>
+            <a:schemeClr val="tx1">
+              <a:lumMod val="75000"/>
+              <a:lumOff val="25000"/>
+            </a:schemeClr>
           </a:solidFill>
           <a:latin typeface="+mn-lt"/>
           <a:ea typeface="+mn-ea"/>
           <a:cs typeface="+mn-cs"/>
         </a:defRPr>
       </a:lvl3pPr>
-      <a:lvl4pPr marL="1600200" indent="-228600" algn="l" defTabSz="914400" rtl="0" eaLnBrk="1" latinLnBrk="0" hangingPunct="1">
+      <a:lvl4pPr marL="749808" indent="-182880" algn="l" defTabSz="914400" rtl="0" eaLnBrk="1" latinLnBrk="0" hangingPunct="1">
         <a:lnSpc>
           <a:spcPct val="90000"/>
         </a:lnSpc>
         <a:spcBef>
-          <a:spcPts val="500"/>
+          <a:spcPts val="200"/>
         </a:spcBef>
-        <a:buFont typeface="Arial" panose="020B0604020202020204" pitchFamily="34" charset="0"/>
-        <a:buChar char="•"/>
-        <a:defRPr sz="1800" kern="1200">
+        <a:spcAft>
+          <a:spcPts val="400"/>
+        </a:spcAft>
+        <a:buClr>
+          <a:schemeClr val="accent1"/>
+        </a:buClr>
+        <a:buFont typeface="Calibri" pitchFamily="34" charset="0"/>
+        <a:buChar char="◦"/>
+        <a:defRPr sz="1400" kern="1200">
           <a:solidFill>
-            <a:schemeClr val="tx1"/>
+            <a:schemeClr val="tx1">
+              <a:lumMod val="75000"/>
+              <a:lumOff val="25000"/>
+            </a:schemeClr>
           </a:solidFill>
           <a:latin typeface="+mn-lt"/>
           <a:ea typeface="+mn-ea"/>
           <a:cs typeface="+mn-cs"/>
         </a:defRPr>
       </a:lvl4pPr>
-      <a:lvl5pPr marL="2057400" indent="-228600" algn="l" defTabSz="914400" rtl="0" eaLnBrk="1" latinLnBrk="0" hangingPunct="1">
+      <a:lvl5pPr marL="932688" indent="-182880" algn="l" defTabSz="914400" rtl="0" eaLnBrk="1" latinLnBrk="0" hangingPunct="1">
         <a:lnSpc>
           <a:spcPct val="90000"/>
         </a:lnSpc>
         <a:spcBef>
-          <a:spcPts val="500"/>
+          <a:spcPts val="200"/>
         </a:spcBef>
-        <a:buFont typeface="Arial" panose="020B0604020202020204" pitchFamily="34" charset="0"/>
-        <a:buChar char="•"/>
-        <a:defRPr sz="1800" kern="1200">
+        <a:spcAft>
+          <a:spcPts val="400"/>
+        </a:spcAft>
+        <a:buClr>
+          <a:schemeClr val="accent1"/>
+        </a:buClr>
+        <a:buFont typeface="Calibri" pitchFamily="34" charset="0"/>
+        <a:buChar char="◦"/>
+        <a:defRPr sz="1400" kern="1200">
           <a:solidFill>
-            <a:schemeClr val="tx1"/>
+            <a:schemeClr val="tx1">
+              <a:lumMod val="75000"/>
+              <a:lumOff val="25000"/>
+            </a:schemeClr>
           </a:solidFill>
           <a:latin typeface="+mn-lt"/>
           <a:ea typeface="+mn-ea"/>
           <a:cs typeface="+mn-cs"/>
         </a:defRPr>
       </a:lvl5pPr>
-      <a:lvl6pPr marL="2514600" indent="-228600" algn="l" defTabSz="914400" rtl="0" eaLnBrk="1" latinLnBrk="0" hangingPunct="1">
+      <a:lvl6pPr marL="1100000" indent="-228600" algn="l" defTabSz="914400" rtl="0" eaLnBrk="1" latinLnBrk="0" hangingPunct="1">
         <a:lnSpc>
           <a:spcPct val="90000"/>
         </a:lnSpc>
         <a:spcBef>
-          <a:spcPts val="500"/>
+          <a:spcPts val="200"/>
         </a:spcBef>
-        <a:buFont typeface="Arial" panose="020B0604020202020204" pitchFamily="34" charset="0"/>
-        <a:buChar char="•"/>
-        <a:defRPr sz="1800" kern="1200">
+        <a:spcAft>
+          <a:spcPts val="400"/>
+        </a:spcAft>
+        <a:buClr>
+          <a:schemeClr val="accent1"/>
+        </a:buClr>
+        <a:buFont typeface="Calibri" pitchFamily="34" charset="0"/>
+        <a:buChar char="◦"/>
+        <a:defRPr sz="1400" kern="1200">
           <a:solidFill>
-            <a:schemeClr val="tx1"/>
+            <a:schemeClr val="tx1">
+              <a:lumMod val="75000"/>
+              <a:lumOff val="25000"/>
+            </a:schemeClr>
           </a:solidFill>
           <a:latin typeface="+mn-lt"/>
           <a:ea typeface="+mn-ea"/>
           <a:cs typeface="+mn-cs"/>
         </a:defRPr>
       </a:lvl6pPr>
-      <a:lvl7pPr marL="2971800" indent="-228600" algn="l" defTabSz="914400" rtl="0" eaLnBrk="1" latinLnBrk="0" hangingPunct="1">
+      <a:lvl7pPr marL="1300000" indent="-228600" algn="l" defTabSz="914400" rtl="0" eaLnBrk="1" latinLnBrk="0" hangingPunct="1">
         <a:lnSpc>
           <a:spcPct val="90000"/>
         </a:lnSpc>
         <a:spcBef>
-          <a:spcPts val="500"/>
+          <a:spcPts val="200"/>
         </a:spcBef>
-        <a:buFont typeface="Arial" panose="020B0604020202020204" pitchFamily="34" charset="0"/>
-        <a:buChar char="•"/>
-        <a:defRPr sz="1800" kern="1200">
+        <a:spcAft>
+          <a:spcPts val="400"/>
+        </a:spcAft>
+        <a:buClr>
+          <a:schemeClr val="accent1"/>
+        </a:buClr>
+        <a:buFont typeface="Calibri" pitchFamily="34" charset="0"/>
+        <a:buChar char="◦"/>
+        <a:defRPr sz="1400" kern="1200">
           <a:solidFill>
-            <a:schemeClr val="tx1"/>
+            <a:schemeClr val="tx1">
+              <a:lumMod val="75000"/>
+              <a:lumOff val="25000"/>
+            </a:schemeClr>
           </a:solidFill>
           <a:latin typeface="+mn-lt"/>
           <a:ea typeface="+mn-ea"/>
           <a:cs typeface="+mn-cs"/>
         </a:defRPr>
       </a:lvl7pPr>
-      <a:lvl8pPr marL="3429000" indent="-228600" algn="l" defTabSz="914400" rtl="0" eaLnBrk="1" latinLnBrk="0" hangingPunct="1">
+      <a:lvl8pPr marL="1500000" indent="-228600" algn="l" defTabSz="914400" rtl="0" eaLnBrk="1" latinLnBrk="0" hangingPunct="1">
         <a:lnSpc>
           <a:spcPct val="90000"/>
         </a:lnSpc>
         <a:spcBef>
-          <a:spcPts val="500"/>
+          <a:spcPts val="200"/>
         </a:spcBef>
-        <a:buFont typeface="Arial" panose="020B0604020202020204" pitchFamily="34" charset="0"/>
-        <a:buChar char="•"/>
-        <a:defRPr sz="1800" kern="1200">
+        <a:spcAft>
+          <a:spcPts val="400"/>
+        </a:spcAft>
+        <a:buClr>
+          <a:schemeClr val="accent1"/>
+        </a:buClr>
+        <a:buFont typeface="Calibri" pitchFamily="34" charset="0"/>
+        <a:buChar char="◦"/>
+        <a:defRPr sz="1400" kern="1200">
           <a:solidFill>
-            <a:schemeClr val="tx1"/>
+            <a:schemeClr val="tx1">
+              <a:lumMod val="75000"/>
+              <a:lumOff val="25000"/>
+            </a:schemeClr>
           </a:solidFill>
           <a:latin typeface="+mn-lt"/>
           <a:ea typeface="+mn-ea"/>
           <a:cs typeface="+mn-cs"/>
         </a:defRPr>
       </a:lvl8pPr>
-      <a:lvl9pPr marL="3886200" indent="-228600" algn="l" defTabSz="914400" rtl="0" eaLnBrk="1" latinLnBrk="0" hangingPunct="1">
+      <a:lvl9pPr marL="1700000" indent="-228600" algn="l" defTabSz="914400" rtl="0" eaLnBrk="1" latinLnBrk="0" hangingPunct="1">
         <a:lnSpc>
           <a:spcPct val="90000"/>
         </a:lnSpc>
         <a:spcBef>
-          <a:spcPts val="500"/>
+          <a:spcPts val="200"/>
         </a:spcBef>
-        <a:buFont typeface="Arial" panose="020B0604020202020204" pitchFamily="34" charset="0"/>
-        <a:buChar char="•"/>
-        <a:defRPr sz="1800" kern="1200">
+        <a:spcAft>
+          <a:spcPts val="400"/>
+        </a:spcAft>
+        <a:buClr>
+          <a:schemeClr val="accent1"/>
+        </a:buClr>
+        <a:buFont typeface="Calibri" pitchFamily="34" charset="0"/>
+        <a:buChar char="◦"/>
+        <a:defRPr sz="1400" kern="1200">
           <a:solidFill>
-            <a:schemeClr val="tx1"/>
+            <a:schemeClr val="tx1">
+              <a:lumMod val="75000"/>
+              <a:lumOff val="25000"/>
+            </a:schemeClr>
           </a:solidFill>
           <a:latin typeface="+mn-lt"/>
           <a:ea typeface="+mn-ea"/>
@@ -4410,9 +4889,10 @@
           <a:bodyPr/>
           <a:lstStyle/>
           <a:p>
+            <a:pPr algn="ctr"/>
             <a:r>
               <a:rPr lang="en-US" dirty="0"/>
-              <a:t>Detecting local clusters with </a:t>
+              <a:t>Detecting Local Clusters with </a:t>
             </a:r>
             <a:r>
               <a:rPr lang="en-US" dirty="0" err="1"/>
@@ -4420,7 +4900,7 @@
             </a:r>
             <a:r>
               <a:rPr lang="en-US" dirty="0"/>
-              <a:t> scan statistic</a:t>
+              <a:t> Scan Statistic</a:t>
             </a:r>
           </a:p>
         </p:txBody>
@@ -4502,8 +4982,8 @@
         </p:blipFill>
         <p:spPr>
           <a:xfrm>
-            <a:off x="5303390" y="1690688"/>
-            <a:ext cx="4904889" cy="4837080"/>
+            <a:off x="5682952" y="286603"/>
+            <a:ext cx="5929640" cy="5847664"/>
           </a:xfrm>
           <a:prstGeom prst="rect">
             <a:avLst/>
@@ -4526,19 +5006,18 @@
             <p:ph type="title"/>
           </p:nvPr>
         </p:nvSpPr>
-        <p:spPr>
-          <a:xfrm>
-            <a:off x="838200" y="365125"/>
-            <a:ext cx="10515600" cy="1325563"/>
-          </a:xfrm>
-        </p:spPr>
+        <p:spPr/>
         <p:txBody>
           <a:bodyPr/>
           <a:lstStyle/>
           <a:p>
             <a:r>
-              <a:rPr lang="en-US" dirty="0"/>
-              <a:t>Using areal data</a:t>
+              <a:rPr lang="en-US" b="1" dirty="0">
+                <a:solidFill>
+                  <a:srgbClr val="C00000"/>
+                </a:solidFill>
+              </a:rPr>
+              <a:t>Poisson Model</a:t>
             </a:r>
           </a:p>
         </p:txBody>
@@ -4557,8 +5036,8 @@
         </p:nvSpPr>
         <p:spPr>
           <a:xfrm>
-            <a:off x="838200" y="2057400"/>
-            <a:ext cx="3763617" cy="1477328"/>
+            <a:off x="915834" y="1876253"/>
+            <a:ext cx="3763617" cy="5632311"/>
           </a:xfrm>
           <a:prstGeom prst="rect">
             <a:avLst/>
@@ -4571,10 +5050,93 @@
           </a:bodyPr>
           <a:lstStyle/>
           <a:p>
-            <a:r>
-              <a:rPr lang="en-US" dirty="0"/>
-              <a:t>County-level (n=56) data for lip cancer among males in Scotland between 1975-1980.</a:t>
-            </a:r>
+            <a:pPr marL="285750" indent="-285750">
+              <a:buClr>
+                <a:schemeClr val="accent1"/>
+              </a:buClr>
+              <a:buFont typeface="Courier New" panose="02070309020205020404" pitchFamily="49" charset="0"/>
+              <a:buChar char="o"/>
+            </a:pPr>
+            <a:r>
+              <a:rPr lang="en-US" sz="2000" dirty="0"/>
+              <a:t>Uses areal level data</a:t>
+            </a:r>
+          </a:p>
+          <a:p>
+            <a:pPr marL="742950" lvl="1" indent="-285750">
+              <a:buClr>
+                <a:schemeClr val="accent1"/>
+              </a:buClr>
+              <a:buFont typeface="Courier New" panose="02070309020205020404" pitchFamily="49" charset="0"/>
+              <a:buChar char="o"/>
+            </a:pPr>
+            <a:r>
+              <a:rPr lang="en-US" sz="1600" i="1" dirty="0"/>
+              <a:t>County-level (n=56) data for lip cancer among males in Scotland between 1975-1980</a:t>
+            </a:r>
+          </a:p>
+          <a:p>
+            <a:pPr marL="285750" indent="-285750">
+              <a:buClr>
+                <a:schemeClr val="accent1"/>
+              </a:buClr>
+              <a:buFont typeface="Courier New" panose="02070309020205020404" pitchFamily="49" charset="0"/>
+              <a:buChar char="o"/>
+            </a:pPr>
+            <a:endParaRPr lang="en-US" sz="2000" dirty="0"/>
+          </a:p>
+          <a:p>
+            <a:pPr marL="285750" indent="-285750">
+              <a:buClr>
+                <a:schemeClr val="accent1"/>
+              </a:buClr>
+              <a:buFont typeface="Courier New" panose="02070309020205020404" pitchFamily="49" charset="0"/>
+              <a:buChar char="o"/>
+            </a:pPr>
+            <a:r>
+              <a:rPr lang="en-US" sz="2000" dirty="0"/>
+              <a:t>T</a:t>
+            </a:r>
+            <a:r>
+              <a:rPr lang="en-GB" sz="2000" dirty="0"/>
+              <a:t>he number of events in an area is Poisson distributed under the null hypothesis. </a:t>
+            </a:r>
+          </a:p>
+          <a:p>
+            <a:pPr marL="285750" indent="-285750">
+              <a:buClr>
+                <a:schemeClr val="accent1"/>
+              </a:buClr>
+              <a:buFont typeface="Courier New" panose="02070309020205020404" pitchFamily="49" charset="0"/>
+              <a:buChar char="o"/>
+            </a:pPr>
+            <a:endParaRPr lang="en-GB" sz="2000" dirty="0"/>
+          </a:p>
+          <a:p>
+            <a:pPr marL="285750" indent="-285750">
+              <a:buClr>
+                <a:schemeClr val="accent1"/>
+              </a:buClr>
+              <a:buFont typeface="Courier New" panose="02070309020205020404" pitchFamily="49" charset="0"/>
+              <a:buChar char="o"/>
+            </a:pPr>
+            <a:r>
+              <a:rPr lang="en-GB" sz="2000" dirty="0"/>
+              <a:t>Number of cases is compared to the background population data and the expected number of cases is proportional to the size of the population at risk in each circle. </a:t>
+            </a:r>
+          </a:p>
+          <a:p>
+            <a:endParaRPr lang="en-GB" dirty="0"/>
+          </a:p>
+          <a:p>
+            <a:pPr marL="285750" indent="-285750">
+              <a:buClr>
+                <a:schemeClr val="accent1"/>
+              </a:buClr>
+              <a:buFont typeface="Courier New" panose="02070309020205020404" pitchFamily="49" charset="0"/>
+              <a:buChar char="o"/>
+            </a:pPr>
+            <a:endParaRPr lang="en-US" dirty="0"/>
           </a:p>
           <a:p>
             <a:endParaRPr lang="en-US" dirty="0"/>
@@ -4636,8 +5198,8 @@
         </p:blipFill>
         <p:spPr>
           <a:xfrm>
-            <a:off x="5303389" y="1690688"/>
-            <a:ext cx="4904889" cy="4837079"/>
+            <a:off x="5726084" y="406208"/>
+            <a:ext cx="5782992" cy="5703042"/>
           </a:xfrm>
           <a:prstGeom prst="rect">
             <a:avLst/>
@@ -4660,84 +5222,19 @@
             <p:ph type="title"/>
           </p:nvPr>
         </p:nvSpPr>
-        <p:spPr>
-          <a:xfrm>
-            <a:off x="838200" y="365125"/>
-            <a:ext cx="10515600" cy="1325563"/>
-          </a:xfrm>
-        </p:spPr>
+        <p:spPr/>
         <p:txBody>
           <a:bodyPr/>
           <a:lstStyle/>
           <a:p>
             <a:r>
-              <a:rPr lang="en-US" dirty="0"/>
-              <a:t>Using areal data</a:t>
-            </a:r>
-          </a:p>
-        </p:txBody>
-      </p:sp>
-      <p:sp>
-        <p:nvSpPr>
-          <p:cNvPr id="4" name="TextBox 3">
-            <a:extLst>
-              <a:ext uri="{FF2B5EF4-FFF2-40B4-BE49-F238E27FC236}">
-                <a16:creationId xmlns:a16="http://schemas.microsoft.com/office/drawing/2014/main" id="{9EC78416-79DD-884D-9DD0-7E3ED66EAB0F}"/>
-              </a:ext>
-            </a:extLst>
-          </p:cNvPr>
-          <p:cNvSpPr txBox="1"/>
-          <p:nvPr/>
-        </p:nvSpPr>
-        <p:spPr>
-          <a:xfrm>
-            <a:off x="838200" y="2057400"/>
-            <a:ext cx="3763617" cy="4524315"/>
-          </a:xfrm>
-          <a:prstGeom prst="rect">
-            <a:avLst/>
-          </a:prstGeom>
-          <a:noFill/>
-        </p:spPr>
-        <p:txBody>
-          <a:bodyPr wrap="square" rtlCol="0">
-            <a:spAutoFit/>
-          </a:bodyPr>
-          <a:lstStyle/>
-          <a:p>
-            <a:r>
-              <a:rPr lang="en-US" dirty="0"/>
-              <a:t>County-level (n=56) data for lip cancer among males in Scotland between 1975-1980.</a:t>
-            </a:r>
-          </a:p>
-          <a:p>
-            <a:endParaRPr lang="en-US" dirty="0"/>
-          </a:p>
-          <a:p>
-            <a:r>
-              <a:rPr lang="en-US" dirty="0"/>
-              <a:t>Cluster analysis done using </a:t>
-            </a:r>
-            <a:r>
-              <a:rPr lang="en-US" b="1" dirty="0"/>
-              <a:t>Poisson model:  </a:t>
-            </a:r>
-            <a:r>
-              <a:rPr lang="en-GB" dirty="0"/>
-              <a:t>where the number of events in an area is Poisson distributed under the null hypothesis. Number of cases is compared to the background population data and the expected number of cases is proportional to the size of the population at risk in each circle. </a:t>
-            </a:r>
-          </a:p>
-          <a:p>
-            <a:endParaRPr lang="en-GB" dirty="0"/>
-          </a:p>
-          <a:p>
-            <a:r>
-              <a:rPr lang="en-GB" dirty="0"/>
-              <a:t>Uses centroids of each areal unit</a:t>
-            </a:r>
-          </a:p>
-          <a:p>
-            <a:endParaRPr lang="en-US" dirty="0"/>
+              <a:rPr lang="en-US" b="1" dirty="0">
+                <a:solidFill>
+                  <a:srgbClr val="C00000"/>
+                </a:solidFill>
+              </a:rPr>
+              <a:t>Poisson Results</a:t>
+            </a:r>
           </a:p>
         </p:txBody>
       </p:sp>
@@ -4787,8 +5284,12 @@
           <a:lstStyle/>
           <a:p>
             <a:r>
-              <a:rPr lang="en-US" dirty="0"/>
-              <a:t>Spatial scan statistics</a:t>
+              <a:rPr lang="en-US" b="1" dirty="0">
+                <a:solidFill>
+                  <a:srgbClr val="C00000"/>
+                </a:solidFill>
+              </a:rPr>
+              <a:t>Spatial Scan Statistics</a:t>
             </a:r>
           </a:p>
         </p:txBody>
@@ -4805,7 +5306,7 @@
         </p:nvSpPr>
         <p:spPr>
           <a:xfrm>
-            <a:off x="1981200" y="1600200"/>
+            <a:off x="1097280" y="1979763"/>
             <a:ext cx="8229600" cy="5029200"/>
           </a:xfrm>
         </p:spPr>
@@ -4816,28 +5317,28 @@
           <a:lstStyle/>
           <a:p>
             <a:r>
-              <a:rPr lang="en-US" dirty="0"/>
+              <a:rPr lang="en-US" sz="2800" dirty="0"/>
               <a:t>Scan statistics – based on comparisons of local rate estimates</a:t>
             </a:r>
           </a:p>
           <a:p>
             <a:pPr lvl="1"/>
             <a:r>
-              <a:rPr lang="en-US" dirty="0"/>
+              <a:rPr lang="en-US" sz="2800" dirty="0"/>
               <a:t>Does the ratio of cases to controls (or cases per population at risk) appear “significantly” elevated in certain areas</a:t>
             </a:r>
           </a:p>
           <a:p>
+            <a:pPr lvl="2"/>
+            <a:r>
+              <a:rPr lang="en-US" sz="2400" dirty="0"/>
+              <a:t>Similar to the comparison of intensity functions</a:t>
+            </a:r>
+          </a:p>
+          <a:p>
             <a:pPr lvl="1"/>
             <a:r>
-              <a:rPr lang="en-US" dirty="0"/>
-              <a:t>Similar to the comparison of intensity functions</a:t>
-            </a:r>
-          </a:p>
-          <a:p>
-            <a:pPr lvl="1"/>
-            <a:r>
-              <a:rPr lang="en-US" dirty="0"/>
+              <a:rPr lang="en-US" sz="2800" dirty="0"/>
               <a:t>Goal is to detect specific clusters where the observed rate (or ratio) is inconsistent with the rate (or ratio) over the rest of the study area.</a:t>
             </a:r>
           </a:p>
@@ -4884,15 +5385,10 @@
             <a:spLocks noGrp="1"/>
           </p:cNvSpPr>
           <p:nvPr>
-            <p:ph type="ctrTitle"/>
-          </p:nvPr>
-        </p:nvSpPr>
-        <p:spPr>
-          <a:xfrm>
-            <a:off x="1083448" y="201615"/>
-            <a:ext cx="9943094" cy="941385"/>
-          </a:xfrm>
-        </p:spPr>
+            <p:ph type="title"/>
+          </p:nvPr>
+        </p:nvSpPr>
+        <p:spPr/>
         <p:txBody>
           <a:bodyPr>
             <a:normAutofit/>
@@ -4900,12 +5396,20 @@
           <a:lstStyle/>
           <a:p>
             <a:r>
-              <a:rPr lang="en-GB" dirty="0" err="1"/>
+              <a:rPr lang="en-GB" b="1" dirty="0" err="1">
+                <a:solidFill>
+                  <a:srgbClr val="C00000"/>
+                </a:solidFill>
+              </a:rPr>
               <a:t>Kulldorff’s</a:t>
             </a:r>
             <a:r>
-              <a:rPr lang="en-GB" dirty="0"/>
-              <a:t> spatial scan statistic</a:t>
+              <a:rPr lang="en-GB" b="1" dirty="0">
+                <a:solidFill>
+                  <a:srgbClr val="C00000"/>
+                </a:solidFill>
+              </a:rPr>
+              <a:t> Spatial Scan Statistic</a:t>
             </a:r>
           </a:p>
         </p:txBody>
@@ -4918,13 +5422,21 @@
         </p:nvSpPr>
         <p:spPr>
           <a:xfrm>
-            <a:off x="1590136" y="1143000"/>
-            <a:ext cx="8929718" cy="4909036"/>
+            <a:off x="891396" y="1876245"/>
+            <a:ext cx="8929718" cy="4801314"/>
           </a:xfrm>
           <a:prstGeom prst="rect">
             <a:avLst/>
           </a:prstGeom>
           <a:noFill/>
+          <a:ln>
+            <a:solidFill>
+              <a:schemeClr val="accent1">
+                <a:lumMod val="60000"/>
+                <a:lumOff val="40000"/>
+              </a:schemeClr>
+            </a:solidFill>
+          </a:ln>
         </p:spPr>
         <p:txBody>
           <a:bodyPr wrap="square" rtlCol="0">
@@ -4932,10 +5444,15 @@
           </a:bodyPr>
           <a:lstStyle/>
           <a:p>
-            <a:pPr marL="95250">
+            <a:pPr marL="438150" indent="-342900">
               <a:spcAft>
                 <a:spcPts val="600"/>
               </a:spcAft>
+              <a:buClr>
+                <a:schemeClr val="accent1"/>
+              </a:buClr>
+              <a:buFont typeface="Courier New" panose="02070309020205020404" pitchFamily="49" charset="0"/>
+              <a:buChar char="o"/>
             </a:pPr>
             <a:r>
               <a:rPr lang="en-US" sz="2400" dirty="0"/>
@@ -4945,55 +5462,79 @@
               <a:rPr lang="en-GB" sz="2400" dirty="0"/>
               <a:t>a significant excess of cases within a moving cylindrical (or elliptical) window that systematically visits all spatial locations.  </a:t>
             </a:r>
-            <a:r>
-              <a:rPr lang="en-US" sz="2400" dirty="0"/>
-              <a:t>Can be used for discrete (non-random and fixed locations) and continuous scan statistics (locations are random).</a:t>
-            </a:r>
-          </a:p>
-          <a:p>
-            <a:pPr marL="95250">
+          </a:p>
+          <a:p>
+            <a:pPr marL="895350" lvl="1" indent="-342900">
               <a:spcAft>
                 <a:spcPts val="600"/>
               </a:spcAft>
+              <a:buClr>
+                <a:schemeClr val="accent1"/>
+              </a:buClr>
+              <a:buFont typeface="Courier New" panose="02070309020205020404" pitchFamily="49" charset="0"/>
+              <a:buChar char="o"/>
             </a:pPr>
-            <a:endParaRPr lang="en-US" sz="2400" dirty="0"/>
-          </a:p>
-          <a:p>
-            <a:pPr marL="95250">
+            <a:r>
+              <a:rPr lang="en-US" sz="2000" dirty="0"/>
+              <a:t>Can be used for discrete (non-random and fixed locations) and continuous scan statistics (locations are random)</a:t>
+            </a:r>
+          </a:p>
+          <a:p>
+            <a:pPr marL="438150" indent="-342900">
               <a:spcAft>
                 <a:spcPts val="600"/>
               </a:spcAft>
+              <a:buClr>
+                <a:schemeClr val="accent1"/>
+              </a:buClr>
+              <a:buFont typeface="Courier New" panose="02070309020205020404" pitchFamily="49" charset="0"/>
+              <a:buChar char="o"/>
             </a:pPr>
-            <a:r>
-              <a:rPr lang="en-GB" sz="2400" dirty="0"/>
-              <a:t>Creates an infinite number of circles of varying sizes around each point, maximum size = fixed proportion of pop.</a:t>
-            </a:r>
-          </a:p>
-          <a:p>
-            <a:pPr marL="95250">
+            <a:endParaRPr lang="en-US" sz="2000" dirty="0"/>
+          </a:p>
+          <a:p>
+            <a:pPr marL="895350" lvl="1" indent="-342900">
               <a:spcAft>
                 <a:spcPts val="600"/>
               </a:spcAft>
+              <a:buClr>
+                <a:schemeClr val="accent1"/>
+              </a:buClr>
+              <a:buFont typeface="Courier New" panose="02070309020205020404" pitchFamily="49" charset="0"/>
+              <a:buChar char="o"/>
             </a:pPr>
-            <a:endParaRPr lang="en-US" sz="2400" dirty="0"/>
-          </a:p>
-          <a:p>
-            <a:pPr marL="95250">
+            <a:r>
+              <a:rPr lang="en-GB" sz="2000" dirty="0"/>
+              <a:t>Creates an infinite number of circles of varying sizes around each point, maximum size = fixed proportion of pop.</a:t>
+            </a:r>
+          </a:p>
+          <a:p>
+            <a:pPr marL="438150" indent="-342900">
               <a:spcAft>
                 <a:spcPts val="600"/>
               </a:spcAft>
+              <a:buClr>
+                <a:schemeClr val="accent1"/>
+              </a:buClr>
+              <a:buFont typeface="Courier New" panose="02070309020205020404" pitchFamily="49" charset="0"/>
+              <a:buChar char="o"/>
             </a:pPr>
-            <a:r>
-              <a:rPr lang="en-US" sz="2400" dirty="0"/>
-              <a:t>Significance estimated using Monte Carlo methods – moving values around points randomly to estimate </a:t>
-            </a:r>
-            <a:r>
-              <a:rPr lang="en-US" sz="2400" dirty="0" err="1"/>
-              <a:t>probaiblity</a:t>
-            </a:r>
-            <a:r>
-              <a:rPr lang="en-US" sz="2400" dirty="0"/>
-              <a:t> that observed pattern occurred by chance.</a:t>
+            <a:endParaRPr lang="en-US" sz="2000" dirty="0"/>
+          </a:p>
+          <a:p>
+            <a:pPr marL="895350" lvl="1" indent="-342900">
+              <a:spcAft>
+                <a:spcPts val="600"/>
+              </a:spcAft>
+              <a:buClr>
+                <a:schemeClr val="accent1"/>
+              </a:buClr>
+              <a:buFont typeface="Courier New" panose="02070309020205020404" pitchFamily="49" charset="0"/>
+              <a:buChar char="o"/>
+            </a:pPr>
+            <a:r>
+              <a:rPr lang="en-US" sz="2000" dirty="0"/>
+              <a:t>Significance estimated using Monte Carlo methods – moving values around points randomly to estimate probability that observed pattern occurred by chance.</a:t>
             </a:r>
           </a:p>
           <a:p>
@@ -5038,10 +5579,10 @@
       </p:grpSpPr>
       <p:sp>
         <p:nvSpPr>
-          <p:cNvPr id="2" name="Title 1">
+          <p:cNvPr id="4" name="Title 3">
             <a:extLst>
               <a:ext uri="{FF2B5EF4-FFF2-40B4-BE49-F238E27FC236}">
-                <a16:creationId xmlns:a16="http://schemas.microsoft.com/office/drawing/2014/main" id="{4B856C93-7769-F947-A6D6-AE90C2902C49}"/>
+                <a16:creationId xmlns:a16="http://schemas.microsoft.com/office/drawing/2014/main" id="{074B8BC4-A9CC-4D85-865B-3AF3E8245B89}"/>
               </a:ext>
             </a:extLst>
           </p:cNvPr>
@@ -5052,117 +5593,78 @@
             <p:ph type="title"/>
           </p:nvPr>
         </p:nvSpPr>
-        <p:spPr/>
-        <p:txBody>
-          <a:bodyPr/>
-          <a:lstStyle/>
-          <a:p>
-            <a:r>
-              <a:rPr lang="en-US" dirty="0"/>
-              <a:t>Different outcome data</a:t>
-            </a:r>
-          </a:p>
-        </p:txBody>
-      </p:sp>
-      <p:sp>
-        <p:nvSpPr>
-          <p:cNvPr id="3" name="Content Placeholder 2">
-            <a:extLst>
-              <a:ext uri="{FF2B5EF4-FFF2-40B4-BE49-F238E27FC236}">
-                <a16:creationId xmlns:a16="http://schemas.microsoft.com/office/drawing/2014/main" id="{842BFF76-5526-0745-91A6-12F9E01C9932}"/>
-              </a:ext>
-            </a:extLst>
-          </p:cNvPr>
-          <p:cNvSpPr>
-            <a:spLocks noGrp="1"/>
-          </p:cNvSpPr>
-          <p:nvPr>
-            <p:ph idx="1"/>
-          </p:nvPr>
-        </p:nvSpPr>
         <p:spPr>
           <a:xfrm>
-            <a:off x="838200" y="1825625"/>
-            <a:ext cx="9567930" cy="4351338"/>
+            <a:off x="1097280" y="1475548"/>
+            <a:ext cx="10058400" cy="3566160"/>
           </a:xfrm>
         </p:spPr>
         <p:txBody>
           <a:bodyPr>
-            <a:normAutofit/>
+            <a:normAutofit fontScale="90000"/>
           </a:bodyPr>
           <a:lstStyle/>
           <a:p>
-            <a:pPr marL="95250" lvl="1">
+            <a:pPr marL="0" indent="0">
               <a:spcAft>
-                <a:spcPts val="600"/>
+                <a:spcPts val="1200"/>
               </a:spcAft>
             </a:pPr>
-            <a:r>
-              <a:rPr lang="en-US" dirty="0"/>
-              <a:t>Different types of probabilistic models for discrete scan statistics according to the underlying distribution of the population at risk.</a:t>
-            </a:r>
-          </a:p>
-          <a:p>
-            <a:pPr marL="895350" lvl="1" indent="-342900">
-              <a:spcAft>
-                <a:spcPts val="600"/>
-              </a:spcAft>
-            </a:pPr>
-            <a:r>
-              <a:rPr lang="en-US" dirty="0"/>
-              <a:t>Poisson: number of events in a geographical location is Poisson-distributed, according to a known underlying population at risk</a:t>
-            </a:r>
-          </a:p>
-          <a:p>
-            <a:pPr marL="895350" lvl="1" indent="-342900">
-              <a:spcAft>
-                <a:spcPts val="600"/>
-              </a:spcAft>
-            </a:pPr>
-            <a:r>
-              <a:rPr lang="en-US" dirty="0"/>
-              <a:t>Bernoulli: 0/1 event data such as cases and controls</a:t>
-            </a:r>
-          </a:p>
-          <a:p>
-            <a:pPr marL="895350" lvl="1" indent="-342900">
-              <a:spcAft>
-                <a:spcPts val="600"/>
-              </a:spcAft>
-            </a:pPr>
-            <a:r>
-              <a:rPr lang="en-US" dirty="0"/>
-              <a:t>Ordinal: Ordered categorical data such as severity of disease</a:t>
-            </a:r>
-          </a:p>
-          <a:p>
-            <a:pPr marL="895350" lvl="1" indent="-342900">
-              <a:spcAft>
-                <a:spcPts val="600"/>
-              </a:spcAft>
-            </a:pPr>
-            <a:r>
-              <a:rPr lang="en-US" dirty="0"/>
-              <a:t>Exponential: Survival time data</a:t>
-            </a:r>
-          </a:p>
-          <a:p>
-            <a:pPr marL="895350" lvl="1" indent="-342900">
-              <a:spcAft>
-                <a:spcPts val="600"/>
-              </a:spcAft>
-            </a:pPr>
-            <a:r>
-              <a:rPr lang="en-US" dirty="0"/>
-              <a:t>Normal: Other types of continuous data</a:t>
-            </a:r>
+            <a:br>
+              <a:rPr lang="en-GB" sz="4400" b="1" dirty="0"/>
+            </a:br>
+            <a:br>
+              <a:rPr lang="en-GB" sz="4400" b="1" dirty="0"/>
+            </a:br>
+            <a:r>
+              <a:rPr lang="en-GB" sz="4400" b="1" dirty="0"/>
+              <a:t>H</a:t>
+            </a:r>
+            <a:r>
+              <a:rPr lang="en-GB" sz="4400" b="1" baseline="-25000" dirty="0"/>
+              <a:t>1 </a:t>
+            </a:r>
+            <a:r>
+              <a:rPr lang="en-GB" sz="4400" b="1" i="1" dirty="0"/>
+              <a:t>: </a:t>
+            </a:r>
+            <a:r>
+              <a:rPr lang="en-US" sz="4400" b="1" i="1" dirty="0"/>
+              <a:t> there is an elevated risk within the window as compared to outside, for each location and size.</a:t>
+            </a:r>
+            <a:br>
+              <a:rPr lang="en-US" sz="4400" b="1" i="1" dirty="0"/>
+            </a:br>
+            <a:br>
+              <a:rPr lang="en-US" sz="4400" b="1" i="1" dirty="0"/>
+            </a:br>
+            <a:r>
+              <a:rPr lang="en-GB" sz="4400" b="1" dirty="0"/>
+              <a:t>H</a:t>
+            </a:r>
+            <a:r>
+              <a:rPr lang="en-GB" sz="4400" b="1" baseline="-25000" dirty="0"/>
+              <a:t>0</a:t>
+            </a:r>
+            <a:r>
+              <a:rPr lang="en-GB" sz="4400" b="1" dirty="0"/>
+              <a:t>: </a:t>
+            </a:r>
+            <a:r>
+              <a:rPr lang="en-GB" sz="4400" b="1" i="1" dirty="0"/>
+              <a:t>The risk of an event is the same within and outside the window</a:t>
+            </a:r>
+            <a:br>
+              <a:rPr lang="en-GB" b="1" i="1" dirty="0"/>
+            </a:br>
+            <a:endParaRPr lang="en-US" dirty="0"/>
           </a:p>
         </p:txBody>
       </p:sp>
     </p:spTree>
     <p:extLst>
       <p:ext uri="{BB962C8B-B14F-4D97-AF65-F5344CB8AC3E}">
-        <p14:creationId xmlns:p14="http://schemas.microsoft.com/office/powerpoint/2010/main" val="3851756985"/>
+        <p14:creationId xmlns:p14="http://schemas.microsoft.com/office/powerpoint/2010/main" val="132098383"/>
       </p:ext>
     </p:extLst>
   </p:cSld>
@@ -5194,7 +5696,7 @@
           <p:cNvPr id="2" name="Title 1">
             <a:extLst>
               <a:ext uri="{FF2B5EF4-FFF2-40B4-BE49-F238E27FC236}">
-                <a16:creationId xmlns:a16="http://schemas.microsoft.com/office/drawing/2014/main" id="{C855BE54-8F15-2C4D-8EF1-CA0C1D30CBA5}"/>
+                <a16:creationId xmlns:a16="http://schemas.microsoft.com/office/drawing/2014/main" id="{4B856C93-7769-F947-A6D6-AE90C2902C49}"/>
               </a:ext>
             </a:extLst>
           </p:cNvPr>
@@ -5210,7 +5712,14 @@
           <a:bodyPr/>
           <a:lstStyle/>
           <a:p>
-            <a:endParaRPr lang="en-US"/>
+            <a:r>
+              <a:rPr lang="en-US" b="1" dirty="0">
+                <a:solidFill>
+                  <a:srgbClr val="C00000"/>
+                </a:solidFill>
+              </a:rPr>
+              <a:t>Probabilistic Models</a:t>
+            </a:r>
           </a:p>
         </p:txBody>
       </p:sp>
@@ -5219,7 +5728,7 @@
           <p:cNvPr id="3" name="Content Placeholder 2">
             <a:extLst>
               <a:ext uri="{FF2B5EF4-FFF2-40B4-BE49-F238E27FC236}">
-                <a16:creationId xmlns:a16="http://schemas.microsoft.com/office/drawing/2014/main" id="{A6D52975-3CA9-734D-83B4-EEA4812514E1}"/>
+                <a16:creationId xmlns:a16="http://schemas.microsoft.com/office/drawing/2014/main" id="{842BFF76-5526-0745-91A6-12F9E01C9932}"/>
               </a:ext>
             </a:extLst>
           </p:cNvPr>
@@ -5230,56 +5739,92 @@
             <p:ph idx="1"/>
           </p:nvPr>
         </p:nvSpPr>
-        <p:spPr/>
-        <p:txBody>
-          <a:bodyPr/>
-          <a:lstStyle/>
-          <a:p>
-            <a:pPr marL="0" indent="0">
+        <p:spPr>
+          <a:xfrm>
+            <a:off x="838200" y="1825625"/>
+            <a:ext cx="9567930" cy="4351338"/>
+          </a:xfrm>
+        </p:spPr>
+        <p:txBody>
+          <a:bodyPr>
+            <a:normAutofit/>
+          </a:bodyPr>
+          <a:lstStyle/>
+          <a:p>
+            <a:pPr marL="95250" lvl="1">
               <a:spcAft>
-                <a:spcPts val="1200"/>
+                <a:spcPts val="600"/>
               </a:spcAft>
-              <a:buNone/>
             </a:pPr>
             <a:r>
-              <a:rPr lang="en-GB" b="1" dirty="0"/>
-              <a:t>H</a:t>
-            </a:r>
-            <a:r>
-              <a:rPr lang="en-GB" b="1" baseline="-25000" dirty="0"/>
-              <a:t>1 </a:t>
-            </a:r>
-            <a:r>
-              <a:rPr lang="en-GB" b="1" i="1" dirty="0"/>
-              <a:t>: </a:t>
-            </a:r>
-            <a:r>
-              <a:rPr lang="en-US" b="1" i="1" dirty="0"/>
-              <a:t> there is an elevated risk within the window as compared to outside, for each location and size.</a:t>
-            </a:r>
-          </a:p>
-          <a:p>
-            <a:pPr marL="0" indent="0">
+              <a:rPr lang="en-US" sz="2400" dirty="0"/>
+              <a:t>There are different types of probabilistic models for discrete scan statistics</a:t>
+            </a:r>
+          </a:p>
+          <a:p>
+            <a:pPr marL="95250" lvl="1">
               <a:spcAft>
-                <a:spcPts val="1200"/>
+                <a:spcPts val="600"/>
               </a:spcAft>
-              <a:buNone/>
             </a:pPr>
             <a:r>
-              <a:rPr lang="en-GB" b="1" dirty="0"/>
-              <a:t>H</a:t>
-            </a:r>
-            <a:r>
-              <a:rPr lang="en-GB" b="1" baseline="-25000" dirty="0"/>
-              <a:t>0</a:t>
-            </a:r>
-            <a:r>
-              <a:rPr lang="en-GB" b="1" dirty="0"/>
-              <a:t>: </a:t>
-            </a:r>
-            <a:r>
-              <a:rPr lang="en-GB" b="1" i="1" dirty="0"/>
-              <a:t>The risk of an event is the same within and outside the window</a:t>
+              <a:rPr lang="en-US" sz="2400" dirty="0"/>
+              <a:t> Selection is based on the underlying distribution of the population at risk</a:t>
+            </a:r>
+          </a:p>
+          <a:p>
+            <a:pPr marL="895350" lvl="1" indent="-342900">
+              <a:spcAft>
+                <a:spcPts val="600"/>
+              </a:spcAft>
+            </a:pPr>
+            <a:r>
+              <a:rPr lang="en-US" sz="2000" dirty="0"/>
+              <a:t>Poisson: number of events in a geographical location is Poisson-distributed, according to a known underlying population at risk</a:t>
+            </a:r>
+          </a:p>
+          <a:p>
+            <a:pPr marL="895350" lvl="1" indent="-342900">
+              <a:spcAft>
+                <a:spcPts val="600"/>
+              </a:spcAft>
+            </a:pPr>
+            <a:r>
+              <a:rPr lang="en-US" sz="2000" dirty="0"/>
+              <a:t>Bernoulli: 0/1 event data such as cases and controls</a:t>
+            </a:r>
+          </a:p>
+          <a:p>
+            <a:pPr marL="895350" lvl="1" indent="-342900">
+              <a:spcAft>
+                <a:spcPts val="600"/>
+              </a:spcAft>
+            </a:pPr>
+            <a:r>
+              <a:rPr lang="en-US" sz="2000" dirty="0"/>
+              <a:t>Ordinal: Ordered categorical data such as severity of disease</a:t>
+            </a:r>
+          </a:p>
+          <a:p>
+            <a:pPr marL="895350" lvl="1" indent="-342900">
+              <a:spcAft>
+                <a:spcPts val="600"/>
+              </a:spcAft>
+            </a:pPr>
+            <a:r>
+              <a:rPr lang="en-US" sz="2000" dirty="0"/>
+              <a:t>Exponential: Survival time data</a:t>
+            </a:r>
+          </a:p>
+          <a:p>
+            <a:pPr marL="895350" lvl="1" indent="-342900">
+              <a:spcAft>
+                <a:spcPts val="600"/>
+              </a:spcAft>
+            </a:pPr>
+            <a:r>
+              <a:rPr lang="en-US" sz="2000" dirty="0"/>
+              <a:t>Normal: Other types of continuous data</a:t>
             </a:r>
           </a:p>
         </p:txBody>
@@ -5287,7 +5832,7 @@
     </p:spTree>
     <p:extLst>
       <p:ext uri="{BB962C8B-B14F-4D97-AF65-F5344CB8AC3E}">
-        <p14:creationId xmlns:p14="http://schemas.microsoft.com/office/powerpoint/2010/main" val="132098383"/>
+        <p14:creationId xmlns:p14="http://schemas.microsoft.com/office/powerpoint/2010/main" val="3851756985"/>
       </p:ext>
     </p:extLst>
   </p:cSld>
@@ -5501,19 +6046,18 @@
             <p:ph type="title"/>
           </p:nvPr>
         </p:nvSpPr>
-        <p:spPr>
-          <a:xfrm>
-            <a:off x="838200" y="365125"/>
-            <a:ext cx="10515600" cy="1325563"/>
-          </a:xfrm>
-        </p:spPr>
+        <p:spPr/>
         <p:txBody>
           <a:bodyPr/>
           <a:lstStyle/>
           <a:p>
             <a:r>
-              <a:rPr lang="en-US" dirty="0"/>
-              <a:t>Using case-control data</a:t>
+              <a:rPr lang="en-US" b="1" dirty="0">
+                <a:solidFill>
+                  <a:srgbClr val="C00000"/>
+                </a:solidFill>
+              </a:rPr>
+              <a:t>Bernoulli Model</a:t>
             </a:r>
           </a:p>
         </p:txBody>
@@ -5710,13 +6254,34 @@
             </a:lvl9pPr>
           </a:lstStyle>
           <a:p>
-            <a:pPr marL="95250">
+            <a:pPr marL="209550" indent="-342900">
               <a:spcAft>
                 <a:spcPts val="1200"/>
               </a:spcAft>
+              <a:buClr>
+                <a:schemeClr val="accent1"/>
+              </a:buClr>
+              <a:buFont typeface="Courier New" panose="02070309020205020404" pitchFamily="49" charset="0"/>
+              <a:buChar char="o"/>
             </a:pPr>
             <a:r>
-              <a:rPr lang="en-GB" sz="1800" dirty="0"/>
+              <a:rPr lang="en-GB" sz="2000" dirty="0"/>
+              <a:t>Uses case control data</a:t>
+            </a:r>
+          </a:p>
+          <a:p>
+            <a:pPr marL="209550" indent="-342900">
+              <a:spcAft>
+                <a:spcPts val="1200"/>
+              </a:spcAft>
+              <a:buClr>
+                <a:schemeClr val="accent1"/>
+              </a:buClr>
+              <a:buFont typeface="Courier New" panose="02070309020205020404" pitchFamily="49" charset="0"/>
+              <a:buChar char="o"/>
+            </a:pPr>
+            <a:r>
+              <a:rPr lang="en-GB" sz="2000" dirty="0"/>
               <a:t>Uses Bernoulli model (identical to binomial with single trial) to compare risk of being a case inside to outside the window. </a:t>
             </a:r>
           </a:p>
@@ -5766,7 +6331,7 @@
         </p:nvGrpSpPr>
         <p:grpSpPr>
           <a:xfrm>
-            <a:off x="4782585" y="2017731"/>
+            <a:off x="2375817" y="2017731"/>
             <a:ext cx="6925712" cy="3741964"/>
             <a:chOff x="1643042" y="2025998"/>
             <a:chExt cx="6072230" cy="3461985"/>
@@ -5939,19 +6504,18 @@
             <p:ph type="title"/>
           </p:nvPr>
         </p:nvSpPr>
-        <p:spPr>
-          <a:xfrm>
-            <a:off x="838200" y="365125"/>
-            <a:ext cx="10515600" cy="1325563"/>
-          </a:xfrm>
-        </p:spPr>
+        <p:spPr/>
         <p:txBody>
           <a:bodyPr/>
           <a:lstStyle/>
           <a:p>
             <a:r>
-              <a:rPr lang="en-US" dirty="0"/>
-              <a:t>Using case-control data</a:t>
+              <a:rPr lang="en-US" b="1" dirty="0">
+                <a:solidFill>
+                  <a:srgbClr val="C00000"/>
+                </a:solidFill>
+              </a:rPr>
+              <a:t>Bernoulli Results</a:t>
             </a:r>
           </a:p>
         </p:txBody>
@@ -5970,7 +6534,7 @@
         </p:nvSpPr>
         <p:spPr>
           <a:xfrm>
-            <a:off x="8134563" y="2855036"/>
+            <a:off x="5727795" y="2855036"/>
             <a:ext cx="1361786" cy="1281681"/>
           </a:xfrm>
           <a:prstGeom prst="flowChartConnector">
@@ -6022,7 +6586,7 @@
         </p:nvSpPr>
         <p:spPr>
           <a:xfrm>
-            <a:off x="9516103" y="2300719"/>
+            <a:off x="7109335" y="2300719"/>
             <a:ext cx="1285884" cy="369332"/>
           </a:xfrm>
           <a:prstGeom prst="rect">
@@ -6064,7 +6628,7 @@
         </p:nvSpPr>
         <p:spPr>
           <a:xfrm>
-            <a:off x="9496349" y="4321702"/>
+            <a:off x="7089581" y="4321702"/>
             <a:ext cx="1500198" cy="369332"/>
           </a:xfrm>
           <a:prstGeom prst="rect">
@@ -6110,7 +6674,7 @@
         </p:nvCxnSpPr>
         <p:spPr>
           <a:xfrm flipH="1">
-            <a:off x="9296920" y="2670051"/>
+            <a:off x="6890152" y="2670051"/>
             <a:ext cx="862125" cy="372683"/>
           </a:xfrm>
           <a:prstGeom prst="straightConnector1">
@@ -6138,210 +6702,6 @@
           </a:fontRef>
         </p:style>
       </p:cxnSp>
-      <p:sp>
-        <p:nvSpPr>
-          <p:cNvPr id="19" name="Content Placeholder 2">
-            <a:extLst>
-              <a:ext uri="{FF2B5EF4-FFF2-40B4-BE49-F238E27FC236}">
-                <a16:creationId xmlns:a16="http://schemas.microsoft.com/office/drawing/2014/main" id="{2266303B-CAC0-6E4F-BB59-E03E011B54B8}"/>
-              </a:ext>
-            </a:extLst>
-          </p:cNvPr>
-          <p:cNvSpPr txBox="1">
-            <a:spLocks/>
-          </p:cNvSpPr>
-          <p:nvPr/>
-        </p:nvSpPr>
-        <p:spPr>
-          <a:xfrm>
-            <a:off x="642645" y="2089953"/>
-            <a:ext cx="3680878" cy="3669741"/>
-          </a:xfrm>
-          <a:prstGeom prst="rect">
-            <a:avLst/>
-          </a:prstGeom>
-        </p:spPr>
-        <p:txBody>
-          <a:bodyPr vert="horz" lIns="91440" tIns="45720" rIns="91440" bIns="45720" rtlCol="0">
-            <a:normAutofit/>
-          </a:bodyPr>
-          <a:lstStyle>
-            <a:lvl1pPr marL="228600" indent="-228600" algn="l" defTabSz="914400" rtl="0" eaLnBrk="1" latinLnBrk="0" hangingPunct="1">
-              <a:lnSpc>
-                <a:spcPct val="90000"/>
-              </a:lnSpc>
-              <a:spcBef>
-                <a:spcPts val="1000"/>
-              </a:spcBef>
-              <a:buFont typeface="Arial" panose="020B0604020202020204" pitchFamily="34" charset="0"/>
-              <a:buChar char="•"/>
-              <a:defRPr sz="2800" kern="1200">
-                <a:solidFill>
-                  <a:schemeClr val="tx1"/>
-                </a:solidFill>
-                <a:latin typeface="+mn-lt"/>
-                <a:ea typeface="+mn-ea"/>
-                <a:cs typeface="+mn-cs"/>
-              </a:defRPr>
-            </a:lvl1pPr>
-            <a:lvl2pPr marL="685800" indent="-228600" algn="l" defTabSz="914400" rtl="0" eaLnBrk="1" latinLnBrk="0" hangingPunct="1">
-              <a:lnSpc>
-                <a:spcPct val="90000"/>
-              </a:lnSpc>
-              <a:spcBef>
-                <a:spcPts val="500"/>
-              </a:spcBef>
-              <a:buFont typeface="Arial" panose="020B0604020202020204" pitchFamily="34" charset="0"/>
-              <a:buChar char="•"/>
-              <a:defRPr sz="2400" kern="1200">
-                <a:solidFill>
-                  <a:schemeClr val="tx1"/>
-                </a:solidFill>
-                <a:latin typeface="+mn-lt"/>
-                <a:ea typeface="+mn-ea"/>
-                <a:cs typeface="+mn-cs"/>
-              </a:defRPr>
-            </a:lvl2pPr>
-            <a:lvl3pPr marL="1143000" indent="-228600" algn="l" defTabSz="914400" rtl="0" eaLnBrk="1" latinLnBrk="0" hangingPunct="1">
-              <a:lnSpc>
-                <a:spcPct val="90000"/>
-              </a:lnSpc>
-              <a:spcBef>
-                <a:spcPts val="500"/>
-              </a:spcBef>
-              <a:buFont typeface="Arial" panose="020B0604020202020204" pitchFamily="34" charset="0"/>
-              <a:buChar char="•"/>
-              <a:defRPr sz="2000" kern="1200">
-                <a:solidFill>
-                  <a:schemeClr val="tx1"/>
-                </a:solidFill>
-                <a:latin typeface="+mn-lt"/>
-                <a:ea typeface="+mn-ea"/>
-                <a:cs typeface="+mn-cs"/>
-              </a:defRPr>
-            </a:lvl3pPr>
-            <a:lvl4pPr marL="1600200" indent="-228600" algn="l" defTabSz="914400" rtl="0" eaLnBrk="1" latinLnBrk="0" hangingPunct="1">
-              <a:lnSpc>
-                <a:spcPct val="90000"/>
-              </a:lnSpc>
-              <a:spcBef>
-                <a:spcPts val="500"/>
-              </a:spcBef>
-              <a:buFont typeface="Arial" panose="020B0604020202020204" pitchFamily="34" charset="0"/>
-              <a:buChar char="•"/>
-              <a:defRPr sz="1800" kern="1200">
-                <a:solidFill>
-                  <a:schemeClr val="tx1"/>
-                </a:solidFill>
-                <a:latin typeface="+mn-lt"/>
-                <a:ea typeface="+mn-ea"/>
-                <a:cs typeface="+mn-cs"/>
-              </a:defRPr>
-            </a:lvl4pPr>
-            <a:lvl5pPr marL="2057400" indent="-228600" algn="l" defTabSz="914400" rtl="0" eaLnBrk="1" latinLnBrk="0" hangingPunct="1">
-              <a:lnSpc>
-                <a:spcPct val="90000"/>
-              </a:lnSpc>
-              <a:spcBef>
-                <a:spcPts val="500"/>
-              </a:spcBef>
-              <a:buFont typeface="Arial" panose="020B0604020202020204" pitchFamily="34" charset="0"/>
-              <a:buChar char="•"/>
-              <a:defRPr sz="1800" kern="1200">
-                <a:solidFill>
-                  <a:schemeClr val="tx1"/>
-                </a:solidFill>
-                <a:latin typeface="+mn-lt"/>
-                <a:ea typeface="+mn-ea"/>
-                <a:cs typeface="+mn-cs"/>
-              </a:defRPr>
-            </a:lvl5pPr>
-            <a:lvl6pPr marL="2514600" indent="-228600" algn="l" defTabSz="914400" rtl="0" eaLnBrk="1" latinLnBrk="0" hangingPunct="1">
-              <a:lnSpc>
-                <a:spcPct val="90000"/>
-              </a:lnSpc>
-              <a:spcBef>
-                <a:spcPts val="500"/>
-              </a:spcBef>
-              <a:buFont typeface="Arial" panose="020B0604020202020204" pitchFamily="34" charset="0"/>
-              <a:buChar char="•"/>
-              <a:defRPr sz="1800" kern="1200">
-                <a:solidFill>
-                  <a:schemeClr val="tx1"/>
-                </a:solidFill>
-                <a:latin typeface="+mn-lt"/>
-                <a:ea typeface="+mn-ea"/>
-                <a:cs typeface="+mn-cs"/>
-              </a:defRPr>
-            </a:lvl6pPr>
-            <a:lvl7pPr marL="2971800" indent="-228600" algn="l" defTabSz="914400" rtl="0" eaLnBrk="1" latinLnBrk="0" hangingPunct="1">
-              <a:lnSpc>
-                <a:spcPct val="90000"/>
-              </a:lnSpc>
-              <a:spcBef>
-                <a:spcPts val="500"/>
-              </a:spcBef>
-              <a:buFont typeface="Arial" panose="020B0604020202020204" pitchFamily="34" charset="0"/>
-              <a:buChar char="•"/>
-              <a:defRPr sz="1800" kern="1200">
-                <a:solidFill>
-                  <a:schemeClr val="tx1"/>
-                </a:solidFill>
-                <a:latin typeface="+mn-lt"/>
-                <a:ea typeface="+mn-ea"/>
-                <a:cs typeface="+mn-cs"/>
-              </a:defRPr>
-            </a:lvl7pPr>
-            <a:lvl8pPr marL="3429000" indent="-228600" algn="l" defTabSz="914400" rtl="0" eaLnBrk="1" latinLnBrk="0" hangingPunct="1">
-              <a:lnSpc>
-                <a:spcPct val="90000"/>
-              </a:lnSpc>
-              <a:spcBef>
-                <a:spcPts val="500"/>
-              </a:spcBef>
-              <a:buFont typeface="Arial" panose="020B0604020202020204" pitchFamily="34" charset="0"/>
-              <a:buChar char="•"/>
-              <a:defRPr sz="1800" kern="1200">
-                <a:solidFill>
-                  <a:schemeClr val="tx1"/>
-                </a:solidFill>
-                <a:latin typeface="+mn-lt"/>
-                <a:ea typeface="+mn-ea"/>
-                <a:cs typeface="+mn-cs"/>
-              </a:defRPr>
-            </a:lvl8pPr>
-            <a:lvl9pPr marL="3886200" indent="-228600" algn="l" defTabSz="914400" rtl="0" eaLnBrk="1" latinLnBrk="0" hangingPunct="1">
-              <a:lnSpc>
-                <a:spcPct val="90000"/>
-              </a:lnSpc>
-              <a:spcBef>
-                <a:spcPts val="500"/>
-              </a:spcBef>
-              <a:buFont typeface="Arial" panose="020B0604020202020204" pitchFamily="34" charset="0"/>
-              <a:buChar char="•"/>
-              <a:defRPr sz="1800" kern="1200">
-                <a:solidFill>
-                  <a:schemeClr val="tx1"/>
-                </a:solidFill>
-                <a:latin typeface="+mn-lt"/>
-                <a:ea typeface="+mn-ea"/>
-                <a:cs typeface="+mn-cs"/>
-              </a:defRPr>
-            </a:lvl9pPr>
-          </a:lstStyle>
-          <a:p>
-            <a:pPr marL="95250">
-              <a:spcAft>
-                <a:spcPts val="1200"/>
-              </a:spcAft>
-            </a:pPr>
-            <a:r>
-              <a:rPr lang="en-GB" sz="1800" dirty="0"/>
-              <a:t>Uses Bernoulli model (identical to binomial with single trial) to compare risk of being a case inside to outside the window. </a:t>
-            </a:r>
-          </a:p>
-        </p:txBody>
-      </p:sp>
     </p:spTree>
     <p:extLst>
       <p:ext uri="{BB962C8B-B14F-4D97-AF65-F5344CB8AC3E}">
@@ -6388,15 +6748,97 @@
             <p:ph type="title"/>
           </p:nvPr>
         </p:nvSpPr>
-        <p:spPr/>
+        <p:spPr>
+          <a:xfrm>
+            <a:off x="1097280" y="234841"/>
+            <a:ext cx="10058400" cy="1450757"/>
+          </a:xfrm>
+        </p:spPr>
         <p:txBody>
           <a:bodyPr/>
           <a:lstStyle/>
           <a:p>
             <a:r>
+              <a:rPr lang="en-US" b="1" dirty="0">
+                <a:solidFill>
+                  <a:srgbClr val="C00000"/>
+                </a:solidFill>
+              </a:rPr>
+              <a:t>Binomial Model</a:t>
+            </a:r>
+          </a:p>
+        </p:txBody>
+      </p:sp>
+      <p:sp>
+        <p:nvSpPr>
+          <p:cNvPr id="10" name="Content Placeholder 2">
+            <a:extLst>
+              <a:ext uri="{FF2B5EF4-FFF2-40B4-BE49-F238E27FC236}">
+                <a16:creationId xmlns:a16="http://schemas.microsoft.com/office/drawing/2014/main" id="{2E956C49-70F2-B942-B4BC-2917ACBF33BA}"/>
+              </a:ext>
+            </a:extLst>
+          </p:cNvPr>
+          <p:cNvSpPr>
+            <a:spLocks noGrp="1"/>
+          </p:cNvSpPr>
+          <p:nvPr>
+            <p:ph idx="1"/>
+          </p:nvPr>
+        </p:nvSpPr>
+        <p:spPr>
+          <a:xfrm>
+            <a:off x="642645" y="2089953"/>
+            <a:ext cx="3680878" cy="3669741"/>
+          </a:xfrm>
+        </p:spPr>
+        <p:txBody>
+          <a:bodyPr>
+            <a:normAutofit/>
+          </a:bodyPr>
+          <a:lstStyle/>
+          <a:p>
+            <a:pPr>
+              <a:spcAft>
+                <a:spcPts val="1200"/>
+              </a:spcAft>
+              <a:buFont typeface="Courier New" panose="02070309020205020404" pitchFamily="49" charset="0"/>
+              <a:buChar char="o"/>
+            </a:pPr>
+            <a:r>
+              <a:rPr lang="en-US" sz="2400" dirty="0"/>
+              <a:t> </a:t>
+            </a:r>
+            <a:r>
               <a:rPr lang="en-US" dirty="0"/>
-              <a:t>Using point prevalence data</a:t>
-            </a:r>
+              <a:t>Uses prevalence point data</a:t>
+            </a:r>
+          </a:p>
+          <a:p>
+            <a:pPr>
+              <a:spcAft>
+                <a:spcPts val="1200"/>
+              </a:spcAft>
+              <a:buFont typeface="Courier New" panose="02070309020205020404" pitchFamily="49" charset="0"/>
+              <a:buChar char="o"/>
+            </a:pPr>
+            <a:r>
+              <a:rPr lang="en-US" dirty="0"/>
+              <a:t> Similar to the case-control scenario, but uses binomial model instead of Bernoulli, as our data are numbers positive and numbers examined (i.e. Binomial).</a:t>
+            </a:r>
+          </a:p>
+          <a:p>
+            <a:pPr>
+              <a:spcAft>
+                <a:spcPts val="1200"/>
+              </a:spcAft>
+              <a:buFont typeface="Courier New" panose="02070309020205020404" pitchFamily="49" charset="0"/>
+              <a:buChar char="o"/>
+            </a:pPr>
+            <a:r>
+              <a:rPr lang="en-US" dirty="0"/>
+              <a:t> Probability of being a positive inside versus outside the window</a:t>
+            </a:r>
+            <a:endParaRPr lang="en-GB" dirty="0"/>
           </a:p>
         </p:txBody>
       </p:sp>
@@ -6422,66 +6864,14 @@
         </p:blipFill>
         <p:spPr>
           <a:xfrm>
-            <a:off x="4872381" y="1690688"/>
-            <a:ext cx="5627757" cy="4854406"/>
+            <a:off x="5406707" y="663434"/>
+            <a:ext cx="6142648" cy="5298542"/>
           </a:xfrm>
           <a:prstGeom prst="rect">
             <a:avLst/>
           </a:prstGeom>
         </p:spPr>
       </p:pic>
-      <p:sp>
-        <p:nvSpPr>
-          <p:cNvPr id="10" name="Content Placeholder 2">
-            <a:extLst>
-              <a:ext uri="{FF2B5EF4-FFF2-40B4-BE49-F238E27FC236}">
-                <a16:creationId xmlns:a16="http://schemas.microsoft.com/office/drawing/2014/main" id="{2E956C49-70F2-B942-B4BC-2917ACBF33BA}"/>
-              </a:ext>
-            </a:extLst>
-          </p:cNvPr>
-          <p:cNvSpPr>
-            <a:spLocks noGrp="1"/>
-          </p:cNvSpPr>
-          <p:nvPr>
-            <p:ph idx="1"/>
-          </p:nvPr>
-        </p:nvSpPr>
-        <p:spPr>
-          <a:xfrm>
-            <a:off x="642645" y="2089953"/>
-            <a:ext cx="3680878" cy="3669741"/>
-          </a:xfrm>
-        </p:spPr>
-        <p:txBody>
-          <a:bodyPr>
-            <a:normAutofit/>
-          </a:bodyPr>
-          <a:lstStyle/>
-          <a:p>
-            <a:pPr>
-              <a:spcAft>
-                <a:spcPts val="1200"/>
-              </a:spcAft>
-            </a:pPr>
-            <a:r>
-              <a:rPr lang="en-US" sz="1800" dirty="0"/>
-              <a:t>Similar to the case-control scenario, but uses binomial model instead of Bernoulli, as our data are numbers positive and numbers examined (i.e. Binomial).</a:t>
-            </a:r>
-          </a:p>
-          <a:p>
-            <a:pPr>
-              <a:spcAft>
-                <a:spcPts val="1200"/>
-              </a:spcAft>
-            </a:pPr>
-            <a:r>
-              <a:rPr lang="en-US" sz="1800" dirty="0"/>
-              <a:t>Probability of being a positive inside versus outside the window</a:t>
-            </a:r>
-            <a:endParaRPr lang="en-GB" sz="1800" dirty="0"/>
-          </a:p>
-        </p:txBody>
-      </p:sp>
     </p:spTree>
     <p:extLst>
       <p:ext uri="{BB962C8B-B14F-4D97-AF65-F5344CB8AC3E}">
@@ -6534,8 +6924,8 @@
         </p:blipFill>
         <p:spPr>
           <a:xfrm>
-            <a:off x="4882320" y="1690688"/>
-            <a:ext cx="5627757" cy="4837080"/>
+            <a:off x="5466963" y="569252"/>
+            <a:ext cx="6359852" cy="5466319"/>
           </a:xfrm>
           <a:prstGeom prst="rect">
             <a:avLst/>
@@ -6558,19 +6948,18 @@
             <p:ph type="title"/>
           </p:nvPr>
         </p:nvSpPr>
-        <p:spPr>
-          <a:xfrm>
-            <a:off x="838200" y="365125"/>
-            <a:ext cx="10515600" cy="1325563"/>
-          </a:xfrm>
-        </p:spPr>
+        <p:spPr/>
         <p:txBody>
           <a:bodyPr/>
           <a:lstStyle/>
           <a:p>
             <a:r>
-              <a:rPr lang="en-US" dirty="0"/>
-              <a:t>Using point prevalence data</a:t>
+              <a:rPr lang="en-US" b="1" dirty="0">
+                <a:solidFill>
+                  <a:srgbClr val="C00000"/>
+                </a:solidFill>
+              </a:rPr>
+              <a:t>Binomial Results</a:t>
             </a:r>
           </a:p>
         </p:txBody>
@@ -6589,9 +6978,9 @@
 </file>
 
 <file path=ppt/theme/theme1.xml><?xml version="1.0" encoding="utf-8"?>
-<a:theme xmlns:a="http://schemas.openxmlformats.org/drawingml/2006/main" name="Office Theme">
+<a:theme xmlns:a="http://schemas.openxmlformats.org/drawingml/2006/main" name="Retrospect">
   <a:themeElements>
-    <a:clrScheme name="Office">
+    <a:clrScheme name="Retrospect">
       <a:dk1>
         <a:sysClr val="windowText" lastClr="000000"/>
       </a:dk1>
@@ -6599,44 +6988,44 @@
         <a:sysClr val="window" lastClr="FFFFFF"/>
       </a:lt1>
       <a:dk2>
-        <a:srgbClr val="44546A"/>
+        <a:srgbClr val="344068"/>
       </a:dk2>
       <a:lt2>
-        <a:srgbClr val="E7E6E6"/>
+        <a:srgbClr val="D9E0E6"/>
       </a:lt2>
       <a:accent1>
-        <a:srgbClr val="4472C4"/>
+        <a:srgbClr val="1CADE4"/>
       </a:accent1>
       <a:accent2>
-        <a:srgbClr val="ED7D31"/>
+        <a:srgbClr val="2683C6"/>
       </a:accent2>
       <a:accent3>
-        <a:srgbClr val="A5A5A5"/>
+        <a:srgbClr val="28C4CC"/>
       </a:accent3>
       <a:accent4>
-        <a:srgbClr val="FFC000"/>
+        <a:srgbClr val="42BA97"/>
       </a:accent4>
       <a:accent5>
-        <a:srgbClr val="5B9BD5"/>
+        <a:srgbClr val="3E8853"/>
       </a:accent5>
       <a:accent6>
-        <a:srgbClr val="70AD47"/>
+        <a:srgbClr val="62A39F"/>
       </a:accent6>
       <a:hlink>
-        <a:srgbClr val="0563C1"/>
+        <a:srgbClr val="6EAC1C"/>
       </a:hlink>
       <a:folHlink>
-        <a:srgbClr val="954F72"/>
+        <a:srgbClr val="B26B02"/>
       </a:folHlink>
     </a:clrScheme>
-    <a:fontScheme name="Office">
+    <a:fontScheme name="Retrospect">
       <a:majorFont>
         <a:latin typeface="Calibri Light" panose="020F0302020204030204"/>
         <a:ea typeface=""/>
         <a:cs typeface=""/>
-        <a:font script="Jpan" typeface="游ゴシック Light"/>
+        <a:font script="Jpan" typeface="ＭＳ Ｐゴシック"/>
         <a:font script="Hang" typeface="맑은 고딕"/>
-        <a:font script="Hans" typeface="等线 Light"/>
+        <a:font script="Hans" typeface="宋体"/>
         <a:font script="Hant" typeface="新細明體"/>
         <a:font script="Arab" typeface="Times New Roman"/>
         <a:font script="Hebr" typeface="Times New Roman"/>
@@ -6664,31 +7053,14 @@
         <a:font script="Viet" typeface="Times New Roman"/>
         <a:font script="Uigh" typeface="Microsoft Uighur"/>
         <a:font script="Geor" typeface="Sylfaen"/>
-        <a:font script="Armn" typeface="Arial"/>
-        <a:font script="Bugi" typeface="Leelawadee UI"/>
-        <a:font script="Bopo" typeface="Microsoft JhengHei"/>
-        <a:font script="Java" typeface="Javanese Text"/>
-        <a:font script="Lisu" typeface="Segoe UI"/>
-        <a:font script="Mymr" typeface="Myanmar Text"/>
-        <a:font script="Nkoo" typeface="Ebrima"/>
-        <a:font script="Olck" typeface="Nirmala UI"/>
-        <a:font script="Osma" typeface="Ebrima"/>
-        <a:font script="Phag" typeface="Phagspa"/>
-        <a:font script="Syrn" typeface="Estrangelo Edessa"/>
-        <a:font script="Syrj" typeface="Estrangelo Edessa"/>
-        <a:font script="Syre" typeface="Estrangelo Edessa"/>
-        <a:font script="Sora" typeface="Nirmala UI"/>
-        <a:font script="Tale" typeface="Microsoft Tai Le"/>
-        <a:font script="Talu" typeface="Microsoft New Tai Lue"/>
-        <a:font script="Tfng" typeface="Ebrima"/>
       </a:majorFont>
       <a:minorFont>
         <a:latin typeface="Calibri" panose="020F0502020204030204"/>
         <a:ea typeface=""/>
         <a:cs typeface=""/>
-        <a:font script="Jpan" typeface="游ゴシック"/>
+        <a:font script="Jpan" typeface="ＭＳ Ｐゴシック"/>
         <a:font script="Hang" typeface="맑은 고딕"/>
-        <a:font script="Hans" typeface="等线"/>
+        <a:font script="Hans" typeface="宋体"/>
         <a:font script="Hant" typeface="新細明體"/>
         <a:font script="Arab" typeface="Arial"/>
         <a:font script="Hebr" typeface="Arial"/>
@@ -6716,26 +7088,9 @@
         <a:font script="Viet" typeface="Arial"/>
         <a:font script="Uigh" typeface="Microsoft Uighur"/>
         <a:font script="Geor" typeface="Sylfaen"/>
-        <a:font script="Armn" typeface="Arial"/>
-        <a:font script="Bugi" typeface="Leelawadee UI"/>
-        <a:font script="Bopo" typeface="Microsoft JhengHei"/>
-        <a:font script="Java" typeface="Javanese Text"/>
-        <a:font script="Lisu" typeface="Segoe UI"/>
-        <a:font script="Mymr" typeface="Myanmar Text"/>
-        <a:font script="Nkoo" typeface="Ebrima"/>
-        <a:font script="Olck" typeface="Nirmala UI"/>
-        <a:font script="Osma" typeface="Ebrima"/>
-        <a:font script="Phag" typeface="Phagspa"/>
-        <a:font script="Syrn" typeface="Estrangelo Edessa"/>
-        <a:font script="Syrj" typeface="Estrangelo Edessa"/>
-        <a:font script="Syre" typeface="Estrangelo Edessa"/>
-        <a:font script="Sora" typeface="Nirmala UI"/>
-        <a:font script="Tale" typeface="Microsoft Tai Le"/>
-        <a:font script="Talu" typeface="Microsoft New Tai Lue"/>
-        <a:font script="Tfng" typeface="Ebrima"/>
       </a:minorFont>
     </a:fontScheme>
-    <a:fmtScheme name="Office">
+    <a:fmtScheme name="Retrospect">
       <a:fillStyleLst>
         <a:solidFill>
           <a:schemeClr val="phClr"/>
@@ -6744,76 +7099,81 @@
           <a:gsLst>
             <a:gs pos="0">
               <a:schemeClr val="phClr">
-                <a:lumMod val="110000"/>
-                <a:satMod val="105000"/>
-                <a:tint val="67000"/>
+                <a:tint val="65000"/>
+                <a:shade val="92000"/>
+                <a:satMod val="130000"/>
               </a:schemeClr>
             </a:gs>
-            <a:gs pos="50000">
+            <a:gs pos="45000">
               <a:schemeClr val="phClr">
-                <a:lumMod val="105000"/>
-                <a:satMod val="103000"/>
-                <a:tint val="73000"/>
+                <a:tint val="60000"/>
+                <a:shade val="99000"/>
+                <a:satMod val="120000"/>
               </a:schemeClr>
             </a:gs>
             <a:gs pos="100000">
               <a:schemeClr val="phClr">
-                <a:lumMod val="105000"/>
-                <a:satMod val="109000"/>
-                <a:tint val="81000"/>
+                <a:tint val="55000"/>
+                <a:satMod val="140000"/>
               </a:schemeClr>
             </a:gs>
           </a:gsLst>
-          <a:lin ang="5400000" scaled="0"/>
+          <a:path path="circle">
+            <a:fillToRect l="100000" t="100000" r="100000" b="100000"/>
+          </a:path>
         </a:gradFill>
         <a:gradFill rotWithShape="1">
           <a:gsLst>
             <a:gs pos="0">
               <a:schemeClr val="phClr">
-                <a:satMod val="103000"/>
-                <a:lumMod val="102000"/>
-                <a:tint val="94000"/>
+                <a:shade val="85000"/>
+                <a:satMod val="130000"/>
               </a:schemeClr>
             </a:gs>
-            <a:gs pos="50000">
+            <a:gs pos="34000">
               <a:schemeClr val="phClr">
-                <a:satMod val="110000"/>
-                <a:lumMod val="100000"/>
-                <a:shade val="100000"/>
+                <a:shade val="87000"/>
+                <a:satMod val="125000"/>
+              </a:schemeClr>
+            </a:gs>
+            <a:gs pos="70000">
+              <a:schemeClr val="phClr">
+                <a:tint val="100000"/>
+                <a:shade val="90000"/>
+                <a:satMod val="130000"/>
               </a:schemeClr>
             </a:gs>
             <a:gs pos="100000">
               <a:schemeClr val="phClr">
-                <a:lumMod val="99000"/>
-                <a:satMod val="120000"/>
-                <a:shade val="78000"/>
+                <a:tint val="100000"/>
+                <a:shade val="100000"/>
+                <a:satMod val="110000"/>
               </a:schemeClr>
             </a:gs>
           </a:gsLst>
-          <a:lin ang="5400000" scaled="0"/>
+          <a:path path="circle">
+            <a:fillToRect l="100000" t="100000" r="100000" b="100000"/>
+          </a:path>
         </a:gradFill>
       </a:fillStyleLst>
       <a:lnStyleLst>
-        <a:ln w="6350" cap="flat" cmpd="sng" algn="ctr">
-          <a:solidFill>
-            <a:schemeClr val="phClr"/>
-          </a:solidFill>
-          <a:prstDash val="solid"/>
-          <a:miter lim="800000"/>
-        </a:ln>
         <a:ln w="12700" cap="flat" cmpd="sng" algn="ctr">
           <a:solidFill>
             <a:schemeClr val="phClr"/>
           </a:solidFill>
           <a:prstDash val="solid"/>
-          <a:miter lim="800000"/>
         </a:ln>
-        <a:ln w="19050" cap="flat" cmpd="sng" algn="ctr">
+        <a:ln w="15875" cap="flat" cmpd="sng" algn="ctr">
           <a:solidFill>
             <a:schemeClr val="phClr"/>
           </a:solidFill>
           <a:prstDash val="solid"/>
-          <a:miter lim="800000"/>
+        </a:ln>
+        <a:ln w="25400" cap="flat" cmpd="sng" algn="ctr">
+          <a:solidFill>
+            <a:schemeClr val="phClr"/>
+          </a:solidFill>
+          <a:prstDash val="solid"/>
         </a:ln>
       </a:lnStyleLst>
       <a:effectStyleLst>
@@ -6821,16 +7181,33 @@
           <a:effectLst/>
         </a:effectStyle>
         <a:effectStyle>
-          <a:effectLst/>
+          <a:effectLst>
+            <a:outerShdw blurRad="38100" dist="25400" dir="2700000" algn="br" rotWithShape="0">
+              <a:srgbClr val="000000">
+                <a:alpha val="60000"/>
+              </a:srgbClr>
+            </a:outerShdw>
+          </a:effectLst>
         </a:effectStyle>
         <a:effectStyle>
           <a:effectLst>
-            <a:outerShdw blurRad="57150" dist="19050" dir="5400000" algn="ctr" rotWithShape="0">
+            <a:outerShdw blurRad="44450" dist="25400" dir="2700000" algn="br" rotWithShape="0">
               <a:srgbClr val="000000">
-                <a:alpha val="63000"/>
+                <a:alpha val="60000"/>
               </a:srgbClr>
             </a:outerShdw>
           </a:effectLst>
+          <a:scene3d>
+            <a:camera prst="orthographicFront">
+              <a:rot lat="0" lon="0" rev="0"/>
+            </a:camera>
+            <a:lightRig rig="threePt" dir="t">
+              <a:rot lat="0" lon="0" rev="19800000"/>
+            </a:lightRig>
+          </a:scene3d>
+          <a:sp3d prstMaterial="flat">
+            <a:bevelT w="25400" h="31750"/>
+          </a:sp3d>
         </a:effectStyle>
       </a:effectStyleLst>
       <a:bgFillStyleLst>
@@ -6839,36 +7216,36 @@
         </a:solidFill>
         <a:solidFill>
           <a:schemeClr val="phClr">
-            <a:tint val="95000"/>
-            <a:satMod val="170000"/>
+            <a:tint val="90000"/>
+            <a:shade val="97000"/>
+            <a:satMod val="130000"/>
           </a:schemeClr>
         </a:solidFill>
         <a:gradFill rotWithShape="1">
           <a:gsLst>
             <a:gs pos="0">
               <a:schemeClr val="phClr">
-                <a:tint val="93000"/>
-                <a:satMod val="150000"/>
-                <a:shade val="98000"/>
-                <a:lumMod val="102000"/>
+                <a:tint val="96000"/>
+                <a:shade val="99000"/>
+                <a:satMod val="140000"/>
               </a:schemeClr>
             </a:gs>
-            <a:gs pos="50000">
+            <a:gs pos="65000">
               <a:schemeClr val="phClr">
-                <a:tint val="98000"/>
+                <a:tint val="100000"/>
+                <a:shade val="80000"/>
                 <a:satMod val="130000"/>
-                <a:shade val="90000"/>
-                <a:lumMod val="103000"/>
               </a:schemeClr>
             </a:gs>
             <a:gs pos="100000">
               <a:schemeClr val="phClr">
-                <a:shade val="63000"/>
+                <a:tint val="100000"/>
+                <a:shade val="48000"/>
                 <a:satMod val="120000"/>
               </a:schemeClr>
             </a:gs>
           </a:gsLst>
-          <a:lin ang="5400000" scaled="0"/>
+          <a:lin ang="16200000" scaled="0"/>
         </a:gradFill>
       </a:bgFillStyleLst>
     </a:fmtScheme>
@@ -6877,7 +7254,7 @@
   <a:extraClrSchemeLst/>
   <a:extLst>
     <a:ext uri="{05A4C25C-085E-4340-85A3-A5531E510DB2}">
-      <thm15:themeFamily xmlns:thm15="http://schemas.microsoft.com/office/thememl/2012/main" name="Office Theme" id="{62F939B6-93AF-4DB8-9C6B-D6C7DFDC589F}" vid="{4A3C46E8-61CC-4603-A589-7422A47A8E4A}"/>
+      <thm15:themeFamily xmlns:thm15="http://schemas.microsoft.com/office/thememl/2012/main" name="Retrospect" id="{5F128B03-DCCA-4EEB-AB3B-CF2899314A46}" vid="{9CC26709-368C-4D72-9060-94E5B3FF3CD6}"/>
     </a:ext>
   </a:extLst>
 </a:theme>
